--- a/Self Driving Car Project/Project demonstration/Self-driving car simulation system.pptx
+++ b/Self Driving Car Project/Project demonstration/Self-driving car simulation system.pptx
@@ -1,43 +1,46 @@
 
 <file path=ppt/presentation.xml><?xml version="1.0" encoding="utf-8"?>
-<p:presentation xmlns:a="http://schemas.openxmlformats.org/drawingml/2006/main" xmlns:r="http://schemas.openxmlformats.org/officeDocument/2006/relationships" xmlns:mc="http://schemas.openxmlformats.org/markup-compatibility/2006" xmlns:mv="urn:schemas-microsoft-com:mac:vml" xmlns:p="http://schemas.openxmlformats.org/presentationml/2006/main" xmlns:c="http://schemas.openxmlformats.org/drawingml/2006/chart" xmlns:dgm="http://schemas.openxmlformats.org/drawingml/2006/diagram" xmlns:o="urn:schemas-microsoft-com:office:office" xmlns:v="urn:schemas-microsoft-com:vml" xmlns:pvml="urn:schemas-microsoft-com:office:powerpoint" xmlns:com="http://schemas.openxmlformats.org/drawingml/2006/compatibility" xmlns:p14="http://schemas.microsoft.com/office/powerpoint/2010/main" xmlns:p15="http://schemas.microsoft.com/office/powerpoint/2012/main" autoCompressPictures="0" embedTrueTypeFonts="1" strictFirstAndLastChars="0" saveSubsetFonts="1">
+<p:presentation xmlns:a="http://schemas.openxmlformats.org/drawingml/2006/main" xmlns:r="http://schemas.openxmlformats.org/officeDocument/2006/relationships" xmlns:p="http://schemas.openxmlformats.org/presentationml/2006/main" strictFirstAndLastChars="0" embedTrueTypeFonts="1" saveSubsetFonts="1" autoCompressPictures="0">
   <p:sldMasterIdLst>
-    <p:sldMasterId id="2147483659" r:id="rId4"/>
+    <p:sldMasterId id="2147483659" r:id="rId1"/>
   </p:sldMasterIdLst>
   <p:notesMasterIdLst>
-    <p:notesMasterId r:id="rId5"/>
+    <p:notesMasterId r:id="rId15"/>
   </p:notesMasterIdLst>
   <p:sldIdLst>
-    <p:sldId id="256" r:id="rId6"/>
-    <p:sldId id="257" r:id="rId7"/>
-    <p:sldId id="258" r:id="rId8"/>
-    <p:sldId id="259" r:id="rId9"/>
-    <p:sldId id="260" r:id="rId10"/>
-    <p:sldId id="261" r:id="rId11"/>
-    <p:sldId id="262" r:id="rId12"/>
-    <p:sldId id="263" r:id="rId13"/>
-    <p:sldId id="264" r:id="rId14"/>
-    <p:sldId id="265" r:id="rId15"/>
+    <p:sldId id="256" r:id="rId2"/>
+    <p:sldId id="257" r:id="rId3"/>
+    <p:sldId id="258" r:id="rId4"/>
+    <p:sldId id="259" r:id="rId5"/>
+    <p:sldId id="260" r:id="rId6"/>
+    <p:sldId id="261" r:id="rId7"/>
+    <p:sldId id="262" r:id="rId8"/>
+    <p:sldId id="263" r:id="rId9"/>
+    <p:sldId id="264" r:id="rId10"/>
+    <p:sldId id="265" r:id="rId11"/>
+    <p:sldId id="266" r:id="rId12"/>
+    <p:sldId id="267" r:id="rId13"/>
+    <p:sldId id="268" r:id="rId14"/>
   </p:sldIdLst>
-  <p:sldSz cy="5143500" cx="9144000"/>
+  <p:sldSz cx="9144000" cy="5143500" type="screen16x9"/>
   <p:notesSz cx="6858000" cy="9144000"/>
   <p:embeddedFontLst>
     <p:embeddedFont>
-      <p:font typeface="Raleway"/>
+      <p:font typeface="Lato" panose="020B0604020202020204" charset="0"/>
       <p:regular r:id="rId16"/>
       <p:bold r:id="rId17"/>
       <p:italic r:id="rId18"/>
       <p:boldItalic r:id="rId19"/>
     </p:embeddedFont>
     <p:embeddedFont>
-      <p:font typeface="Roboto"/>
+      <p:font typeface="Raleway" panose="020B0604020202020204" charset="0"/>
       <p:regular r:id="rId20"/>
       <p:bold r:id="rId21"/>
       <p:italic r:id="rId22"/>
       <p:boldItalic r:id="rId23"/>
     </p:embeddedFont>
     <p:embeddedFont>
-      <p:font typeface="Lato"/>
+      <p:font typeface="Roboto" panose="020B0604020202020204" charset="0"/>
       <p:regular r:id="rId24"/>
       <p:bold r:id="rId25"/>
       <p:italic r:id="rId26"/>
@@ -45,7 +48,7 @@
     </p:embeddedFont>
   </p:embeddedFontLst>
   <p:defaultTextStyle>
-    <a:defPPr lvl="0" marR="0" rtl="0" algn="l">
+    <a:defPPr marR="0" lvl="0" algn="l" rtl="0">
       <a:lnSpc>
         <a:spcPct val="100000"/>
       </a:lnSpc>
@@ -56,7 +59,7 @@
         <a:spcPts val="0"/>
       </a:spcAft>
     </a:defPPr>
-    <a:lvl1pPr lvl="0" marR="0" rtl="0" algn="l">
+    <a:lvl1pPr marR="0" lvl="0" algn="l" rtl="0">
       <a:lnSpc>
         <a:spcPct val="100000"/>
       </a:lnSpc>
@@ -70,7 +73,7 @@
         <a:srgbClr val="000000"/>
       </a:buClr>
       <a:buFont typeface="Arial"/>
-      <a:defRPr b="0" i="0" sz="1400" u="none" cap="none" strike="noStrike">
+      <a:defRPr sz="1400" b="0" i="0" u="none" strike="noStrike" cap="none">
         <a:solidFill>
           <a:srgbClr val="000000"/>
         </a:solidFill>
@@ -80,7 +83,7 @@
         <a:sym typeface="Arial"/>
       </a:defRPr>
     </a:lvl1pPr>
-    <a:lvl2pPr lvl="1" marR="0" rtl="0" algn="l">
+    <a:lvl2pPr marR="0" lvl="1" algn="l" rtl="0">
       <a:lnSpc>
         <a:spcPct val="100000"/>
       </a:lnSpc>
@@ -94,7 +97,7 @@
         <a:srgbClr val="000000"/>
       </a:buClr>
       <a:buFont typeface="Arial"/>
-      <a:defRPr b="0" i="0" sz="1400" u="none" cap="none" strike="noStrike">
+      <a:defRPr sz="1400" b="0" i="0" u="none" strike="noStrike" cap="none">
         <a:solidFill>
           <a:srgbClr val="000000"/>
         </a:solidFill>
@@ -104,7 +107,7 @@
         <a:sym typeface="Arial"/>
       </a:defRPr>
     </a:lvl2pPr>
-    <a:lvl3pPr lvl="2" marR="0" rtl="0" algn="l">
+    <a:lvl3pPr marR="0" lvl="2" algn="l" rtl="0">
       <a:lnSpc>
         <a:spcPct val="100000"/>
       </a:lnSpc>
@@ -118,7 +121,7 @@
         <a:srgbClr val="000000"/>
       </a:buClr>
       <a:buFont typeface="Arial"/>
-      <a:defRPr b="0" i="0" sz="1400" u="none" cap="none" strike="noStrike">
+      <a:defRPr sz="1400" b="0" i="0" u="none" strike="noStrike" cap="none">
         <a:solidFill>
           <a:srgbClr val="000000"/>
         </a:solidFill>
@@ -128,7 +131,7 @@
         <a:sym typeface="Arial"/>
       </a:defRPr>
     </a:lvl3pPr>
-    <a:lvl4pPr lvl="3" marR="0" rtl="0" algn="l">
+    <a:lvl4pPr marR="0" lvl="3" algn="l" rtl="0">
       <a:lnSpc>
         <a:spcPct val="100000"/>
       </a:lnSpc>
@@ -142,7 +145,7 @@
         <a:srgbClr val="000000"/>
       </a:buClr>
       <a:buFont typeface="Arial"/>
-      <a:defRPr b="0" i="0" sz="1400" u="none" cap="none" strike="noStrike">
+      <a:defRPr sz="1400" b="0" i="0" u="none" strike="noStrike" cap="none">
         <a:solidFill>
           <a:srgbClr val="000000"/>
         </a:solidFill>
@@ -152,7 +155,7 @@
         <a:sym typeface="Arial"/>
       </a:defRPr>
     </a:lvl4pPr>
-    <a:lvl5pPr lvl="4" marR="0" rtl="0" algn="l">
+    <a:lvl5pPr marR="0" lvl="4" algn="l" rtl="0">
       <a:lnSpc>
         <a:spcPct val="100000"/>
       </a:lnSpc>
@@ -166,7 +169,7 @@
         <a:srgbClr val="000000"/>
       </a:buClr>
       <a:buFont typeface="Arial"/>
-      <a:defRPr b="0" i="0" sz="1400" u="none" cap="none" strike="noStrike">
+      <a:defRPr sz="1400" b="0" i="0" u="none" strike="noStrike" cap="none">
         <a:solidFill>
           <a:srgbClr val="000000"/>
         </a:solidFill>
@@ -176,7 +179,7 @@
         <a:sym typeface="Arial"/>
       </a:defRPr>
     </a:lvl5pPr>
-    <a:lvl6pPr lvl="5" marR="0" rtl="0" algn="l">
+    <a:lvl6pPr marR="0" lvl="5" algn="l" rtl="0">
       <a:lnSpc>
         <a:spcPct val="100000"/>
       </a:lnSpc>
@@ -190,7 +193,7 @@
         <a:srgbClr val="000000"/>
       </a:buClr>
       <a:buFont typeface="Arial"/>
-      <a:defRPr b="0" i="0" sz="1400" u="none" cap="none" strike="noStrike">
+      <a:defRPr sz="1400" b="0" i="0" u="none" strike="noStrike" cap="none">
         <a:solidFill>
           <a:srgbClr val="000000"/>
         </a:solidFill>
@@ -200,7 +203,7 @@
         <a:sym typeface="Arial"/>
       </a:defRPr>
     </a:lvl6pPr>
-    <a:lvl7pPr lvl="6" marR="0" rtl="0" algn="l">
+    <a:lvl7pPr marR="0" lvl="6" algn="l" rtl="0">
       <a:lnSpc>
         <a:spcPct val="100000"/>
       </a:lnSpc>
@@ -214,7 +217,7 @@
         <a:srgbClr val="000000"/>
       </a:buClr>
       <a:buFont typeface="Arial"/>
-      <a:defRPr b="0" i="0" sz="1400" u="none" cap="none" strike="noStrike">
+      <a:defRPr sz="1400" b="0" i="0" u="none" strike="noStrike" cap="none">
         <a:solidFill>
           <a:srgbClr val="000000"/>
         </a:solidFill>
@@ -224,7 +227,7 @@
         <a:sym typeface="Arial"/>
       </a:defRPr>
     </a:lvl7pPr>
-    <a:lvl8pPr lvl="7" marR="0" rtl="0" algn="l">
+    <a:lvl8pPr marR="0" lvl="7" algn="l" rtl="0">
       <a:lnSpc>
         <a:spcPct val="100000"/>
       </a:lnSpc>
@@ -238,7 +241,7 @@
         <a:srgbClr val="000000"/>
       </a:buClr>
       <a:buFont typeface="Arial"/>
-      <a:defRPr b="0" i="0" sz="1400" u="none" cap="none" strike="noStrike">
+      <a:defRPr sz="1400" b="0" i="0" u="none" strike="noStrike" cap="none">
         <a:solidFill>
           <a:srgbClr val="000000"/>
         </a:solidFill>
@@ -248,7 +251,7 @@
         <a:sym typeface="Arial"/>
       </a:defRPr>
     </a:lvl8pPr>
-    <a:lvl9pPr lvl="8" marR="0" rtl="0" algn="l">
+    <a:lvl9pPr marR="0" lvl="8" algn="l" rtl="0">
       <a:lnSpc>
         <a:spcPct val="100000"/>
       </a:lnSpc>
@@ -262,7 +265,7 @@
         <a:srgbClr val="000000"/>
       </a:buClr>
       <a:buFont typeface="Arial"/>
-      <a:defRPr b="0" i="0" sz="1400" u="none" cap="none" strike="noStrike">
+      <a:defRPr sz="1400" b="0" i="0" u="none" strike="noStrike" cap="none">
         <a:solidFill>
           <a:srgbClr val="000000"/>
         </a:solidFill>
@@ -275,7 +278,7 @@
   </p:defaultTextStyle>
   <p:extLst>
     <p:ext uri="{EFAFB233-063F-42B5-8137-9DF3F51BA10A}">
-      <p15:sldGuideLst>
+      <p15:sldGuideLst xmlns:p15="http://schemas.microsoft.com/office/powerpoint/2012/main">
         <p15:guide id="1" orient="horz" pos="1620">
           <p15:clr>
             <a:srgbClr val="A4A3A4"/>
@@ -293,11 +296,16 @@
 </file>
 
 <file path=ppt/notesMasters/notesMaster1.xml><?xml version="1.0" encoding="utf-8"?>
-<p:notesMaster xmlns:a="http://schemas.openxmlformats.org/drawingml/2006/main" xmlns:r="http://schemas.openxmlformats.org/officeDocument/2006/relationships" xmlns:mc="http://schemas.openxmlformats.org/markup-compatibility/2006" xmlns:mv="urn:schemas-microsoft-com:mac:vml" xmlns:p="http://schemas.openxmlformats.org/presentationml/2006/main" xmlns:c="http://schemas.openxmlformats.org/drawingml/2006/chart" xmlns:dgm="http://schemas.openxmlformats.org/drawingml/2006/diagram" xmlns:o="urn:schemas-microsoft-com:office:office" xmlns:v="urn:schemas-microsoft-com:vml" xmlns:pvml="urn:schemas-microsoft-com:office:powerpoint" xmlns:com="http://schemas.openxmlformats.org/drawingml/2006/compatibility" xmlns:p14="http://schemas.microsoft.com/office/powerpoint/2010/main" xmlns:p15="http://schemas.microsoft.com/office/powerpoint/2012/main">
+<p:notesMaster xmlns:a="http://schemas.openxmlformats.org/drawingml/2006/main" xmlns:r="http://schemas.openxmlformats.org/officeDocument/2006/relationships" xmlns:p="http://schemas.openxmlformats.org/presentationml/2006/main">
   <p:cSld>
+    <p:bg>
+      <p:bgRef idx="1001">
+        <a:schemeClr val="bg1"/>
+      </p:bgRef>
+    </p:bg>
     <p:spTree>
       <p:nvGrpSpPr>
-        <p:cNvPr id="2" name="Shape 2"/>
+        <p:cNvPr id="1" name="Shape 2"/>
         <p:cNvGrpSpPr/>
         <p:nvPr/>
       </p:nvGrpSpPr>
@@ -312,9 +320,11 @@
       <p:sp>
         <p:nvSpPr>
           <p:cNvPr id="3" name="Google Shape;3;n"/>
-          <p:cNvSpPr/>
+          <p:cNvSpPr>
+            <a:spLocks noGrp="1" noRot="1" noChangeAspect="1"/>
+          </p:cNvSpPr>
           <p:nvPr>
-            <p:ph idx="2" type="sldImg"/>
+            <p:ph type="sldImg" idx="2"/>
           </p:nvPr>
         </p:nvSpPr>
         <p:spPr>
@@ -323,9 +333,13 @@
             <a:ext cx="6096075" cy="3429000"/>
           </a:xfrm>
           <a:custGeom>
-            <a:rect b="b" l="l" r="r" t="t"/>
+            <a:avLst/>
+            <a:gdLst/>
+            <a:ahLst/>
+            <a:cxnLst/>
+            <a:rect l="l" t="t" r="r" b="b"/>
             <a:pathLst>
-              <a:path extrusionOk="0" h="120000" w="120000">
+              <a:path w="120000" h="120000" extrusionOk="0">
                 <a:moveTo>
                   <a:pt x="0" y="0"/>
                 </a:moveTo>
@@ -343,23 +357,25 @@
             </a:pathLst>
           </a:custGeom>
           <a:noFill/>
-          <a:ln cap="flat" cmpd="sng" w="9525">
+          <a:ln w="9525" cap="flat" cmpd="sng">
             <a:solidFill>
               <a:srgbClr val="000000"/>
             </a:solidFill>
             <a:prstDash val="solid"/>
             <a:round/>
-            <a:headEnd len="sm" w="sm" type="none"/>
-            <a:tailEnd len="sm" w="sm" type="none"/>
+            <a:headEnd type="none" w="sm" len="sm"/>
+            <a:tailEnd type="none" w="sm" len="sm"/>
           </a:ln>
         </p:spPr>
       </p:sp>
       <p:sp>
         <p:nvSpPr>
           <p:cNvPr id="4" name="Google Shape;4;n"/>
-          <p:cNvSpPr txBox="1"/>
+          <p:cNvSpPr txBox="1">
+            <a:spLocks noGrp="1"/>
+          </p:cNvSpPr>
           <p:nvPr>
-            <p:ph idx="1" type="body"/>
+            <p:ph type="body" idx="1"/>
           </p:nvPr>
         </p:nvSpPr>
         <p:spPr>
@@ -376,11 +392,11 @@
           </a:ln>
         </p:spPr>
         <p:txBody>
-          <a:bodyPr anchorCtr="0" anchor="t" bIns="91425" lIns="91425" spcFirstLastPara="1" rIns="91425" wrap="square" tIns="91425">
+          <a:bodyPr spcFirstLastPara="1" wrap="square" lIns="91425" tIns="91425" rIns="91425" bIns="91425" anchor="t" anchorCtr="0">
             <a:noAutofit/>
           </a:bodyPr>
           <a:lstStyle>
-            <a:lvl1pPr indent="-298450" lvl="0" marL="457200">
+            <a:lvl1pPr marL="457200" lvl="0" indent="-298450">
               <a:spcBef>
                 <a:spcPts val="0"/>
               </a:spcBef>
@@ -391,7 +407,7 @@
               <a:buChar char="●"/>
               <a:defRPr sz="1100"/>
             </a:lvl1pPr>
-            <a:lvl2pPr indent="-298450" lvl="1" marL="914400">
+            <a:lvl2pPr marL="914400" lvl="1" indent="-298450">
               <a:spcBef>
                 <a:spcPts val="0"/>
               </a:spcBef>
@@ -402,7 +418,7 @@
               <a:buChar char="○"/>
               <a:defRPr sz="1100"/>
             </a:lvl2pPr>
-            <a:lvl3pPr indent="-298450" lvl="2" marL="1371600">
+            <a:lvl3pPr marL="1371600" lvl="2" indent="-298450">
               <a:spcBef>
                 <a:spcPts val="0"/>
               </a:spcBef>
@@ -413,7 +429,7 @@
               <a:buChar char="■"/>
               <a:defRPr sz="1100"/>
             </a:lvl3pPr>
-            <a:lvl4pPr indent="-298450" lvl="3" marL="1828800">
+            <a:lvl4pPr marL="1828800" lvl="3" indent="-298450">
               <a:spcBef>
                 <a:spcPts val="0"/>
               </a:spcBef>
@@ -424,7 +440,7 @@
               <a:buChar char="●"/>
               <a:defRPr sz="1100"/>
             </a:lvl4pPr>
-            <a:lvl5pPr indent="-298450" lvl="4" marL="2286000">
+            <a:lvl5pPr marL="2286000" lvl="4" indent="-298450">
               <a:spcBef>
                 <a:spcPts val="0"/>
               </a:spcBef>
@@ -435,7 +451,7 @@
               <a:buChar char="○"/>
               <a:defRPr sz="1100"/>
             </a:lvl5pPr>
-            <a:lvl6pPr indent="-298450" lvl="5" marL="2743200">
+            <a:lvl6pPr marL="2743200" lvl="5" indent="-298450">
               <a:spcBef>
                 <a:spcPts val="0"/>
               </a:spcBef>
@@ -446,7 +462,7 @@
               <a:buChar char="■"/>
               <a:defRPr sz="1100"/>
             </a:lvl6pPr>
-            <a:lvl7pPr indent="-298450" lvl="6" marL="3200400">
+            <a:lvl7pPr marL="3200400" lvl="6" indent="-298450">
               <a:spcBef>
                 <a:spcPts val="0"/>
               </a:spcBef>
@@ -457,7 +473,7 @@
               <a:buChar char="●"/>
               <a:defRPr sz="1100"/>
             </a:lvl7pPr>
-            <a:lvl8pPr indent="-298450" lvl="7" marL="3657600">
+            <a:lvl8pPr marL="3657600" lvl="7" indent="-298450">
               <a:spcBef>
                 <a:spcPts val="0"/>
               </a:spcBef>
@@ -468,7 +484,7 @@
               <a:buChar char="○"/>
               <a:defRPr sz="1100"/>
             </a:lvl8pPr>
-            <a:lvl9pPr indent="-298450" lvl="8" marL="4114800">
+            <a:lvl9pPr marL="4114800" lvl="8" indent="-298450">
               <a:spcBef>
                 <a:spcPts val="0"/>
               </a:spcBef>
@@ -480,14 +496,16 @@
               <a:defRPr sz="1100"/>
             </a:lvl9pPr>
           </a:lstStyle>
-          <a:p/>
+          <a:p>
+            <a:endParaRPr/>
+          </a:p>
         </p:txBody>
       </p:sp>
     </p:spTree>
   </p:cSld>
-  <p:clrMap accent1="accent1" accent2="accent2" accent3="accent3" accent4="accent4" accent5="accent5" accent6="accent6" bg1="lt1" bg2="dk2" tx1="dk1" tx2="lt2" folHlink="folHlink" hlink="hlink"/>
+  <p:clrMap bg1="lt1" tx1="dk1" bg2="dk2" tx2="lt2" accent1="accent1" accent2="accent2" accent3="accent3" accent4="accent4" accent5="accent5" accent6="accent6" hlink="hlink" folHlink="folHlink"/>
   <p:notesStyle>
-    <a:defPPr lvl="0" marR="0" rtl="0" algn="l">
+    <a:defPPr marR="0" lvl="0" algn="l" rtl="0">
       <a:lnSpc>
         <a:spcPct val="100000"/>
       </a:lnSpc>
@@ -498,7 +516,7 @@
         <a:spcPts val="0"/>
       </a:spcAft>
     </a:defPPr>
-    <a:lvl1pPr lvl="0" marR="0" rtl="0" algn="l">
+    <a:lvl1pPr marR="0" lvl="0" algn="l" rtl="0">
       <a:lnSpc>
         <a:spcPct val="100000"/>
       </a:lnSpc>
@@ -512,7 +530,7 @@
         <a:srgbClr val="000000"/>
       </a:buClr>
       <a:buFont typeface="Arial"/>
-      <a:defRPr b="0" i="0" sz="1400" u="none" cap="none" strike="noStrike">
+      <a:defRPr sz="1400" b="0" i="0" u="none" strike="noStrike" cap="none">
         <a:solidFill>
           <a:srgbClr val="000000"/>
         </a:solidFill>
@@ -522,7 +540,7 @@
         <a:sym typeface="Arial"/>
       </a:defRPr>
     </a:lvl1pPr>
-    <a:lvl2pPr lvl="1" marR="0" rtl="0" algn="l">
+    <a:lvl2pPr marR="0" lvl="1" algn="l" rtl="0">
       <a:lnSpc>
         <a:spcPct val="100000"/>
       </a:lnSpc>
@@ -536,7 +554,7 @@
         <a:srgbClr val="000000"/>
       </a:buClr>
       <a:buFont typeface="Arial"/>
-      <a:defRPr b="0" i="0" sz="1400" u="none" cap="none" strike="noStrike">
+      <a:defRPr sz="1400" b="0" i="0" u="none" strike="noStrike" cap="none">
         <a:solidFill>
           <a:srgbClr val="000000"/>
         </a:solidFill>
@@ -546,7 +564,7 @@
         <a:sym typeface="Arial"/>
       </a:defRPr>
     </a:lvl2pPr>
-    <a:lvl3pPr lvl="2" marR="0" rtl="0" algn="l">
+    <a:lvl3pPr marR="0" lvl="2" algn="l" rtl="0">
       <a:lnSpc>
         <a:spcPct val="100000"/>
       </a:lnSpc>
@@ -560,7 +578,7 @@
         <a:srgbClr val="000000"/>
       </a:buClr>
       <a:buFont typeface="Arial"/>
-      <a:defRPr b="0" i="0" sz="1400" u="none" cap="none" strike="noStrike">
+      <a:defRPr sz="1400" b="0" i="0" u="none" strike="noStrike" cap="none">
         <a:solidFill>
           <a:srgbClr val="000000"/>
         </a:solidFill>
@@ -570,7 +588,7 @@
         <a:sym typeface="Arial"/>
       </a:defRPr>
     </a:lvl3pPr>
-    <a:lvl4pPr lvl="3" marR="0" rtl="0" algn="l">
+    <a:lvl4pPr marR="0" lvl="3" algn="l" rtl="0">
       <a:lnSpc>
         <a:spcPct val="100000"/>
       </a:lnSpc>
@@ -584,7 +602,7 @@
         <a:srgbClr val="000000"/>
       </a:buClr>
       <a:buFont typeface="Arial"/>
-      <a:defRPr b="0" i="0" sz="1400" u="none" cap="none" strike="noStrike">
+      <a:defRPr sz="1400" b="0" i="0" u="none" strike="noStrike" cap="none">
         <a:solidFill>
           <a:srgbClr val="000000"/>
         </a:solidFill>
@@ -594,7 +612,7 @@
         <a:sym typeface="Arial"/>
       </a:defRPr>
     </a:lvl4pPr>
-    <a:lvl5pPr lvl="4" marR="0" rtl="0" algn="l">
+    <a:lvl5pPr marR="0" lvl="4" algn="l" rtl="0">
       <a:lnSpc>
         <a:spcPct val="100000"/>
       </a:lnSpc>
@@ -608,7 +626,7 @@
         <a:srgbClr val="000000"/>
       </a:buClr>
       <a:buFont typeface="Arial"/>
-      <a:defRPr b="0" i="0" sz="1400" u="none" cap="none" strike="noStrike">
+      <a:defRPr sz="1400" b="0" i="0" u="none" strike="noStrike" cap="none">
         <a:solidFill>
           <a:srgbClr val="000000"/>
         </a:solidFill>
@@ -618,7 +636,7 @@
         <a:sym typeface="Arial"/>
       </a:defRPr>
     </a:lvl5pPr>
-    <a:lvl6pPr lvl="5" marR="0" rtl="0" algn="l">
+    <a:lvl6pPr marR="0" lvl="5" algn="l" rtl="0">
       <a:lnSpc>
         <a:spcPct val="100000"/>
       </a:lnSpc>
@@ -632,7 +650,7 @@
         <a:srgbClr val="000000"/>
       </a:buClr>
       <a:buFont typeface="Arial"/>
-      <a:defRPr b="0" i="0" sz="1400" u="none" cap="none" strike="noStrike">
+      <a:defRPr sz="1400" b="0" i="0" u="none" strike="noStrike" cap="none">
         <a:solidFill>
           <a:srgbClr val="000000"/>
         </a:solidFill>
@@ -642,7 +660,7 @@
         <a:sym typeface="Arial"/>
       </a:defRPr>
     </a:lvl6pPr>
-    <a:lvl7pPr lvl="6" marR="0" rtl="0" algn="l">
+    <a:lvl7pPr marR="0" lvl="6" algn="l" rtl="0">
       <a:lnSpc>
         <a:spcPct val="100000"/>
       </a:lnSpc>
@@ -656,7 +674,7 @@
         <a:srgbClr val="000000"/>
       </a:buClr>
       <a:buFont typeface="Arial"/>
-      <a:defRPr b="0" i="0" sz="1400" u="none" cap="none" strike="noStrike">
+      <a:defRPr sz="1400" b="0" i="0" u="none" strike="noStrike" cap="none">
         <a:solidFill>
           <a:srgbClr val="000000"/>
         </a:solidFill>
@@ -666,7 +684,7 @@
         <a:sym typeface="Arial"/>
       </a:defRPr>
     </a:lvl7pPr>
-    <a:lvl8pPr lvl="7" marR="0" rtl="0" algn="l">
+    <a:lvl8pPr marR="0" lvl="7" algn="l" rtl="0">
       <a:lnSpc>
         <a:spcPct val="100000"/>
       </a:lnSpc>
@@ -680,7 +698,7 @@
         <a:srgbClr val="000000"/>
       </a:buClr>
       <a:buFont typeface="Arial"/>
-      <a:defRPr b="0" i="0" sz="1400" u="none" cap="none" strike="noStrike">
+      <a:defRPr sz="1400" b="0" i="0" u="none" strike="noStrike" cap="none">
         <a:solidFill>
           <a:srgbClr val="000000"/>
         </a:solidFill>
@@ -690,7 +708,7 @@
         <a:sym typeface="Arial"/>
       </a:defRPr>
     </a:lvl8pPr>
-    <a:lvl9pPr lvl="8" marR="0" rtl="0" algn="l">
+    <a:lvl9pPr marR="0" lvl="8" algn="l" rtl="0">
       <a:lnSpc>
         <a:spcPct val="100000"/>
       </a:lnSpc>
@@ -704,7 +722,7 @@
         <a:srgbClr val="000000"/>
       </a:buClr>
       <a:buFont typeface="Arial"/>
-      <a:defRPr b="0" i="0" sz="1400" u="none" cap="none" strike="noStrike">
+      <a:defRPr sz="1400" b="0" i="0" u="none" strike="noStrike" cap="none">
         <a:solidFill>
           <a:srgbClr val="000000"/>
         </a:solidFill>
@@ -719,11 +737,11 @@
 </file>
 
 <file path=ppt/notesSlides/notesSlide1.xml><?xml version="1.0" encoding="utf-8"?>
-<p:notes xmlns:a="http://schemas.openxmlformats.org/drawingml/2006/main" xmlns:r="http://schemas.openxmlformats.org/officeDocument/2006/relationships" xmlns:mc="http://schemas.openxmlformats.org/markup-compatibility/2006" xmlns:mv="urn:schemas-microsoft-com:mac:vml" xmlns:p="http://schemas.openxmlformats.org/presentationml/2006/main" xmlns:c="http://schemas.openxmlformats.org/drawingml/2006/chart" xmlns:dgm="http://schemas.openxmlformats.org/drawingml/2006/diagram" xmlns:o="urn:schemas-microsoft-com:office:office" xmlns:v="urn:schemas-microsoft-com:vml" xmlns:pvml="urn:schemas-microsoft-com:office:powerpoint" xmlns:com="http://schemas.openxmlformats.org/drawingml/2006/compatibility" xmlns:p14="http://schemas.microsoft.com/office/powerpoint/2010/main" xmlns:p15="http://schemas.microsoft.com/office/powerpoint/2012/main" showMasterPhAnim="0" showMasterSp="0">
+<p:notes xmlns:a="http://schemas.openxmlformats.org/drawingml/2006/main" xmlns:r="http://schemas.openxmlformats.org/officeDocument/2006/relationships" xmlns:p="http://schemas.openxmlformats.org/presentationml/2006/main" showMasterSp="0" showMasterPhAnim="0">
   <p:cSld>
     <p:spTree>
       <p:nvGrpSpPr>
-        <p:cNvPr id="82" name="Shape 82"/>
+        <p:cNvPr id="1" name="Shape 82"/>
         <p:cNvGrpSpPr/>
         <p:nvPr/>
       </p:nvGrpSpPr>
@@ -738,20 +756,26 @@
       <p:sp>
         <p:nvSpPr>
           <p:cNvPr id="83" name="Google Shape;83;p:notes"/>
-          <p:cNvSpPr/>
+          <p:cNvSpPr>
+            <a:spLocks noGrp="1" noRot="1" noChangeAspect="1"/>
+          </p:cNvSpPr>
           <p:nvPr>
-            <p:ph idx="2" type="sldImg"/>
+            <p:ph type="sldImg" idx="2"/>
           </p:nvPr>
         </p:nvSpPr>
         <p:spPr>
           <a:xfrm>
-            <a:off x="381300" y="685800"/>
-            <a:ext cx="6096075" cy="3429000"/>
+            <a:off x="381000" y="685800"/>
+            <a:ext cx="6096000" cy="3429000"/>
           </a:xfrm>
           <a:custGeom>
-            <a:rect b="b" l="l" r="r" t="t"/>
+            <a:avLst/>
+            <a:gdLst/>
+            <a:ahLst/>
+            <a:cxnLst/>
+            <a:rect l="l" t="t" r="r" b="b"/>
             <a:pathLst>
-              <a:path extrusionOk="0" h="120000" w="120000">
+              <a:path w="120000" h="120000" extrusionOk="0">
                 <a:moveTo>
                   <a:pt x="0" y="0"/>
                 </a:moveTo>
@@ -773,9 +797,11 @@
       <p:sp>
         <p:nvSpPr>
           <p:cNvPr id="84" name="Google Shape;84;p:notes"/>
-          <p:cNvSpPr txBox="1"/>
+          <p:cNvSpPr txBox="1">
+            <a:spLocks noGrp="1"/>
+          </p:cNvSpPr>
           <p:nvPr>
-            <p:ph idx="1" type="body"/>
+            <p:ph type="body" idx="1"/>
           </p:nvPr>
         </p:nvSpPr>
         <p:spPr>
@@ -788,12 +814,12 @@
           </a:prstGeom>
         </p:spPr>
         <p:txBody>
-          <a:bodyPr anchorCtr="0" anchor="t" bIns="91425" lIns="91425" spcFirstLastPara="1" rIns="91425" wrap="square" tIns="91425">
+          <a:bodyPr spcFirstLastPara="1" wrap="square" lIns="91425" tIns="91425" rIns="91425" bIns="91425" anchor="t" anchorCtr="0">
             <a:noAutofit/>
           </a:bodyPr>
           <a:lstStyle/>
           <a:p>
-            <a:pPr indent="0" lvl="0" marL="0" rtl="0" algn="l">
+            <a:pPr marL="0" lvl="0" indent="0" algn="l" rtl="0">
               <a:spcBef>
                 <a:spcPts val="0"/>
               </a:spcBef>
@@ -802,9 +828,6 @@
               </a:spcAft>
               <a:buNone/>
             </a:pPr>
-            <a:r>
-              <a:t/>
-            </a:r>
             <a:endParaRPr/>
           </a:p>
         </p:txBody>
@@ -818,11 +841,11 @@
 </file>
 
 <file path=ppt/notesSlides/notesSlide10.xml><?xml version="1.0" encoding="utf-8"?>
-<p:notes xmlns:a="http://schemas.openxmlformats.org/drawingml/2006/main" xmlns:r="http://schemas.openxmlformats.org/officeDocument/2006/relationships" xmlns:mc="http://schemas.openxmlformats.org/markup-compatibility/2006" xmlns:mv="urn:schemas-microsoft-com:mac:vml" xmlns:p="http://schemas.openxmlformats.org/presentationml/2006/main" xmlns:c="http://schemas.openxmlformats.org/drawingml/2006/chart" xmlns:dgm="http://schemas.openxmlformats.org/drawingml/2006/diagram" xmlns:o="urn:schemas-microsoft-com:office:office" xmlns:v="urn:schemas-microsoft-com:vml" xmlns:pvml="urn:schemas-microsoft-com:office:powerpoint" xmlns:com="http://schemas.openxmlformats.org/drawingml/2006/compatibility" xmlns:p14="http://schemas.microsoft.com/office/powerpoint/2010/main" xmlns:p15="http://schemas.microsoft.com/office/powerpoint/2012/main" showMasterPhAnim="0" showMasterSp="0">
+<p:notes xmlns:a="http://schemas.openxmlformats.org/drawingml/2006/main" xmlns:r="http://schemas.openxmlformats.org/officeDocument/2006/relationships" xmlns:p="http://schemas.openxmlformats.org/presentationml/2006/main" showMasterSp="0" showMasterPhAnim="0">
   <p:cSld>
     <p:spTree>
       <p:nvGrpSpPr>
-        <p:cNvPr id="138" name="Shape 138"/>
+        <p:cNvPr id="1" name="Shape 143"/>
         <p:cNvGrpSpPr/>
         <p:nvPr/>
       </p:nvGrpSpPr>
@@ -836,10 +859,12 @@
       </p:grpSpPr>
       <p:sp>
         <p:nvSpPr>
-          <p:cNvPr id="139" name="Google Shape;139;g8393878304_0_10:notes"/>
-          <p:cNvSpPr/>
+          <p:cNvPr id="144" name="Google Shape;144;g74dcb92d05_0_0:notes"/>
+          <p:cNvSpPr>
+            <a:spLocks noGrp="1" noRot="1" noChangeAspect="1"/>
+          </p:cNvSpPr>
           <p:nvPr>
-            <p:ph idx="2" type="sldImg"/>
+            <p:ph type="sldImg" idx="2"/>
           </p:nvPr>
         </p:nvSpPr>
         <p:spPr>
@@ -848,9 +873,13 @@
             <a:ext cx="6096000" cy="3429000"/>
           </a:xfrm>
           <a:custGeom>
-            <a:rect b="b" l="l" r="r" t="t"/>
+            <a:avLst/>
+            <a:gdLst/>
+            <a:ahLst/>
+            <a:cxnLst/>
+            <a:rect l="l" t="t" r="r" b="b"/>
             <a:pathLst>
-              <a:path extrusionOk="0" h="120000" w="120000">
+              <a:path w="120000" h="120000" extrusionOk="0">
                 <a:moveTo>
                   <a:pt x="0" y="0"/>
                 </a:moveTo>
@@ -871,10 +900,12 @@
       </p:sp>
       <p:sp>
         <p:nvSpPr>
-          <p:cNvPr id="140" name="Google Shape;140;g8393878304_0_10:notes"/>
-          <p:cNvSpPr txBox="1"/>
+          <p:cNvPr id="145" name="Google Shape;145;g74dcb92d05_0_0:notes"/>
+          <p:cNvSpPr txBox="1">
+            <a:spLocks noGrp="1"/>
+          </p:cNvSpPr>
           <p:nvPr>
-            <p:ph idx="1" type="body"/>
+            <p:ph type="body" idx="1"/>
           </p:nvPr>
         </p:nvSpPr>
         <p:spPr>
@@ -887,12 +918,12 @@
           </a:prstGeom>
         </p:spPr>
         <p:txBody>
-          <a:bodyPr anchorCtr="0" anchor="t" bIns="91425" lIns="91425" spcFirstLastPara="1" rIns="91425" wrap="square" tIns="91425">
+          <a:bodyPr spcFirstLastPara="1" wrap="square" lIns="91425" tIns="91425" rIns="91425" bIns="91425" anchor="t" anchorCtr="0">
             <a:noAutofit/>
           </a:bodyPr>
           <a:lstStyle/>
           <a:p>
-            <a:pPr indent="0" lvl="0" marL="0" rtl="0" algn="l">
+            <a:pPr marL="0" lvl="0" indent="0" algn="l" rtl="0">
               <a:spcBef>
                 <a:spcPts val="0"/>
               </a:spcBef>
@@ -901,9 +932,318 @@
               </a:spcAft>
               <a:buNone/>
             </a:pPr>
-            <a:r>
-              <a:t/>
-            </a:r>
+            <a:endParaRPr/>
+          </a:p>
+        </p:txBody>
+      </p:sp>
+    </p:spTree>
+  </p:cSld>
+  <p:clrMapOvr>
+    <a:masterClrMapping/>
+  </p:clrMapOvr>
+</p:notes>
+</file>
+
+<file path=ppt/notesSlides/notesSlide11.xml><?xml version="1.0" encoding="utf-8"?>
+<p:notes xmlns:a="http://schemas.openxmlformats.org/drawingml/2006/main" xmlns:r="http://schemas.openxmlformats.org/officeDocument/2006/relationships" xmlns:p="http://schemas.openxmlformats.org/presentationml/2006/main" showMasterSp="0" showMasterPhAnim="0">
+  <p:cSld>
+    <p:spTree>
+      <p:nvGrpSpPr>
+        <p:cNvPr id="1" name="Shape 150"/>
+        <p:cNvGrpSpPr/>
+        <p:nvPr/>
+      </p:nvGrpSpPr>
+      <p:grpSpPr>
+        <a:xfrm>
+          <a:off x="0" y="0"/>
+          <a:ext cx="0" cy="0"/>
+          <a:chOff x="0" y="0"/>
+          <a:chExt cx="0" cy="0"/>
+        </a:xfrm>
+      </p:grpSpPr>
+      <p:sp>
+        <p:nvSpPr>
+          <p:cNvPr id="151" name="Google Shape;151;g74dcb92d05_0_13:notes"/>
+          <p:cNvSpPr>
+            <a:spLocks noGrp="1" noRot="1" noChangeAspect="1"/>
+          </p:cNvSpPr>
+          <p:nvPr>
+            <p:ph type="sldImg" idx="2"/>
+          </p:nvPr>
+        </p:nvSpPr>
+        <p:spPr>
+          <a:xfrm>
+            <a:off x="381300" y="685800"/>
+            <a:ext cx="6096000" cy="3429000"/>
+          </a:xfrm>
+          <a:custGeom>
+            <a:avLst/>
+            <a:gdLst/>
+            <a:ahLst/>
+            <a:cxnLst/>
+            <a:rect l="l" t="t" r="r" b="b"/>
+            <a:pathLst>
+              <a:path w="120000" h="120000" extrusionOk="0">
+                <a:moveTo>
+                  <a:pt x="0" y="0"/>
+                </a:moveTo>
+                <a:lnTo>
+                  <a:pt x="120000" y="0"/>
+                </a:lnTo>
+                <a:lnTo>
+                  <a:pt x="120000" y="120000"/>
+                </a:lnTo>
+                <a:lnTo>
+                  <a:pt x="0" y="120000"/>
+                </a:lnTo>
+                <a:close/>
+              </a:path>
+            </a:pathLst>
+          </a:custGeom>
+        </p:spPr>
+      </p:sp>
+      <p:sp>
+        <p:nvSpPr>
+          <p:cNvPr id="152" name="Google Shape;152;g74dcb92d05_0_13:notes"/>
+          <p:cNvSpPr txBox="1">
+            <a:spLocks noGrp="1"/>
+          </p:cNvSpPr>
+          <p:nvPr>
+            <p:ph type="body" idx="1"/>
+          </p:nvPr>
+        </p:nvSpPr>
+        <p:spPr>
+          <a:xfrm>
+            <a:off x="685800" y="4343400"/>
+            <a:ext cx="5486400" cy="4114800"/>
+          </a:xfrm>
+          <a:prstGeom prst="rect">
+            <a:avLst/>
+          </a:prstGeom>
+        </p:spPr>
+        <p:txBody>
+          <a:bodyPr spcFirstLastPara="1" wrap="square" lIns="91425" tIns="91425" rIns="91425" bIns="91425" anchor="t" anchorCtr="0">
+            <a:noAutofit/>
+          </a:bodyPr>
+          <a:lstStyle/>
+          <a:p>
+            <a:pPr marL="0" lvl="0" indent="0" algn="l" rtl="0">
+              <a:spcBef>
+                <a:spcPts val="0"/>
+              </a:spcBef>
+              <a:spcAft>
+                <a:spcPts val="0"/>
+              </a:spcAft>
+              <a:buNone/>
+            </a:pPr>
+            <a:endParaRPr/>
+          </a:p>
+        </p:txBody>
+      </p:sp>
+    </p:spTree>
+  </p:cSld>
+  <p:clrMapOvr>
+    <a:masterClrMapping/>
+  </p:clrMapOvr>
+</p:notes>
+</file>
+
+<file path=ppt/notesSlides/notesSlide12.xml><?xml version="1.0" encoding="utf-8"?>
+<p:notes xmlns:a="http://schemas.openxmlformats.org/drawingml/2006/main" xmlns:r="http://schemas.openxmlformats.org/officeDocument/2006/relationships" xmlns:p="http://schemas.openxmlformats.org/presentationml/2006/main" showMasterSp="0" showMasterPhAnim="0">
+  <p:cSld>
+    <p:spTree>
+      <p:nvGrpSpPr>
+        <p:cNvPr id="1" name="Shape 156"/>
+        <p:cNvGrpSpPr/>
+        <p:nvPr/>
+      </p:nvGrpSpPr>
+      <p:grpSpPr>
+        <a:xfrm>
+          <a:off x="0" y="0"/>
+          <a:ext cx="0" cy="0"/>
+          <a:chOff x="0" y="0"/>
+          <a:chExt cx="0" cy="0"/>
+        </a:xfrm>
+      </p:grpSpPr>
+      <p:sp>
+        <p:nvSpPr>
+          <p:cNvPr id="157" name="Google Shape;157;g8393878304_0_5:notes"/>
+          <p:cNvSpPr>
+            <a:spLocks noGrp="1" noRot="1" noChangeAspect="1"/>
+          </p:cNvSpPr>
+          <p:nvPr>
+            <p:ph type="sldImg" idx="2"/>
+          </p:nvPr>
+        </p:nvSpPr>
+        <p:spPr>
+          <a:xfrm>
+            <a:off x="381000" y="685800"/>
+            <a:ext cx="6096000" cy="3429000"/>
+          </a:xfrm>
+          <a:custGeom>
+            <a:avLst/>
+            <a:gdLst/>
+            <a:ahLst/>
+            <a:cxnLst/>
+            <a:rect l="l" t="t" r="r" b="b"/>
+            <a:pathLst>
+              <a:path w="120000" h="120000" extrusionOk="0">
+                <a:moveTo>
+                  <a:pt x="0" y="0"/>
+                </a:moveTo>
+                <a:lnTo>
+                  <a:pt x="120000" y="0"/>
+                </a:lnTo>
+                <a:lnTo>
+                  <a:pt x="120000" y="120000"/>
+                </a:lnTo>
+                <a:lnTo>
+                  <a:pt x="0" y="120000"/>
+                </a:lnTo>
+                <a:close/>
+              </a:path>
+            </a:pathLst>
+          </a:custGeom>
+        </p:spPr>
+      </p:sp>
+      <p:sp>
+        <p:nvSpPr>
+          <p:cNvPr id="158" name="Google Shape;158;g8393878304_0_5:notes"/>
+          <p:cNvSpPr txBox="1">
+            <a:spLocks noGrp="1"/>
+          </p:cNvSpPr>
+          <p:nvPr>
+            <p:ph type="body" idx="1"/>
+          </p:nvPr>
+        </p:nvSpPr>
+        <p:spPr>
+          <a:xfrm>
+            <a:off x="685800" y="4343400"/>
+            <a:ext cx="5486400" cy="4114800"/>
+          </a:xfrm>
+          <a:prstGeom prst="rect">
+            <a:avLst/>
+          </a:prstGeom>
+        </p:spPr>
+        <p:txBody>
+          <a:bodyPr spcFirstLastPara="1" wrap="square" lIns="91425" tIns="91425" rIns="91425" bIns="91425" anchor="t" anchorCtr="0">
+            <a:noAutofit/>
+          </a:bodyPr>
+          <a:lstStyle/>
+          <a:p>
+            <a:pPr marL="0" lvl="0" indent="0" algn="l" rtl="0">
+              <a:spcBef>
+                <a:spcPts val="0"/>
+              </a:spcBef>
+              <a:spcAft>
+                <a:spcPts val="0"/>
+              </a:spcAft>
+              <a:buNone/>
+            </a:pPr>
+            <a:endParaRPr/>
+          </a:p>
+        </p:txBody>
+      </p:sp>
+    </p:spTree>
+  </p:cSld>
+  <p:clrMapOvr>
+    <a:masterClrMapping/>
+  </p:clrMapOvr>
+</p:notes>
+</file>
+
+<file path=ppt/notesSlides/notesSlide13.xml><?xml version="1.0" encoding="utf-8"?>
+<p:notes xmlns:a="http://schemas.openxmlformats.org/drawingml/2006/main" xmlns:r="http://schemas.openxmlformats.org/officeDocument/2006/relationships" xmlns:p="http://schemas.openxmlformats.org/presentationml/2006/main" showMasterSp="0" showMasterPhAnim="0">
+  <p:cSld>
+    <p:spTree>
+      <p:nvGrpSpPr>
+        <p:cNvPr id="1" name="Shape 162"/>
+        <p:cNvGrpSpPr/>
+        <p:nvPr/>
+      </p:nvGrpSpPr>
+      <p:grpSpPr>
+        <a:xfrm>
+          <a:off x="0" y="0"/>
+          <a:ext cx="0" cy="0"/>
+          <a:chOff x="0" y="0"/>
+          <a:chExt cx="0" cy="0"/>
+        </a:xfrm>
+      </p:grpSpPr>
+      <p:sp>
+        <p:nvSpPr>
+          <p:cNvPr id="163" name="Google Shape;163;g8393878304_0_10:notes"/>
+          <p:cNvSpPr>
+            <a:spLocks noGrp="1" noRot="1" noChangeAspect="1"/>
+          </p:cNvSpPr>
+          <p:nvPr>
+            <p:ph type="sldImg" idx="2"/>
+          </p:nvPr>
+        </p:nvSpPr>
+        <p:spPr>
+          <a:xfrm>
+            <a:off x="381300" y="685800"/>
+            <a:ext cx="6096000" cy="3429000"/>
+          </a:xfrm>
+          <a:custGeom>
+            <a:avLst/>
+            <a:gdLst/>
+            <a:ahLst/>
+            <a:cxnLst/>
+            <a:rect l="l" t="t" r="r" b="b"/>
+            <a:pathLst>
+              <a:path w="120000" h="120000" extrusionOk="0">
+                <a:moveTo>
+                  <a:pt x="0" y="0"/>
+                </a:moveTo>
+                <a:lnTo>
+                  <a:pt x="120000" y="0"/>
+                </a:lnTo>
+                <a:lnTo>
+                  <a:pt x="120000" y="120000"/>
+                </a:lnTo>
+                <a:lnTo>
+                  <a:pt x="0" y="120000"/>
+                </a:lnTo>
+                <a:close/>
+              </a:path>
+            </a:pathLst>
+          </a:custGeom>
+        </p:spPr>
+      </p:sp>
+      <p:sp>
+        <p:nvSpPr>
+          <p:cNvPr id="164" name="Google Shape;164;g8393878304_0_10:notes"/>
+          <p:cNvSpPr txBox="1">
+            <a:spLocks noGrp="1"/>
+          </p:cNvSpPr>
+          <p:nvPr>
+            <p:ph type="body" idx="1"/>
+          </p:nvPr>
+        </p:nvSpPr>
+        <p:spPr>
+          <a:xfrm>
+            <a:off x="685800" y="4343400"/>
+            <a:ext cx="5486400" cy="4114800"/>
+          </a:xfrm>
+          <a:prstGeom prst="rect">
+            <a:avLst/>
+          </a:prstGeom>
+        </p:spPr>
+        <p:txBody>
+          <a:bodyPr spcFirstLastPara="1" wrap="square" lIns="91425" tIns="91425" rIns="91425" bIns="91425" anchor="t" anchorCtr="0">
+            <a:noAutofit/>
+          </a:bodyPr>
+          <a:lstStyle/>
+          <a:p>
+            <a:pPr marL="0" lvl="0" indent="0" algn="l" rtl="0">
+              <a:spcBef>
+                <a:spcPts val="0"/>
+              </a:spcBef>
+              <a:spcAft>
+                <a:spcPts val="0"/>
+              </a:spcAft>
+              <a:buNone/>
+            </a:pPr>
             <a:endParaRPr/>
           </a:p>
         </p:txBody>
@@ -917,11 +1257,11 @@
 </file>
 
 <file path=ppt/notesSlides/notesSlide2.xml><?xml version="1.0" encoding="utf-8"?>
-<p:notes xmlns:a="http://schemas.openxmlformats.org/drawingml/2006/main" xmlns:r="http://schemas.openxmlformats.org/officeDocument/2006/relationships" xmlns:mc="http://schemas.openxmlformats.org/markup-compatibility/2006" xmlns:mv="urn:schemas-microsoft-com:mac:vml" xmlns:p="http://schemas.openxmlformats.org/presentationml/2006/main" xmlns:c="http://schemas.openxmlformats.org/drawingml/2006/chart" xmlns:dgm="http://schemas.openxmlformats.org/drawingml/2006/diagram" xmlns:o="urn:schemas-microsoft-com:office:office" xmlns:v="urn:schemas-microsoft-com:vml" xmlns:pvml="urn:schemas-microsoft-com:office:powerpoint" xmlns:com="http://schemas.openxmlformats.org/drawingml/2006/compatibility" xmlns:p14="http://schemas.microsoft.com/office/powerpoint/2010/main" xmlns:p15="http://schemas.microsoft.com/office/powerpoint/2012/main" showMasterPhAnim="0" showMasterSp="0">
+<p:notes xmlns:a="http://schemas.openxmlformats.org/drawingml/2006/main" xmlns:r="http://schemas.openxmlformats.org/officeDocument/2006/relationships" xmlns:p="http://schemas.openxmlformats.org/presentationml/2006/main" showMasterSp="0" showMasterPhAnim="0">
   <p:cSld>
     <p:spTree>
       <p:nvGrpSpPr>
-        <p:cNvPr id="88" name="Shape 88"/>
+        <p:cNvPr id="1" name="Shape 88"/>
         <p:cNvGrpSpPr/>
         <p:nvPr/>
       </p:nvGrpSpPr>
@@ -936,9 +1276,11 @@
       <p:sp>
         <p:nvSpPr>
           <p:cNvPr id="89" name="Google Shape;89;g83992c3552_0_354:notes"/>
-          <p:cNvSpPr/>
+          <p:cNvSpPr>
+            <a:spLocks noGrp="1" noRot="1" noChangeAspect="1"/>
+          </p:cNvSpPr>
           <p:nvPr>
-            <p:ph idx="2" type="sldImg"/>
+            <p:ph type="sldImg" idx="2"/>
           </p:nvPr>
         </p:nvSpPr>
         <p:spPr>
@@ -947,9 +1289,13 @@
             <a:ext cx="6096000" cy="3429000"/>
           </a:xfrm>
           <a:custGeom>
-            <a:rect b="b" l="l" r="r" t="t"/>
+            <a:avLst/>
+            <a:gdLst/>
+            <a:ahLst/>
+            <a:cxnLst/>
+            <a:rect l="l" t="t" r="r" b="b"/>
             <a:pathLst>
-              <a:path extrusionOk="0" h="120000" w="120000">
+              <a:path w="120000" h="120000" extrusionOk="0">
                 <a:moveTo>
                   <a:pt x="0" y="0"/>
                 </a:moveTo>
@@ -971,9 +1317,11 @@
       <p:sp>
         <p:nvSpPr>
           <p:cNvPr id="90" name="Google Shape;90;g83992c3552_0_354:notes"/>
-          <p:cNvSpPr txBox="1"/>
+          <p:cNvSpPr txBox="1">
+            <a:spLocks noGrp="1"/>
+          </p:cNvSpPr>
           <p:nvPr>
-            <p:ph idx="1" type="body"/>
+            <p:ph type="body" idx="1"/>
           </p:nvPr>
         </p:nvSpPr>
         <p:spPr>
@@ -986,12 +1334,12 @@
           </a:prstGeom>
         </p:spPr>
         <p:txBody>
-          <a:bodyPr anchorCtr="0" anchor="t" bIns="91425" lIns="91425" spcFirstLastPara="1" rIns="91425" wrap="square" tIns="91425">
+          <a:bodyPr spcFirstLastPara="1" wrap="square" lIns="91425" tIns="91425" rIns="91425" bIns="91425" anchor="t" anchorCtr="0">
             <a:noAutofit/>
           </a:bodyPr>
           <a:lstStyle/>
           <a:p>
-            <a:pPr indent="0" lvl="0" marL="0" rtl="0" algn="l">
+            <a:pPr marL="0" lvl="0" indent="0" algn="l" rtl="0">
               <a:spcBef>
                 <a:spcPts val="0"/>
               </a:spcBef>
@@ -1000,9 +1348,6 @@
               </a:spcAft>
               <a:buNone/>
             </a:pPr>
-            <a:r>
-              <a:t/>
-            </a:r>
             <a:endParaRPr/>
           </a:p>
         </p:txBody>
@@ -1016,11 +1361,11 @@
 </file>
 
 <file path=ppt/notesSlides/notesSlide3.xml><?xml version="1.0" encoding="utf-8"?>
-<p:notes xmlns:a="http://schemas.openxmlformats.org/drawingml/2006/main" xmlns:r="http://schemas.openxmlformats.org/officeDocument/2006/relationships" xmlns:mc="http://schemas.openxmlformats.org/markup-compatibility/2006" xmlns:mv="urn:schemas-microsoft-com:mac:vml" xmlns:p="http://schemas.openxmlformats.org/presentationml/2006/main" xmlns:c="http://schemas.openxmlformats.org/drawingml/2006/chart" xmlns:dgm="http://schemas.openxmlformats.org/drawingml/2006/diagram" xmlns:o="urn:schemas-microsoft-com:office:office" xmlns:v="urn:schemas-microsoft-com:vml" xmlns:pvml="urn:schemas-microsoft-com:office:powerpoint" xmlns:com="http://schemas.openxmlformats.org/drawingml/2006/compatibility" xmlns:p14="http://schemas.microsoft.com/office/powerpoint/2010/main" xmlns:p15="http://schemas.microsoft.com/office/powerpoint/2012/main" showMasterPhAnim="0" showMasterSp="0">
+<p:notes xmlns:a="http://schemas.openxmlformats.org/drawingml/2006/main" xmlns:r="http://schemas.openxmlformats.org/officeDocument/2006/relationships" xmlns:p="http://schemas.openxmlformats.org/presentationml/2006/main" showMasterSp="0" showMasterPhAnim="0">
   <p:cSld>
     <p:spTree>
       <p:nvGrpSpPr>
-        <p:cNvPr id="94" name="Shape 94"/>
+        <p:cNvPr id="1" name="Shape 94"/>
         <p:cNvGrpSpPr/>
         <p:nvPr/>
       </p:nvGrpSpPr>
@@ -1035,9 +1380,11 @@
       <p:sp>
         <p:nvSpPr>
           <p:cNvPr id="95" name="Google Shape;95;g83992c3552_0_359:notes"/>
-          <p:cNvSpPr/>
+          <p:cNvSpPr>
+            <a:spLocks noGrp="1" noRot="1" noChangeAspect="1"/>
+          </p:cNvSpPr>
           <p:nvPr>
-            <p:ph idx="2" type="sldImg"/>
+            <p:ph type="sldImg" idx="2"/>
           </p:nvPr>
         </p:nvSpPr>
         <p:spPr>
@@ -1046,9 +1393,13 @@
             <a:ext cx="6096000" cy="3429000"/>
           </a:xfrm>
           <a:custGeom>
-            <a:rect b="b" l="l" r="r" t="t"/>
+            <a:avLst/>
+            <a:gdLst/>
+            <a:ahLst/>
+            <a:cxnLst/>
+            <a:rect l="l" t="t" r="r" b="b"/>
             <a:pathLst>
-              <a:path extrusionOk="0" h="120000" w="120000">
+              <a:path w="120000" h="120000" extrusionOk="0">
                 <a:moveTo>
                   <a:pt x="0" y="0"/>
                 </a:moveTo>
@@ -1070,9 +1421,11 @@
       <p:sp>
         <p:nvSpPr>
           <p:cNvPr id="96" name="Google Shape;96;g83992c3552_0_359:notes"/>
-          <p:cNvSpPr txBox="1"/>
+          <p:cNvSpPr txBox="1">
+            <a:spLocks noGrp="1"/>
+          </p:cNvSpPr>
           <p:nvPr>
-            <p:ph idx="1" type="body"/>
+            <p:ph type="body" idx="1"/>
           </p:nvPr>
         </p:nvSpPr>
         <p:spPr>
@@ -1085,12 +1438,12 @@
           </a:prstGeom>
         </p:spPr>
         <p:txBody>
-          <a:bodyPr anchorCtr="0" anchor="t" bIns="91425" lIns="91425" spcFirstLastPara="1" rIns="91425" wrap="square" tIns="91425">
+          <a:bodyPr spcFirstLastPara="1" wrap="square" lIns="91425" tIns="91425" rIns="91425" bIns="91425" anchor="t" anchorCtr="0">
             <a:noAutofit/>
           </a:bodyPr>
           <a:lstStyle/>
           <a:p>
-            <a:pPr indent="0" lvl="0" marL="0" rtl="0" algn="l">
+            <a:pPr marL="0" lvl="0" indent="0" algn="l" rtl="0">
               <a:spcBef>
                 <a:spcPts val="0"/>
               </a:spcBef>
@@ -1099,9 +1452,6 @@
               </a:spcAft>
               <a:buNone/>
             </a:pPr>
-            <a:r>
-              <a:t/>
-            </a:r>
             <a:endParaRPr/>
           </a:p>
         </p:txBody>
@@ -1115,11 +1465,11 @@
 </file>
 
 <file path=ppt/notesSlides/notesSlide4.xml><?xml version="1.0" encoding="utf-8"?>
-<p:notes xmlns:a="http://schemas.openxmlformats.org/drawingml/2006/main" xmlns:r="http://schemas.openxmlformats.org/officeDocument/2006/relationships" xmlns:mc="http://schemas.openxmlformats.org/markup-compatibility/2006" xmlns:mv="urn:schemas-microsoft-com:mac:vml" xmlns:p="http://schemas.openxmlformats.org/presentationml/2006/main" xmlns:c="http://schemas.openxmlformats.org/drawingml/2006/chart" xmlns:dgm="http://schemas.openxmlformats.org/drawingml/2006/diagram" xmlns:o="urn:schemas-microsoft-com:office:office" xmlns:v="urn:schemas-microsoft-com:vml" xmlns:pvml="urn:schemas-microsoft-com:office:powerpoint" xmlns:com="http://schemas.openxmlformats.org/drawingml/2006/compatibility" xmlns:p14="http://schemas.microsoft.com/office/powerpoint/2010/main" xmlns:p15="http://schemas.microsoft.com/office/powerpoint/2012/main" showMasterPhAnim="0" showMasterSp="0">
+<p:notes xmlns:a="http://schemas.openxmlformats.org/drawingml/2006/main" xmlns:r="http://schemas.openxmlformats.org/officeDocument/2006/relationships" xmlns:p="http://schemas.openxmlformats.org/presentationml/2006/main" showMasterSp="0" showMasterPhAnim="0">
   <p:cSld>
     <p:spTree>
       <p:nvGrpSpPr>
-        <p:cNvPr id="100" name="Shape 100"/>
+        <p:cNvPr id="1" name="Shape 100"/>
         <p:cNvGrpSpPr/>
         <p:nvPr/>
       </p:nvGrpSpPr>
@@ -1133,10 +1483,12 @@
       </p:grpSpPr>
       <p:sp>
         <p:nvSpPr>
-          <p:cNvPr id="101" name="Google Shape;101;g83a761cf2b_0_7:notes"/>
-          <p:cNvSpPr/>
+          <p:cNvPr id="101" name="Google Shape;101;g83992c3552_0_364:notes"/>
+          <p:cNvSpPr>
+            <a:spLocks noGrp="1" noRot="1" noChangeAspect="1"/>
+          </p:cNvSpPr>
           <p:nvPr>
-            <p:ph idx="2" type="sldImg"/>
+            <p:ph type="sldImg" idx="2"/>
           </p:nvPr>
         </p:nvSpPr>
         <p:spPr>
@@ -1145,9 +1497,13 @@
             <a:ext cx="6096000" cy="3429000"/>
           </a:xfrm>
           <a:custGeom>
-            <a:rect b="b" l="l" r="r" t="t"/>
+            <a:avLst/>
+            <a:gdLst/>
+            <a:ahLst/>
+            <a:cxnLst/>
+            <a:rect l="l" t="t" r="r" b="b"/>
             <a:pathLst>
-              <a:path extrusionOk="0" h="120000" w="120000">
+              <a:path w="120000" h="120000" extrusionOk="0">
                 <a:moveTo>
                   <a:pt x="0" y="0"/>
                 </a:moveTo>
@@ -1168,10 +1524,12 @@
       </p:sp>
       <p:sp>
         <p:nvSpPr>
-          <p:cNvPr id="102" name="Google Shape;102;g83a761cf2b_0_7:notes"/>
-          <p:cNvSpPr txBox="1"/>
+          <p:cNvPr id="102" name="Google Shape;102;g83992c3552_0_364:notes"/>
+          <p:cNvSpPr txBox="1">
+            <a:spLocks noGrp="1"/>
+          </p:cNvSpPr>
           <p:nvPr>
-            <p:ph idx="1" type="body"/>
+            <p:ph type="body" idx="1"/>
           </p:nvPr>
         </p:nvSpPr>
         <p:spPr>
@@ -1184,12 +1542,12 @@
           </a:prstGeom>
         </p:spPr>
         <p:txBody>
-          <a:bodyPr anchorCtr="0" anchor="t" bIns="91425" lIns="91425" spcFirstLastPara="1" rIns="91425" wrap="square" tIns="91425">
+          <a:bodyPr spcFirstLastPara="1" wrap="square" lIns="91425" tIns="91425" rIns="91425" bIns="91425" anchor="t" anchorCtr="0">
             <a:noAutofit/>
           </a:bodyPr>
           <a:lstStyle/>
           <a:p>
-            <a:pPr indent="0" lvl="0" marL="0" rtl="0" algn="l">
+            <a:pPr marL="0" lvl="0" indent="0" algn="l" rtl="0">
               <a:spcBef>
                 <a:spcPts val="0"/>
               </a:spcBef>
@@ -1198,9 +1556,6 @@
               </a:spcAft>
               <a:buNone/>
             </a:pPr>
-            <a:r>
-              <a:t/>
-            </a:r>
             <a:endParaRPr/>
           </a:p>
         </p:txBody>
@@ -1214,11 +1569,11 @@
 </file>
 
 <file path=ppt/notesSlides/notesSlide5.xml><?xml version="1.0" encoding="utf-8"?>
-<p:notes xmlns:a="http://schemas.openxmlformats.org/drawingml/2006/main" xmlns:r="http://schemas.openxmlformats.org/officeDocument/2006/relationships" xmlns:mc="http://schemas.openxmlformats.org/markup-compatibility/2006" xmlns:mv="urn:schemas-microsoft-com:mac:vml" xmlns:p="http://schemas.openxmlformats.org/presentationml/2006/main" xmlns:c="http://schemas.openxmlformats.org/drawingml/2006/chart" xmlns:dgm="http://schemas.openxmlformats.org/drawingml/2006/diagram" xmlns:o="urn:schemas-microsoft-com:office:office" xmlns:v="urn:schemas-microsoft-com:vml" xmlns:pvml="urn:schemas-microsoft-com:office:powerpoint" xmlns:com="http://schemas.openxmlformats.org/drawingml/2006/compatibility" xmlns:p14="http://schemas.microsoft.com/office/powerpoint/2010/main" xmlns:p15="http://schemas.microsoft.com/office/powerpoint/2012/main" showMasterPhAnim="0" showMasterSp="0">
+<p:notes xmlns:a="http://schemas.openxmlformats.org/drawingml/2006/main" xmlns:r="http://schemas.openxmlformats.org/officeDocument/2006/relationships" xmlns:p="http://schemas.openxmlformats.org/presentationml/2006/main" showMasterSp="0" showMasterPhAnim="0">
   <p:cSld>
     <p:spTree>
       <p:nvGrpSpPr>
-        <p:cNvPr id="108" name="Shape 108"/>
+        <p:cNvPr id="1" name="Shape 106"/>
         <p:cNvGrpSpPr/>
         <p:nvPr/>
       </p:nvGrpSpPr>
@@ -1232,10 +1587,12 @@
       </p:grpSpPr>
       <p:sp>
         <p:nvSpPr>
-          <p:cNvPr id="109" name="Google Shape;109;g83992c3552_0_364:notes"/>
-          <p:cNvSpPr/>
+          <p:cNvPr id="107" name="Google Shape;107;g83a761cf2b_0_7:notes"/>
+          <p:cNvSpPr>
+            <a:spLocks noGrp="1" noRot="1" noChangeAspect="1"/>
+          </p:cNvSpPr>
           <p:nvPr>
-            <p:ph idx="2" type="sldImg"/>
+            <p:ph type="sldImg" idx="2"/>
           </p:nvPr>
         </p:nvSpPr>
         <p:spPr>
@@ -1244,9 +1601,13 @@
             <a:ext cx="6096000" cy="3429000"/>
           </a:xfrm>
           <a:custGeom>
-            <a:rect b="b" l="l" r="r" t="t"/>
+            <a:avLst/>
+            <a:gdLst/>
+            <a:ahLst/>
+            <a:cxnLst/>
+            <a:rect l="l" t="t" r="r" b="b"/>
             <a:pathLst>
-              <a:path extrusionOk="0" h="120000" w="120000">
+              <a:path w="120000" h="120000" extrusionOk="0">
                 <a:moveTo>
                   <a:pt x="0" y="0"/>
                 </a:moveTo>
@@ -1267,10 +1628,12 @@
       </p:sp>
       <p:sp>
         <p:nvSpPr>
-          <p:cNvPr id="110" name="Google Shape;110;g83992c3552_0_364:notes"/>
-          <p:cNvSpPr txBox="1"/>
+          <p:cNvPr id="108" name="Google Shape;108;g83a761cf2b_0_7:notes"/>
+          <p:cNvSpPr txBox="1">
+            <a:spLocks noGrp="1"/>
+          </p:cNvSpPr>
           <p:nvPr>
-            <p:ph idx="1" type="body"/>
+            <p:ph type="body" idx="1"/>
           </p:nvPr>
         </p:nvSpPr>
         <p:spPr>
@@ -1283,12 +1646,12 @@
           </a:prstGeom>
         </p:spPr>
         <p:txBody>
-          <a:bodyPr anchorCtr="0" anchor="t" bIns="91425" lIns="91425" spcFirstLastPara="1" rIns="91425" wrap="square" tIns="91425">
+          <a:bodyPr spcFirstLastPara="1" wrap="square" lIns="91425" tIns="91425" rIns="91425" bIns="91425" anchor="t" anchorCtr="0">
             <a:noAutofit/>
           </a:bodyPr>
           <a:lstStyle/>
           <a:p>
-            <a:pPr indent="0" lvl="0" marL="0" rtl="0" algn="l">
+            <a:pPr marL="0" lvl="0" indent="0" algn="l" rtl="0">
               <a:spcBef>
                 <a:spcPts val="0"/>
               </a:spcBef>
@@ -1297,9 +1660,6 @@
               </a:spcAft>
               <a:buNone/>
             </a:pPr>
-            <a:r>
-              <a:t/>
-            </a:r>
             <a:endParaRPr/>
           </a:p>
         </p:txBody>
@@ -1313,11 +1673,11 @@
 </file>
 
 <file path=ppt/notesSlides/notesSlide6.xml><?xml version="1.0" encoding="utf-8"?>
-<p:notes xmlns:a="http://schemas.openxmlformats.org/drawingml/2006/main" xmlns:r="http://schemas.openxmlformats.org/officeDocument/2006/relationships" xmlns:mc="http://schemas.openxmlformats.org/markup-compatibility/2006" xmlns:mv="urn:schemas-microsoft-com:mac:vml" xmlns:p="http://schemas.openxmlformats.org/presentationml/2006/main" xmlns:c="http://schemas.openxmlformats.org/drawingml/2006/chart" xmlns:dgm="http://schemas.openxmlformats.org/drawingml/2006/diagram" xmlns:o="urn:schemas-microsoft-com:office:office" xmlns:v="urn:schemas-microsoft-com:vml" xmlns:pvml="urn:schemas-microsoft-com:office:powerpoint" xmlns:com="http://schemas.openxmlformats.org/drawingml/2006/compatibility" xmlns:p14="http://schemas.microsoft.com/office/powerpoint/2010/main" xmlns:p15="http://schemas.microsoft.com/office/powerpoint/2012/main" showMasterPhAnim="0" showMasterSp="0">
+<p:notes xmlns:a="http://schemas.openxmlformats.org/drawingml/2006/main" xmlns:r="http://schemas.openxmlformats.org/officeDocument/2006/relationships" xmlns:p="http://schemas.openxmlformats.org/presentationml/2006/main" showMasterSp="0" showMasterPhAnim="0">
   <p:cSld>
     <p:spTree>
       <p:nvGrpSpPr>
-        <p:cNvPr id="114" name="Shape 114"/>
+        <p:cNvPr id="1" name="Shape 114"/>
         <p:cNvGrpSpPr/>
         <p:nvPr/>
       </p:nvGrpSpPr>
@@ -1331,10 +1691,12 @@
       </p:grpSpPr>
       <p:sp>
         <p:nvSpPr>
-          <p:cNvPr id="115" name="Google Shape;115;g8393878304_0_0:notes"/>
-          <p:cNvSpPr/>
+          <p:cNvPr id="115" name="Google Shape;115;g74dcb92d05_0_19:notes"/>
+          <p:cNvSpPr>
+            <a:spLocks noGrp="1" noRot="1" noChangeAspect="1"/>
+          </p:cNvSpPr>
           <p:nvPr>
-            <p:ph idx="2" type="sldImg"/>
+            <p:ph type="sldImg" idx="2"/>
           </p:nvPr>
         </p:nvSpPr>
         <p:spPr>
@@ -1343,9 +1705,13 @@
             <a:ext cx="6096000" cy="3429000"/>
           </a:xfrm>
           <a:custGeom>
-            <a:rect b="b" l="l" r="r" t="t"/>
+            <a:avLst/>
+            <a:gdLst/>
+            <a:ahLst/>
+            <a:cxnLst/>
+            <a:rect l="l" t="t" r="r" b="b"/>
             <a:pathLst>
-              <a:path extrusionOk="0" h="120000" w="120000">
+              <a:path w="120000" h="120000" extrusionOk="0">
                 <a:moveTo>
                   <a:pt x="0" y="0"/>
                 </a:moveTo>
@@ -1366,10 +1732,12 @@
       </p:sp>
       <p:sp>
         <p:nvSpPr>
-          <p:cNvPr id="116" name="Google Shape;116;g8393878304_0_0:notes"/>
-          <p:cNvSpPr txBox="1"/>
+          <p:cNvPr id="116" name="Google Shape;116;g74dcb92d05_0_19:notes"/>
+          <p:cNvSpPr txBox="1">
+            <a:spLocks noGrp="1"/>
+          </p:cNvSpPr>
           <p:nvPr>
-            <p:ph idx="1" type="body"/>
+            <p:ph type="body" idx="1"/>
           </p:nvPr>
         </p:nvSpPr>
         <p:spPr>
@@ -1382,12 +1750,12 @@
           </a:prstGeom>
         </p:spPr>
         <p:txBody>
-          <a:bodyPr anchorCtr="0" anchor="t" bIns="91425" lIns="91425" spcFirstLastPara="1" rIns="91425" wrap="square" tIns="91425">
+          <a:bodyPr spcFirstLastPara="1" wrap="square" lIns="91425" tIns="91425" rIns="91425" bIns="91425" anchor="t" anchorCtr="0">
             <a:noAutofit/>
           </a:bodyPr>
           <a:lstStyle/>
           <a:p>
-            <a:pPr indent="0" lvl="0" marL="0" rtl="0" algn="l">
+            <a:pPr marL="0" lvl="0" indent="0" algn="l" rtl="0">
               <a:spcBef>
                 <a:spcPts val="0"/>
               </a:spcBef>
@@ -1396,9 +1764,6 @@
               </a:spcAft>
               <a:buNone/>
             </a:pPr>
-            <a:r>
-              <a:t/>
-            </a:r>
             <a:endParaRPr/>
           </a:p>
         </p:txBody>
@@ -1412,11 +1777,11 @@
 </file>
 
 <file path=ppt/notesSlides/notesSlide7.xml><?xml version="1.0" encoding="utf-8"?>
-<p:notes xmlns:a="http://schemas.openxmlformats.org/drawingml/2006/main" xmlns:r="http://schemas.openxmlformats.org/officeDocument/2006/relationships" xmlns:mc="http://schemas.openxmlformats.org/markup-compatibility/2006" xmlns:mv="urn:schemas-microsoft-com:mac:vml" xmlns:p="http://schemas.openxmlformats.org/presentationml/2006/main" xmlns:c="http://schemas.openxmlformats.org/drawingml/2006/chart" xmlns:dgm="http://schemas.openxmlformats.org/drawingml/2006/diagram" xmlns:o="urn:schemas-microsoft-com:office:office" xmlns:v="urn:schemas-microsoft-com:vml" xmlns:pvml="urn:schemas-microsoft-com:office:powerpoint" xmlns:com="http://schemas.openxmlformats.org/drawingml/2006/compatibility" xmlns:p14="http://schemas.microsoft.com/office/powerpoint/2010/main" xmlns:p15="http://schemas.microsoft.com/office/powerpoint/2012/main" showMasterPhAnim="0" showMasterSp="0">
+<p:notes xmlns:a="http://schemas.openxmlformats.org/drawingml/2006/main" xmlns:r="http://schemas.openxmlformats.org/officeDocument/2006/relationships" xmlns:p="http://schemas.openxmlformats.org/presentationml/2006/main" showMasterSp="0" showMasterPhAnim="0">
   <p:cSld>
     <p:spTree>
       <p:nvGrpSpPr>
-        <p:cNvPr id="120" name="Shape 120"/>
+        <p:cNvPr id="1" name="Shape 124"/>
         <p:cNvGrpSpPr/>
         <p:nvPr/>
       </p:nvGrpSpPr>
@@ -1430,10 +1795,12 @@
       </p:grpSpPr>
       <p:sp>
         <p:nvSpPr>
-          <p:cNvPr id="121" name="Google Shape;121;g839caa98a8_1_0:notes"/>
-          <p:cNvSpPr/>
+          <p:cNvPr id="125" name="Google Shape;125;g8393878304_0_0:notes"/>
+          <p:cNvSpPr>
+            <a:spLocks noGrp="1" noRot="1" noChangeAspect="1"/>
+          </p:cNvSpPr>
           <p:nvPr>
-            <p:ph idx="2" type="sldImg"/>
+            <p:ph type="sldImg" idx="2"/>
           </p:nvPr>
         </p:nvSpPr>
         <p:spPr>
@@ -1442,9 +1809,13 @@
             <a:ext cx="6096000" cy="3429000"/>
           </a:xfrm>
           <a:custGeom>
-            <a:rect b="b" l="l" r="r" t="t"/>
+            <a:avLst/>
+            <a:gdLst/>
+            <a:ahLst/>
+            <a:cxnLst/>
+            <a:rect l="l" t="t" r="r" b="b"/>
             <a:pathLst>
-              <a:path extrusionOk="0" h="120000" w="120000">
+              <a:path w="120000" h="120000" extrusionOk="0">
                 <a:moveTo>
                   <a:pt x="0" y="0"/>
                 </a:moveTo>
@@ -1465,10 +1836,12 @@
       </p:sp>
       <p:sp>
         <p:nvSpPr>
-          <p:cNvPr id="122" name="Google Shape;122;g839caa98a8_1_0:notes"/>
-          <p:cNvSpPr txBox="1"/>
+          <p:cNvPr id="126" name="Google Shape;126;g8393878304_0_0:notes"/>
+          <p:cNvSpPr txBox="1">
+            <a:spLocks noGrp="1"/>
+          </p:cNvSpPr>
           <p:nvPr>
-            <p:ph idx="1" type="body"/>
+            <p:ph type="body" idx="1"/>
           </p:nvPr>
         </p:nvSpPr>
         <p:spPr>
@@ -1481,12 +1854,12 @@
           </a:prstGeom>
         </p:spPr>
         <p:txBody>
-          <a:bodyPr anchorCtr="0" anchor="t" bIns="91425" lIns="91425" spcFirstLastPara="1" rIns="91425" wrap="square" tIns="91425">
+          <a:bodyPr spcFirstLastPara="1" wrap="square" lIns="91425" tIns="91425" rIns="91425" bIns="91425" anchor="t" anchorCtr="0">
             <a:noAutofit/>
           </a:bodyPr>
           <a:lstStyle/>
           <a:p>
-            <a:pPr indent="0" lvl="0" marL="0" rtl="0" algn="l">
+            <a:pPr marL="0" lvl="0" indent="0" algn="l" rtl="0">
               <a:spcBef>
                 <a:spcPts val="0"/>
               </a:spcBef>
@@ -1495,9 +1868,6 @@
               </a:spcAft>
               <a:buNone/>
             </a:pPr>
-            <a:r>
-              <a:t/>
-            </a:r>
             <a:endParaRPr/>
           </a:p>
         </p:txBody>
@@ -1511,11 +1881,11 @@
 </file>
 
 <file path=ppt/notesSlides/notesSlide8.xml><?xml version="1.0" encoding="utf-8"?>
-<p:notes xmlns:a="http://schemas.openxmlformats.org/drawingml/2006/main" xmlns:r="http://schemas.openxmlformats.org/officeDocument/2006/relationships" xmlns:mc="http://schemas.openxmlformats.org/markup-compatibility/2006" xmlns:mv="urn:schemas-microsoft-com:mac:vml" xmlns:p="http://schemas.openxmlformats.org/presentationml/2006/main" xmlns:c="http://schemas.openxmlformats.org/drawingml/2006/chart" xmlns:dgm="http://schemas.openxmlformats.org/drawingml/2006/diagram" xmlns:o="urn:schemas-microsoft-com:office:office" xmlns:v="urn:schemas-microsoft-com:vml" xmlns:pvml="urn:schemas-microsoft-com:office:powerpoint" xmlns:com="http://schemas.openxmlformats.org/drawingml/2006/compatibility" xmlns:p14="http://schemas.microsoft.com/office/powerpoint/2010/main" xmlns:p15="http://schemas.microsoft.com/office/powerpoint/2012/main" showMasterPhAnim="0" showMasterSp="0">
+<p:notes xmlns:a="http://schemas.openxmlformats.org/drawingml/2006/main" xmlns:r="http://schemas.openxmlformats.org/officeDocument/2006/relationships" xmlns:p="http://schemas.openxmlformats.org/presentationml/2006/main" showMasterSp="0" showMasterPhAnim="0">
   <p:cSld>
     <p:spTree>
       <p:nvGrpSpPr>
-        <p:cNvPr id="126" name="Shape 126"/>
+        <p:cNvPr id="1" name="Shape 130"/>
         <p:cNvGrpSpPr/>
         <p:nvPr/>
       </p:nvGrpSpPr>
@@ -1529,10 +1899,12 @@
       </p:grpSpPr>
       <p:sp>
         <p:nvSpPr>
-          <p:cNvPr id="127" name="Google Shape;127;g83a761cf2b_0_0:notes"/>
-          <p:cNvSpPr/>
+          <p:cNvPr id="131" name="Google Shape;131;g839caa98a8_1_0:notes"/>
+          <p:cNvSpPr>
+            <a:spLocks noGrp="1" noRot="1" noChangeAspect="1"/>
+          </p:cNvSpPr>
           <p:nvPr>
-            <p:ph idx="2" type="sldImg"/>
+            <p:ph type="sldImg" idx="2"/>
           </p:nvPr>
         </p:nvSpPr>
         <p:spPr>
@@ -1541,9 +1913,13 @@
             <a:ext cx="6096000" cy="3429000"/>
           </a:xfrm>
           <a:custGeom>
-            <a:rect b="b" l="l" r="r" t="t"/>
+            <a:avLst/>
+            <a:gdLst/>
+            <a:ahLst/>
+            <a:cxnLst/>
+            <a:rect l="l" t="t" r="r" b="b"/>
             <a:pathLst>
-              <a:path extrusionOk="0" h="120000" w="120000">
+              <a:path w="120000" h="120000" extrusionOk="0">
                 <a:moveTo>
                   <a:pt x="0" y="0"/>
                 </a:moveTo>
@@ -1564,10 +1940,12 @@
       </p:sp>
       <p:sp>
         <p:nvSpPr>
-          <p:cNvPr id="128" name="Google Shape;128;g83a761cf2b_0_0:notes"/>
-          <p:cNvSpPr txBox="1"/>
+          <p:cNvPr id="132" name="Google Shape;132;g839caa98a8_1_0:notes"/>
+          <p:cNvSpPr txBox="1">
+            <a:spLocks noGrp="1"/>
+          </p:cNvSpPr>
           <p:nvPr>
-            <p:ph idx="1" type="body"/>
+            <p:ph type="body" idx="1"/>
           </p:nvPr>
         </p:nvSpPr>
         <p:spPr>
@@ -1580,12 +1958,12 @@
           </a:prstGeom>
         </p:spPr>
         <p:txBody>
-          <a:bodyPr anchorCtr="0" anchor="t" bIns="91425" lIns="91425" spcFirstLastPara="1" rIns="91425" wrap="square" tIns="91425">
+          <a:bodyPr spcFirstLastPara="1" wrap="square" lIns="91425" tIns="91425" rIns="91425" bIns="91425" anchor="t" anchorCtr="0">
             <a:noAutofit/>
           </a:bodyPr>
           <a:lstStyle/>
           <a:p>
-            <a:pPr indent="0" lvl="0" marL="0" rtl="0" algn="l">
+            <a:pPr marL="0" lvl="0" indent="0" algn="l" rtl="0">
               <a:spcBef>
                 <a:spcPts val="0"/>
               </a:spcBef>
@@ -1594,9 +1972,6 @@
               </a:spcAft>
               <a:buNone/>
             </a:pPr>
-            <a:r>
-              <a:t/>
-            </a:r>
             <a:endParaRPr/>
           </a:p>
         </p:txBody>
@@ -1610,11 +1985,11 @@
 </file>
 
 <file path=ppt/notesSlides/notesSlide9.xml><?xml version="1.0" encoding="utf-8"?>
-<p:notes xmlns:a="http://schemas.openxmlformats.org/drawingml/2006/main" xmlns:r="http://schemas.openxmlformats.org/officeDocument/2006/relationships" xmlns:mc="http://schemas.openxmlformats.org/markup-compatibility/2006" xmlns:mv="urn:schemas-microsoft-com:mac:vml" xmlns:p="http://schemas.openxmlformats.org/presentationml/2006/main" xmlns:c="http://schemas.openxmlformats.org/drawingml/2006/chart" xmlns:dgm="http://schemas.openxmlformats.org/drawingml/2006/diagram" xmlns:o="urn:schemas-microsoft-com:office:office" xmlns:v="urn:schemas-microsoft-com:vml" xmlns:pvml="urn:schemas-microsoft-com:office:powerpoint" xmlns:com="http://schemas.openxmlformats.org/drawingml/2006/compatibility" xmlns:p14="http://schemas.microsoft.com/office/powerpoint/2010/main" xmlns:p15="http://schemas.microsoft.com/office/powerpoint/2012/main" showMasterPhAnim="0" showMasterSp="0">
+<p:notes xmlns:a="http://schemas.openxmlformats.org/drawingml/2006/main" xmlns:r="http://schemas.openxmlformats.org/officeDocument/2006/relationships" xmlns:p="http://schemas.openxmlformats.org/presentationml/2006/main" showMasterSp="0" showMasterPhAnim="0">
   <p:cSld>
     <p:spTree>
       <p:nvGrpSpPr>
-        <p:cNvPr id="132" name="Shape 132"/>
+        <p:cNvPr id="1" name="Shape 137"/>
         <p:cNvGrpSpPr/>
         <p:nvPr/>
       </p:nvGrpSpPr>
@@ -1628,10 +2003,12 @@
       </p:grpSpPr>
       <p:sp>
         <p:nvSpPr>
-          <p:cNvPr id="133" name="Google Shape;133;g8393878304_0_5:notes"/>
-          <p:cNvSpPr/>
+          <p:cNvPr id="138" name="Google Shape;138;g83a761cf2b_0_0:notes"/>
+          <p:cNvSpPr>
+            <a:spLocks noGrp="1" noRot="1" noChangeAspect="1"/>
+          </p:cNvSpPr>
           <p:nvPr>
-            <p:ph idx="2" type="sldImg"/>
+            <p:ph type="sldImg" idx="2"/>
           </p:nvPr>
         </p:nvSpPr>
         <p:spPr>
@@ -1640,9 +2017,13 @@
             <a:ext cx="6096000" cy="3429000"/>
           </a:xfrm>
           <a:custGeom>
-            <a:rect b="b" l="l" r="r" t="t"/>
+            <a:avLst/>
+            <a:gdLst/>
+            <a:ahLst/>
+            <a:cxnLst/>
+            <a:rect l="l" t="t" r="r" b="b"/>
             <a:pathLst>
-              <a:path extrusionOk="0" h="120000" w="120000">
+              <a:path w="120000" h="120000" extrusionOk="0">
                 <a:moveTo>
                   <a:pt x="0" y="0"/>
                 </a:moveTo>
@@ -1663,10 +2044,12 @@
       </p:sp>
       <p:sp>
         <p:nvSpPr>
-          <p:cNvPr id="134" name="Google Shape;134;g8393878304_0_5:notes"/>
-          <p:cNvSpPr txBox="1"/>
+          <p:cNvPr id="139" name="Google Shape;139;g83a761cf2b_0_0:notes"/>
+          <p:cNvSpPr txBox="1">
+            <a:spLocks noGrp="1"/>
+          </p:cNvSpPr>
           <p:nvPr>
-            <p:ph idx="1" type="body"/>
+            <p:ph type="body" idx="1"/>
           </p:nvPr>
         </p:nvSpPr>
         <p:spPr>
@@ -1679,12 +2062,12 @@
           </a:prstGeom>
         </p:spPr>
         <p:txBody>
-          <a:bodyPr anchorCtr="0" anchor="t" bIns="91425" lIns="91425" spcFirstLastPara="1" rIns="91425" wrap="square" tIns="91425">
+          <a:bodyPr spcFirstLastPara="1" wrap="square" lIns="91425" tIns="91425" rIns="91425" bIns="91425" anchor="t" anchorCtr="0">
             <a:noAutofit/>
           </a:bodyPr>
           <a:lstStyle/>
           <a:p>
-            <a:pPr indent="0" lvl="0" marL="0" rtl="0" algn="l">
+            <a:pPr marL="0" lvl="0" indent="0" algn="l" rtl="0">
               <a:spcBef>
                 <a:spcPts val="0"/>
               </a:spcBef>
@@ -1693,9 +2076,6 @@
               </a:spcAft>
               <a:buNone/>
             </a:pPr>
-            <a:r>
-              <a:t/>
-            </a:r>
             <a:endParaRPr/>
           </a:p>
         </p:txBody>
@@ -1709,18 +2089,19 @@
 </file>
 
 <file path=ppt/slideLayouts/slideLayout1.xml><?xml version="1.0" encoding="utf-8"?>
-<p:sldLayout xmlns:a="http://schemas.openxmlformats.org/drawingml/2006/main" xmlns:r="http://schemas.openxmlformats.org/officeDocument/2006/relationships" xmlns:mc="http://schemas.openxmlformats.org/markup-compatibility/2006" xmlns:mv="urn:schemas-microsoft-com:mac:vml" xmlns:p="http://schemas.openxmlformats.org/presentationml/2006/main" xmlns:c="http://schemas.openxmlformats.org/drawingml/2006/chart" xmlns:dgm="http://schemas.openxmlformats.org/drawingml/2006/diagram" xmlns:o="urn:schemas-microsoft-com:office:office" xmlns:v="urn:schemas-microsoft-com:vml" xmlns:pvml="urn:schemas-microsoft-com:office:powerpoint" xmlns:com="http://schemas.openxmlformats.org/drawingml/2006/compatibility" xmlns:p14="http://schemas.microsoft.com/office/powerpoint/2010/main" xmlns:p15="http://schemas.microsoft.com/office/powerpoint/2012/main" matchingName="Title slide" type="title">
+<p:sldLayout xmlns:a="http://schemas.openxmlformats.org/drawingml/2006/main" xmlns:r="http://schemas.openxmlformats.org/officeDocument/2006/relationships" xmlns:p="http://schemas.openxmlformats.org/presentationml/2006/main" matchingName="Title slide" type="title">
   <p:cSld name="TITLE">
     <p:bg>
       <p:bgPr>
         <a:solidFill>
           <a:schemeClr val="lt2"/>
         </a:solidFill>
+        <a:effectLst/>
       </p:bgPr>
     </p:bg>
     <p:spTree>
       <p:nvGrpSpPr>
-        <p:cNvPr id="9" name="Shape 9"/>
+        <p:cNvPr id="1" name="Shape 9"/>
         <p:cNvGrpSpPr/>
         <p:nvPr/>
       </p:nvGrpSpPr>
@@ -1754,12 +2135,12 @@
           </a:ln>
         </p:spPr>
         <p:txBody>
-          <a:bodyPr anchorCtr="0" anchor="ctr" bIns="91425" lIns="91425" spcFirstLastPara="1" rIns="91425" wrap="square" tIns="91425">
+          <a:bodyPr spcFirstLastPara="1" wrap="square" lIns="91425" tIns="91425" rIns="91425" bIns="91425" anchor="ctr" anchorCtr="0">
             <a:noAutofit/>
           </a:bodyPr>
           <a:lstStyle/>
           <a:p>
-            <a:pPr indent="0" lvl="0" marL="0" rtl="0" algn="l">
+            <a:pPr marL="0" lvl="0" indent="0" algn="l" rtl="0">
               <a:spcBef>
                 <a:spcPts val="0"/>
               </a:spcBef>
@@ -1768,9 +2149,6 @@
               </a:spcAft>
               <a:buNone/>
             </a:pPr>
-            <a:r>
-              <a:t/>
-            </a:r>
             <a:endParaRPr/>
           </a:p>
         </p:txBody>
@@ -1811,12 +2189,12 @@
             </a:ln>
           </p:spPr>
           <p:txBody>
-            <a:bodyPr anchorCtr="0" anchor="ctr" bIns="91425" lIns="91425" spcFirstLastPara="1" rIns="91425" wrap="square" tIns="91425">
+            <a:bodyPr spcFirstLastPara="1" wrap="square" lIns="91425" tIns="91425" rIns="91425" bIns="91425" anchor="ctr" anchorCtr="0">
               <a:noAutofit/>
             </a:bodyPr>
             <a:lstStyle/>
             <a:p>
-              <a:pPr indent="0" lvl="0" marL="0" rtl="0" algn="l">
+              <a:pPr marL="0" lvl="0" indent="0" algn="l" rtl="0">
                 <a:spcBef>
                   <a:spcPts val="0"/>
                 </a:spcBef>
@@ -1825,9 +2203,6 @@
                 </a:spcAft>
                 <a:buNone/>
               </a:pPr>
-              <a:r>
-                <a:t/>
-              </a:r>
               <a:endParaRPr/>
             </a:p>
           </p:txBody>
@@ -1854,12 +2229,12 @@
             </a:ln>
           </p:spPr>
           <p:txBody>
-            <a:bodyPr anchorCtr="0" anchor="ctr" bIns="91425" lIns="91425" spcFirstLastPara="1" rIns="91425" wrap="square" tIns="91425">
+            <a:bodyPr spcFirstLastPara="1" wrap="square" lIns="91425" tIns="91425" rIns="91425" bIns="91425" anchor="ctr" anchorCtr="0">
               <a:noAutofit/>
             </a:bodyPr>
             <a:lstStyle/>
             <a:p>
-              <a:pPr indent="0" lvl="0" marL="0" rtl="0" algn="l">
+              <a:pPr marL="0" lvl="0" indent="0" algn="l" rtl="0">
                 <a:spcBef>
                   <a:spcPts val="0"/>
                 </a:spcBef>
@@ -1868,9 +2243,6 @@
                 </a:spcAft>
                 <a:buNone/>
               </a:pPr>
-              <a:r>
-                <a:t/>
-              </a:r>
               <a:endParaRPr/>
             </a:p>
           </p:txBody>
@@ -1879,7 +2251,9 @@
       <p:sp>
         <p:nvSpPr>
           <p:cNvPr id="14" name="Google Shape;14;p2"/>
-          <p:cNvSpPr txBox="1"/>
+          <p:cNvSpPr txBox="1">
+            <a:spLocks noGrp="1"/>
+          </p:cNvSpPr>
           <p:nvPr>
             <p:ph type="ctrTitle"/>
           </p:nvPr>
@@ -1894,7 +2268,7 @@
           </a:prstGeom>
         </p:spPr>
         <p:txBody>
-          <a:bodyPr anchorCtr="0" anchor="t" bIns="91425" lIns="91425" spcFirstLastPara="1" rIns="91425" wrap="square" tIns="91425">
+          <a:bodyPr spcFirstLastPara="1" wrap="square" lIns="91425" tIns="91425" rIns="91425" bIns="91425" anchor="t" anchorCtr="0">
             <a:noAutofit/>
           </a:bodyPr>
           <a:lstStyle>
@@ -2061,15 +2435,19 @@
               </a:defRPr>
             </a:lvl9pPr>
           </a:lstStyle>
-          <a:p/>
+          <a:p>
+            <a:endParaRPr/>
+          </a:p>
         </p:txBody>
       </p:sp>
       <p:sp>
         <p:nvSpPr>
           <p:cNvPr id="15" name="Google Shape;15;p2"/>
-          <p:cNvSpPr txBox="1"/>
+          <p:cNvSpPr txBox="1">
+            <a:spLocks noGrp="1"/>
+          </p:cNvSpPr>
           <p:nvPr>
-            <p:ph idx="1" type="subTitle"/>
+            <p:ph type="subTitle" idx="1"/>
           </p:nvPr>
         </p:nvSpPr>
         <p:spPr>
@@ -2082,7 +2460,7 @@
           </a:prstGeom>
         </p:spPr>
         <p:txBody>
-          <a:bodyPr anchorCtr="0" anchor="t" bIns="91425" lIns="91425" spcFirstLastPara="1" rIns="91425" wrap="square" tIns="91425">
+          <a:bodyPr spcFirstLastPara="1" wrap="square" lIns="91425" tIns="91425" rIns="91425" bIns="91425" anchor="t" anchorCtr="0">
             <a:noAutofit/>
           </a:bodyPr>
           <a:lstStyle>
@@ -2213,15 +2591,19 @@
               <a:defRPr sz="1600"/>
             </a:lvl9pPr>
           </a:lstStyle>
-          <a:p/>
+          <a:p>
+            <a:endParaRPr/>
+          </a:p>
         </p:txBody>
       </p:sp>
       <p:sp>
         <p:nvSpPr>
           <p:cNvPr id="16" name="Google Shape;16;p2"/>
-          <p:cNvSpPr txBox="1"/>
+          <p:cNvSpPr txBox="1">
+            <a:spLocks noGrp="1"/>
+          </p:cNvSpPr>
           <p:nvPr>
-            <p:ph idx="12" type="sldNum"/>
+            <p:ph type="sldNum" idx="12"/>
           </p:nvPr>
         </p:nvSpPr>
         <p:spPr>
@@ -2234,7 +2616,7 @@
           </a:prstGeom>
         </p:spPr>
         <p:txBody>
-          <a:bodyPr anchorCtr="0" anchor="ctr" bIns="91425" lIns="91425" spcFirstLastPara="1" rIns="91425" wrap="square" tIns="91425">
+          <a:bodyPr spcFirstLastPara="1" wrap="square" lIns="91425" tIns="91425" rIns="91425" bIns="91425" anchor="ctr" anchorCtr="0">
             <a:noAutofit/>
           </a:bodyPr>
           <a:lstStyle>
@@ -2276,7 +2658,7 @@
             </a:lvl9pPr>
           </a:lstStyle>
           <a:p>
-            <a:pPr indent="0" lvl="0" marL="0" rtl="0" algn="r">
+            <a:pPr marL="0" lvl="0" indent="0" algn="r" rtl="0">
               <a:spcBef>
                 <a:spcPts val="0"/>
               </a:spcBef>
@@ -2302,18 +2684,19 @@
 </file>
 
 <file path=ppt/slideLayouts/slideLayout10.xml><?xml version="1.0" encoding="utf-8"?>
-<p:sldLayout xmlns:a="http://schemas.openxmlformats.org/drawingml/2006/main" xmlns:r="http://schemas.openxmlformats.org/officeDocument/2006/relationships" xmlns:mc="http://schemas.openxmlformats.org/markup-compatibility/2006" xmlns:mv="urn:schemas-microsoft-com:mac:vml" xmlns:p="http://schemas.openxmlformats.org/presentationml/2006/main" xmlns:c="http://schemas.openxmlformats.org/drawingml/2006/chart" xmlns:dgm="http://schemas.openxmlformats.org/drawingml/2006/diagram" xmlns:o="urn:schemas-microsoft-com:office:office" xmlns:v="urn:schemas-microsoft-com:vml" xmlns:pvml="urn:schemas-microsoft-com:office:powerpoint" xmlns:com="http://schemas.openxmlformats.org/drawingml/2006/compatibility" xmlns:p14="http://schemas.microsoft.com/office/powerpoint/2010/main" xmlns:p15="http://schemas.microsoft.com/office/powerpoint/2012/main" matchingName="Big number">
+<p:sldLayout xmlns:a="http://schemas.openxmlformats.org/drawingml/2006/main" xmlns:r="http://schemas.openxmlformats.org/officeDocument/2006/relationships" xmlns:p="http://schemas.openxmlformats.org/presentationml/2006/main" matchingName="Big number">
   <p:cSld name="BIG_NUMBER">
     <p:bg>
       <p:bgPr>
         <a:solidFill>
           <a:schemeClr val="dk1"/>
         </a:solidFill>
+        <a:effectLst/>
       </p:bgPr>
     </p:bg>
     <p:spTree>
       <p:nvGrpSpPr>
-        <p:cNvPr id="73" name="Shape 73"/>
+        <p:cNvPr id="1" name="Shape 73"/>
         <p:cNvGrpSpPr/>
         <p:nvPr/>
       </p:nvGrpSpPr>
@@ -2361,12 +2744,12 @@
             </a:ln>
           </p:spPr>
           <p:txBody>
-            <a:bodyPr anchorCtr="0" anchor="ctr" bIns="91425" lIns="91425" spcFirstLastPara="1" rIns="91425" wrap="square" tIns="91425">
+            <a:bodyPr spcFirstLastPara="1" wrap="square" lIns="91425" tIns="91425" rIns="91425" bIns="91425" anchor="ctr" anchorCtr="0">
               <a:noAutofit/>
             </a:bodyPr>
             <a:lstStyle/>
             <a:p>
-              <a:pPr indent="0" lvl="0" marL="0" rtl="0" algn="l">
+              <a:pPr marL="0" lvl="0" indent="0" algn="l" rtl="0">
                 <a:spcBef>
                   <a:spcPts val="0"/>
                 </a:spcBef>
@@ -2375,9 +2758,6 @@
                 </a:spcAft>
                 <a:buNone/>
               </a:pPr>
-              <a:r>
-                <a:t/>
-              </a:r>
               <a:endParaRPr/>
             </a:p>
           </p:txBody>
@@ -2404,12 +2784,12 @@
             </a:ln>
           </p:spPr>
           <p:txBody>
-            <a:bodyPr anchorCtr="0" anchor="ctr" bIns="91425" lIns="91425" spcFirstLastPara="1" rIns="91425" wrap="square" tIns="91425">
+            <a:bodyPr spcFirstLastPara="1" wrap="square" lIns="91425" tIns="91425" rIns="91425" bIns="91425" anchor="ctr" anchorCtr="0">
               <a:noAutofit/>
             </a:bodyPr>
             <a:lstStyle/>
             <a:p>
-              <a:pPr indent="0" lvl="0" marL="0" rtl="0" algn="l">
+              <a:pPr marL="0" lvl="0" indent="0" algn="l" rtl="0">
                 <a:spcBef>
                   <a:spcPts val="0"/>
                 </a:spcBef>
@@ -2418,9 +2798,6 @@
                 </a:spcAft>
                 <a:buNone/>
               </a:pPr>
-              <a:r>
-                <a:t/>
-              </a:r>
               <a:endParaRPr/>
             </a:p>
           </p:txBody>
@@ -2429,9 +2806,11 @@
       <p:sp>
         <p:nvSpPr>
           <p:cNvPr id="77" name="Google Shape;77;p11"/>
-          <p:cNvSpPr txBox="1"/>
+          <p:cNvSpPr txBox="1">
+            <a:spLocks noGrp="1"/>
+          </p:cNvSpPr>
           <p:nvPr>
-            <p:ph hasCustomPrompt="1" type="title"/>
+            <p:ph type="title" hasCustomPrompt="1"/>
           </p:nvPr>
         </p:nvSpPr>
         <p:spPr>
@@ -2444,7 +2823,7 @@
           </a:prstGeom>
         </p:spPr>
         <p:txBody>
-          <a:bodyPr anchorCtr="0" anchor="t" bIns="91425" lIns="91425" spcFirstLastPara="1" rIns="91425" wrap="square" tIns="91425">
+          <a:bodyPr spcFirstLastPara="1" wrap="square" lIns="91425" tIns="91425" rIns="91425" bIns="91425" anchor="t" anchorCtr="0">
             <a:noAutofit/>
           </a:bodyPr>
           <a:lstStyle>
@@ -2621,9 +3000,11 @@
       <p:sp>
         <p:nvSpPr>
           <p:cNvPr id="78" name="Google Shape;78;p11"/>
-          <p:cNvSpPr txBox="1"/>
+          <p:cNvSpPr txBox="1">
+            <a:spLocks noGrp="1"/>
+          </p:cNvSpPr>
           <p:nvPr>
-            <p:ph idx="1" type="body"/>
+            <p:ph type="body" idx="1"/>
           </p:nvPr>
         </p:nvSpPr>
         <p:spPr>
@@ -2636,11 +3017,11 @@
           </a:prstGeom>
         </p:spPr>
         <p:txBody>
-          <a:bodyPr anchorCtr="0" anchor="t" bIns="91425" lIns="91425" spcFirstLastPara="1" rIns="91425" wrap="square" tIns="91425">
+          <a:bodyPr spcFirstLastPara="1" wrap="square" lIns="91425" tIns="91425" rIns="91425" bIns="91425" anchor="t" anchorCtr="0">
             <a:noAutofit/>
           </a:bodyPr>
           <a:lstStyle>
-            <a:lvl1pPr indent="-311150" lvl="0" marL="457200">
+            <a:lvl1pPr marL="457200" lvl="0" indent="-311150">
               <a:spcBef>
                 <a:spcPts val="0"/>
               </a:spcBef>
@@ -2658,7 +3039,7 @@
                 </a:solidFill>
               </a:defRPr>
             </a:lvl1pPr>
-            <a:lvl2pPr indent="-298450" lvl="1" marL="914400">
+            <a:lvl2pPr marL="914400" lvl="1" indent="-298450">
               <a:spcBef>
                 <a:spcPts val="1600"/>
               </a:spcBef>
@@ -2676,7 +3057,7 @@
                 </a:solidFill>
               </a:defRPr>
             </a:lvl2pPr>
-            <a:lvl3pPr indent="-298450" lvl="2" marL="1371600">
+            <a:lvl3pPr marL="1371600" lvl="2" indent="-298450">
               <a:spcBef>
                 <a:spcPts val="1600"/>
               </a:spcBef>
@@ -2694,7 +3075,7 @@
                 </a:solidFill>
               </a:defRPr>
             </a:lvl3pPr>
-            <a:lvl4pPr indent="-298450" lvl="3" marL="1828800">
+            <a:lvl4pPr marL="1828800" lvl="3" indent="-298450">
               <a:spcBef>
                 <a:spcPts val="1600"/>
               </a:spcBef>
@@ -2712,7 +3093,7 @@
                 </a:solidFill>
               </a:defRPr>
             </a:lvl4pPr>
-            <a:lvl5pPr indent="-298450" lvl="4" marL="2286000">
+            <a:lvl5pPr marL="2286000" lvl="4" indent="-298450">
               <a:spcBef>
                 <a:spcPts val="1600"/>
               </a:spcBef>
@@ -2730,7 +3111,7 @@
                 </a:solidFill>
               </a:defRPr>
             </a:lvl5pPr>
-            <a:lvl6pPr indent="-298450" lvl="5" marL="2743200">
+            <a:lvl6pPr marL="2743200" lvl="5" indent="-298450">
               <a:spcBef>
                 <a:spcPts val="1600"/>
               </a:spcBef>
@@ -2748,7 +3129,7 @@
                 </a:solidFill>
               </a:defRPr>
             </a:lvl6pPr>
-            <a:lvl7pPr indent="-298450" lvl="6" marL="3200400">
+            <a:lvl7pPr marL="3200400" lvl="6" indent="-298450">
               <a:spcBef>
                 <a:spcPts val="1600"/>
               </a:spcBef>
@@ -2766,7 +3147,7 @@
                 </a:solidFill>
               </a:defRPr>
             </a:lvl7pPr>
-            <a:lvl8pPr indent="-298450" lvl="7" marL="3657600">
+            <a:lvl8pPr marL="3657600" lvl="7" indent="-298450">
               <a:spcBef>
                 <a:spcPts val="1600"/>
               </a:spcBef>
@@ -2784,7 +3165,7 @@
                 </a:solidFill>
               </a:defRPr>
             </a:lvl8pPr>
-            <a:lvl9pPr indent="-298450" lvl="8" marL="4114800">
+            <a:lvl9pPr marL="4114800" lvl="8" indent="-298450">
               <a:spcBef>
                 <a:spcPts val="1600"/>
               </a:spcBef>
@@ -2803,15 +3184,19 @@
               </a:defRPr>
             </a:lvl9pPr>
           </a:lstStyle>
-          <a:p/>
+          <a:p>
+            <a:endParaRPr/>
+          </a:p>
         </p:txBody>
       </p:sp>
       <p:sp>
         <p:nvSpPr>
           <p:cNvPr id="79" name="Google Shape;79;p11"/>
-          <p:cNvSpPr txBox="1"/>
+          <p:cNvSpPr txBox="1">
+            <a:spLocks noGrp="1"/>
+          </p:cNvSpPr>
           <p:nvPr>
-            <p:ph idx="12" type="sldNum"/>
+            <p:ph type="sldNum" idx="12"/>
           </p:nvPr>
         </p:nvSpPr>
         <p:spPr>
@@ -2824,7 +3209,7 @@
           </a:prstGeom>
         </p:spPr>
         <p:txBody>
-          <a:bodyPr anchorCtr="0" anchor="ctr" bIns="91425" lIns="91425" spcFirstLastPara="1" rIns="91425" wrap="square" tIns="91425">
+          <a:bodyPr spcFirstLastPara="1" wrap="square" lIns="91425" tIns="91425" rIns="91425" bIns="91425" anchor="ctr" anchorCtr="0">
             <a:noAutofit/>
           </a:bodyPr>
           <a:lstStyle>
@@ -2902,7 +3287,7 @@
             </a:lvl9pPr>
           </a:lstStyle>
           <a:p>
-            <a:pPr indent="0" lvl="0" marL="0" rtl="0" algn="r">
+            <a:pPr marL="0" lvl="0" indent="0" algn="r" rtl="0">
               <a:spcBef>
                 <a:spcPts val="0"/>
               </a:spcBef>
@@ -2928,11 +3313,11 @@
 </file>
 
 <file path=ppt/slideLayouts/slideLayout11.xml><?xml version="1.0" encoding="utf-8"?>
-<p:sldLayout xmlns:a="http://schemas.openxmlformats.org/drawingml/2006/main" xmlns:r="http://schemas.openxmlformats.org/officeDocument/2006/relationships" xmlns:mc="http://schemas.openxmlformats.org/markup-compatibility/2006" xmlns:mv="urn:schemas-microsoft-com:mac:vml" xmlns:p="http://schemas.openxmlformats.org/presentationml/2006/main" xmlns:c="http://schemas.openxmlformats.org/drawingml/2006/chart" xmlns:dgm="http://schemas.openxmlformats.org/drawingml/2006/diagram" xmlns:o="urn:schemas-microsoft-com:office:office" xmlns:v="urn:schemas-microsoft-com:vml" xmlns:pvml="urn:schemas-microsoft-com:office:powerpoint" xmlns:com="http://schemas.openxmlformats.org/drawingml/2006/compatibility" xmlns:p14="http://schemas.microsoft.com/office/powerpoint/2010/main" xmlns:p15="http://schemas.microsoft.com/office/powerpoint/2012/main" matchingName="Blank" type="blank">
+<p:sldLayout xmlns:a="http://schemas.openxmlformats.org/drawingml/2006/main" xmlns:r="http://schemas.openxmlformats.org/officeDocument/2006/relationships" xmlns:p="http://schemas.openxmlformats.org/presentationml/2006/main" matchingName="Blank" type="blank">
   <p:cSld name="BLANK">
     <p:spTree>
       <p:nvGrpSpPr>
-        <p:cNvPr id="80" name="Shape 80"/>
+        <p:cNvPr id="1" name="Shape 80"/>
         <p:cNvGrpSpPr/>
         <p:nvPr/>
       </p:nvGrpSpPr>
@@ -2947,9 +3332,11 @@
       <p:sp>
         <p:nvSpPr>
           <p:cNvPr id="81" name="Google Shape;81;p12"/>
-          <p:cNvSpPr txBox="1"/>
+          <p:cNvSpPr txBox="1">
+            <a:spLocks noGrp="1"/>
+          </p:cNvSpPr>
           <p:nvPr>
-            <p:ph idx="12" type="sldNum"/>
+            <p:ph type="sldNum" idx="12"/>
           </p:nvPr>
         </p:nvSpPr>
         <p:spPr>
@@ -2962,7 +3349,7 @@
           </a:prstGeom>
         </p:spPr>
         <p:txBody>
-          <a:bodyPr anchorCtr="0" anchor="ctr" bIns="91425" lIns="91425" spcFirstLastPara="1" rIns="91425" wrap="square" tIns="91425">
+          <a:bodyPr spcFirstLastPara="1" wrap="square" lIns="91425" tIns="91425" rIns="91425" bIns="91425" anchor="ctr" anchorCtr="0">
             <a:noAutofit/>
           </a:bodyPr>
           <a:lstStyle>
@@ -3004,7 +3391,7 @@
             </a:lvl9pPr>
           </a:lstStyle>
           <a:p>
-            <a:pPr indent="0" lvl="0" marL="0" rtl="0" algn="r">
+            <a:pPr marL="0" lvl="0" indent="0" algn="r" rtl="0">
               <a:spcBef>
                 <a:spcPts val="0"/>
               </a:spcBef>
@@ -3030,18 +3417,19 @@
 </file>
 
 <file path=ppt/slideLayouts/slideLayout2.xml><?xml version="1.0" encoding="utf-8"?>
-<p:sldLayout xmlns:a="http://schemas.openxmlformats.org/drawingml/2006/main" xmlns:r="http://schemas.openxmlformats.org/officeDocument/2006/relationships" xmlns:mc="http://schemas.openxmlformats.org/markup-compatibility/2006" xmlns:mv="urn:schemas-microsoft-com:mac:vml" xmlns:p="http://schemas.openxmlformats.org/presentationml/2006/main" xmlns:c="http://schemas.openxmlformats.org/drawingml/2006/chart" xmlns:dgm="http://schemas.openxmlformats.org/drawingml/2006/diagram" xmlns:o="urn:schemas-microsoft-com:office:office" xmlns:v="urn:schemas-microsoft-com:vml" xmlns:pvml="urn:schemas-microsoft-com:office:powerpoint" xmlns:com="http://schemas.openxmlformats.org/drawingml/2006/compatibility" xmlns:p14="http://schemas.microsoft.com/office/powerpoint/2010/main" xmlns:p15="http://schemas.microsoft.com/office/powerpoint/2012/main" matchingName="Section header" type="secHead">
+<p:sldLayout xmlns:a="http://schemas.openxmlformats.org/drawingml/2006/main" xmlns:r="http://schemas.openxmlformats.org/officeDocument/2006/relationships" xmlns:p="http://schemas.openxmlformats.org/presentationml/2006/main" matchingName="Section header" type="secHead">
   <p:cSld name="SECTION_HEADER">
     <p:bg>
       <p:bgPr>
         <a:solidFill>
           <a:schemeClr val="dk1"/>
         </a:solidFill>
+        <a:effectLst/>
       </p:bgPr>
     </p:bg>
     <p:spTree>
       <p:nvGrpSpPr>
-        <p:cNvPr id="17" name="Shape 17"/>
+        <p:cNvPr id="1" name="Shape 17"/>
         <p:cNvGrpSpPr/>
         <p:nvPr/>
       </p:nvGrpSpPr>
@@ -3089,12 +3477,12 @@
             </a:ln>
           </p:spPr>
           <p:txBody>
-            <a:bodyPr anchorCtr="0" anchor="ctr" bIns="91425" lIns="91425" spcFirstLastPara="1" rIns="91425" wrap="square" tIns="91425">
+            <a:bodyPr spcFirstLastPara="1" wrap="square" lIns="91425" tIns="91425" rIns="91425" bIns="91425" anchor="ctr" anchorCtr="0">
               <a:noAutofit/>
             </a:bodyPr>
             <a:lstStyle/>
             <a:p>
-              <a:pPr indent="0" lvl="0" marL="0" rtl="0" algn="l">
+              <a:pPr marL="0" lvl="0" indent="0" algn="l" rtl="0">
                 <a:spcBef>
                   <a:spcPts val="0"/>
                 </a:spcBef>
@@ -3103,9 +3491,6 @@
                 </a:spcAft>
                 <a:buNone/>
               </a:pPr>
-              <a:r>
-                <a:t/>
-              </a:r>
               <a:endParaRPr/>
             </a:p>
           </p:txBody>
@@ -3132,12 +3517,12 @@
             </a:ln>
           </p:spPr>
           <p:txBody>
-            <a:bodyPr anchorCtr="0" anchor="ctr" bIns="91425" lIns="91425" spcFirstLastPara="1" rIns="91425" wrap="square" tIns="91425">
+            <a:bodyPr spcFirstLastPara="1" wrap="square" lIns="91425" tIns="91425" rIns="91425" bIns="91425" anchor="ctr" anchorCtr="0">
               <a:noAutofit/>
             </a:bodyPr>
             <a:lstStyle/>
             <a:p>
-              <a:pPr indent="0" lvl="0" marL="0" rtl="0" algn="l">
+              <a:pPr marL="0" lvl="0" indent="0" algn="l" rtl="0">
                 <a:spcBef>
                   <a:spcPts val="0"/>
                 </a:spcBef>
@@ -3146,9 +3531,6 @@
                 </a:spcAft>
                 <a:buNone/>
               </a:pPr>
-              <a:r>
-                <a:t/>
-              </a:r>
               <a:endParaRPr/>
             </a:p>
           </p:txBody>
@@ -3157,7 +3539,9 @@
       <p:sp>
         <p:nvSpPr>
           <p:cNvPr id="21" name="Google Shape;21;p3"/>
-          <p:cNvSpPr txBox="1"/>
+          <p:cNvSpPr txBox="1">
+            <a:spLocks noGrp="1"/>
+          </p:cNvSpPr>
           <p:nvPr>
             <p:ph type="title"/>
           </p:nvPr>
@@ -3172,7 +3556,7 @@
           </a:prstGeom>
         </p:spPr>
         <p:txBody>
-          <a:bodyPr anchorCtr="0" anchor="t" bIns="91425" lIns="91425" spcFirstLastPara="1" rIns="91425" wrap="square" tIns="91425">
+          <a:bodyPr spcFirstLastPara="1" wrap="square" lIns="91425" tIns="91425" rIns="91425" bIns="91425" anchor="t" anchorCtr="0">
             <a:noAutofit/>
           </a:bodyPr>
           <a:lstStyle>
@@ -3339,15 +3723,19 @@
               </a:defRPr>
             </a:lvl9pPr>
           </a:lstStyle>
-          <a:p/>
+          <a:p>
+            <a:endParaRPr/>
+          </a:p>
         </p:txBody>
       </p:sp>
       <p:sp>
         <p:nvSpPr>
           <p:cNvPr id="22" name="Google Shape;22;p3"/>
-          <p:cNvSpPr txBox="1"/>
+          <p:cNvSpPr txBox="1">
+            <a:spLocks noGrp="1"/>
+          </p:cNvSpPr>
           <p:nvPr>
-            <p:ph idx="12" type="sldNum"/>
+            <p:ph type="sldNum" idx="12"/>
           </p:nvPr>
         </p:nvSpPr>
         <p:spPr>
@@ -3360,7 +3748,7 @@
           </a:prstGeom>
         </p:spPr>
         <p:txBody>
-          <a:bodyPr anchorCtr="0" anchor="ctr" bIns="91425" lIns="91425" spcFirstLastPara="1" rIns="91425" wrap="square" tIns="91425">
+          <a:bodyPr spcFirstLastPara="1" wrap="square" lIns="91425" tIns="91425" rIns="91425" bIns="91425" anchor="ctr" anchorCtr="0">
             <a:noAutofit/>
           </a:bodyPr>
           <a:lstStyle>
@@ -3438,7 +3826,7 @@
             </a:lvl9pPr>
           </a:lstStyle>
           <a:p>
-            <a:pPr indent="0" lvl="0" marL="0" rtl="0" algn="r">
+            <a:pPr marL="0" lvl="0" indent="0" algn="r" rtl="0">
               <a:spcBef>
                 <a:spcPts val="0"/>
               </a:spcBef>
@@ -3464,11 +3852,11 @@
 </file>
 
 <file path=ppt/slideLayouts/slideLayout3.xml><?xml version="1.0" encoding="utf-8"?>
-<p:sldLayout xmlns:a="http://schemas.openxmlformats.org/drawingml/2006/main" xmlns:r="http://schemas.openxmlformats.org/officeDocument/2006/relationships" xmlns:mc="http://schemas.openxmlformats.org/markup-compatibility/2006" xmlns:mv="urn:schemas-microsoft-com:mac:vml" xmlns:p="http://schemas.openxmlformats.org/presentationml/2006/main" xmlns:c="http://schemas.openxmlformats.org/drawingml/2006/chart" xmlns:dgm="http://schemas.openxmlformats.org/drawingml/2006/diagram" xmlns:o="urn:schemas-microsoft-com:office:office" xmlns:v="urn:schemas-microsoft-com:vml" xmlns:pvml="urn:schemas-microsoft-com:office:powerpoint" xmlns:com="http://schemas.openxmlformats.org/drawingml/2006/compatibility" xmlns:p14="http://schemas.microsoft.com/office/powerpoint/2010/main" xmlns:p15="http://schemas.microsoft.com/office/powerpoint/2012/main" matchingName="Title and body" type="tx">
+<p:sldLayout xmlns:a="http://schemas.openxmlformats.org/drawingml/2006/main" xmlns:r="http://schemas.openxmlformats.org/officeDocument/2006/relationships" xmlns:p="http://schemas.openxmlformats.org/presentationml/2006/main" matchingName="Title and body" type="tx">
   <p:cSld name="TITLE_AND_BODY">
     <p:spTree>
       <p:nvGrpSpPr>
-        <p:cNvPr id="23" name="Shape 23"/>
+        <p:cNvPr id="1" name="Shape 23"/>
         <p:cNvGrpSpPr/>
         <p:nvPr/>
       </p:nvGrpSpPr>
@@ -3502,12 +3890,12 @@
           </a:ln>
         </p:spPr>
         <p:txBody>
-          <a:bodyPr anchorCtr="0" anchor="ctr" bIns="91425" lIns="91425" spcFirstLastPara="1" rIns="91425" wrap="square" tIns="91425">
+          <a:bodyPr spcFirstLastPara="1" wrap="square" lIns="91425" tIns="91425" rIns="91425" bIns="91425" anchor="ctr" anchorCtr="0">
             <a:noAutofit/>
           </a:bodyPr>
           <a:lstStyle/>
           <a:p>
-            <a:pPr indent="0" lvl="0" marL="0" rtl="0" algn="l">
+            <a:pPr marL="0" lvl="0" indent="0" algn="l" rtl="0">
               <a:spcBef>
                 <a:spcPts val="0"/>
               </a:spcBef>
@@ -3516,9 +3904,6 @@
               </a:spcAft>
               <a:buNone/>
             </a:pPr>
-            <a:r>
-              <a:t/>
-            </a:r>
             <a:endParaRPr/>
           </a:p>
         </p:txBody>
@@ -3559,12 +3944,12 @@
             </a:ln>
           </p:spPr>
           <p:txBody>
-            <a:bodyPr anchorCtr="0" anchor="ctr" bIns="91425" lIns="91425" spcFirstLastPara="1" rIns="91425" wrap="square" tIns="91425">
+            <a:bodyPr spcFirstLastPara="1" wrap="square" lIns="91425" tIns="91425" rIns="91425" bIns="91425" anchor="ctr" anchorCtr="0">
               <a:noAutofit/>
             </a:bodyPr>
             <a:lstStyle/>
             <a:p>
-              <a:pPr indent="0" lvl="0" marL="0" rtl="0" algn="l">
+              <a:pPr marL="0" lvl="0" indent="0" algn="l" rtl="0">
                 <a:spcBef>
                   <a:spcPts val="0"/>
                 </a:spcBef>
@@ -3573,9 +3958,6 @@
                 </a:spcAft>
                 <a:buNone/>
               </a:pPr>
-              <a:r>
-                <a:t/>
-              </a:r>
               <a:endParaRPr/>
             </a:p>
           </p:txBody>
@@ -3602,12 +3984,12 @@
             </a:ln>
           </p:spPr>
           <p:txBody>
-            <a:bodyPr anchorCtr="0" anchor="ctr" bIns="91425" lIns="91425" spcFirstLastPara="1" rIns="91425" wrap="square" tIns="91425">
+            <a:bodyPr spcFirstLastPara="1" wrap="square" lIns="91425" tIns="91425" rIns="91425" bIns="91425" anchor="ctr" anchorCtr="0">
               <a:noAutofit/>
             </a:bodyPr>
             <a:lstStyle/>
             <a:p>
-              <a:pPr indent="0" lvl="0" marL="0" rtl="0" algn="l">
+              <a:pPr marL="0" lvl="0" indent="0" algn="l" rtl="0">
                 <a:spcBef>
                   <a:spcPts val="0"/>
                 </a:spcBef>
@@ -3616,9 +3998,6 @@
                 </a:spcAft>
                 <a:buNone/>
               </a:pPr>
-              <a:r>
-                <a:t/>
-              </a:r>
               <a:endParaRPr/>
             </a:p>
           </p:txBody>
@@ -3627,7 +4006,9 @@
       <p:sp>
         <p:nvSpPr>
           <p:cNvPr id="28" name="Google Shape;28;p4"/>
-          <p:cNvSpPr txBox="1"/>
+          <p:cNvSpPr txBox="1">
+            <a:spLocks noGrp="1"/>
+          </p:cNvSpPr>
           <p:nvPr>
             <p:ph type="title"/>
           </p:nvPr>
@@ -3642,7 +4023,7 @@
           </a:prstGeom>
         </p:spPr>
         <p:txBody>
-          <a:bodyPr anchorCtr="0" anchor="t" bIns="91425" lIns="91425" spcFirstLastPara="1" rIns="91425" wrap="square" tIns="91425">
+          <a:bodyPr spcFirstLastPara="1" wrap="square" lIns="91425" tIns="91425" rIns="91425" bIns="91425" anchor="t" anchorCtr="0">
             <a:noAutofit/>
           </a:bodyPr>
           <a:lstStyle>
@@ -3809,15 +4190,19 @@
               </a:defRPr>
             </a:lvl9pPr>
           </a:lstStyle>
-          <a:p/>
+          <a:p>
+            <a:endParaRPr/>
+          </a:p>
         </p:txBody>
       </p:sp>
       <p:sp>
         <p:nvSpPr>
           <p:cNvPr id="29" name="Google Shape;29;p4"/>
-          <p:cNvSpPr txBox="1"/>
+          <p:cNvSpPr txBox="1">
+            <a:spLocks noGrp="1"/>
+          </p:cNvSpPr>
           <p:nvPr>
-            <p:ph idx="1" type="body"/>
+            <p:ph type="body" idx="1"/>
           </p:nvPr>
         </p:nvSpPr>
         <p:spPr>
@@ -3830,11 +4215,11 @@
           </a:prstGeom>
         </p:spPr>
         <p:txBody>
-          <a:bodyPr anchorCtr="0" anchor="t" bIns="91425" lIns="91425" spcFirstLastPara="1" rIns="91425" wrap="square" tIns="91425">
+          <a:bodyPr spcFirstLastPara="1" wrap="square" lIns="91425" tIns="91425" rIns="91425" bIns="91425" anchor="t" anchorCtr="0">
             <a:noAutofit/>
           </a:bodyPr>
           <a:lstStyle>
-            <a:lvl1pPr indent="-311150" lvl="0" marL="457200">
+            <a:lvl1pPr marL="457200" lvl="0" indent="-311150">
               <a:spcBef>
                 <a:spcPts val="0"/>
               </a:spcBef>
@@ -3845,7 +4230,7 @@
               <a:buChar char="●"/>
               <a:defRPr/>
             </a:lvl1pPr>
-            <a:lvl2pPr indent="-298450" lvl="1" marL="914400">
+            <a:lvl2pPr marL="914400" lvl="1" indent="-298450">
               <a:spcBef>
                 <a:spcPts val="1600"/>
               </a:spcBef>
@@ -3856,7 +4241,7 @@
               <a:buChar char="○"/>
               <a:defRPr/>
             </a:lvl2pPr>
-            <a:lvl3pPr indent="-298450" lvl="2" marL="1371600">
+            <a:lvl3pPr marL="1371600" lvl="2" indent="-298450">
               <a:spcBef>
                 <a:spcPts val="1600"/>
               </a:spcBef>
@@ -3867,7 +4252,7 @@
               <a:buChar char="■"/>
               <a:defRPr/>
             </a:lvl3pPr>
-            <a:lvl4pPr indent="-298450" lvl="3" marL="1828800">
+            <a:lvl4pPr marL="1828800" lvl="3" indent="-298450">
               <a:spcBef>
                 <a:spcPts val="1600"/>
               </a:spcBef>
@@ -3878,7 +4263,7 @@
               <a:buChar char="●"/>
               <a:defRPr/>
             </a:lvl4pPr>
-            <a:lvl5pPr indent="-298450" lvl="4" marL="2286000">
+            <a:lvl5pPr marL="2286000" lvl="4" indent="-298450">
               <a:spcBef>
                 <a:spcPts val="1600"/>
               </a:spcBef>
@@ -3889,7 +4274,7 @@
               <a:buChar char="○"/>
               <a:defRPr/>
             </a:lvl5pPr>
-            <a:lvl6pPr indent="-298450" lvl="5" marL="2743200">
+            <a:lvl6pPr marL="2743200" lvl="5" indent="-298450">
               <a:spcBef>
                 <a:spcPts val="1600"/>
               </a:spcBef>
@@ -3900,7 +4285,7 @@
               <a:buChar char="■"/>
               <a:defRPr/>
             </a:lvl6pPr>
-            <a:lvl7pPr indent="-298450" lvl="6" marL="3200400">
+            <a:lvl7pPr marL="3200400" lvl="6" indent="-298450">
               <a:spcBef>
                 <a:spcPts val="1600"/>
               </a:spcBef>
@@ -3911,7 +4296,7 @@
               <a:buChar char="●"/>
               <a:defRPr/>
             </a:lvl7pPr>
-            <a:lvl8pPr indent="-298450" lvl="7" marL="3657600">
+            <a:lvl8pPr marL="3657600" lvl="7" indent="-298450">
               <a:spcBef>
                 <a:spcPts val="1600"/>
               </a:spcBef>
@@ -3922,7 +4307,7 @@
               <a:buChar char="○"/>
               <a:defRPr/>
             </a:lvl8pPr>
-            <a:lvl9pPr indent="-298450" lvl="8" marL="4114800">
+            <a:lvl9pPr marL="4114800" lvl="8" indent="-298450">
               <a:spcBef>
                 <a:spcPts val="1600"/>
               </a:spcBef>
@@ -3934,15 +4319,19 @@
               <a:defRPr/>
             </a:lvl9pPr>
           </a:lstStyle>
-          <a:p/>
+          <a:p>
+            <a:endParaRPr/>
+          </a:p>
         </p:txBody>
       </p:sp>
       <p:sp>
         <p:nvSpPr>
           <p:cNvPr id="30" name="Google Shape;30;p4"/>
-          <p:cNvSpPr txBox="1"/>
+          <p:cNvSpPr txBox="1">
+            <a:spLocks noGrp="1"/>
+          </p:cNvSpPr>
           <p:nvPr>
-            <p:ph idx="12" type="sldNum"/>
+            <p:ph type="sldNum" idx="12"/>
           </p:nvPr>
         </p:nvSpPr>
         <p:spPr>
@@ -3955,7 +4344,7 @@
           </a:prstGeom>
         </p:spPr>
         <p:txBody>
-          <a:bodyPr anchorCtr="0" anchor="ctr" bIns="91425" lIns="91425" spcFirstLastPara="1" rIns="91425" wrap="square" tIns="91425">
+          <a:bodyPr spcFirstLastPara="1" wrap="square" lIns="91425" tIns="91425" rIns="91425" bIns="91425" anchor="ctr" anchorCtr="0">
             <a:noAutofit/>
           </a:bodyPr>
           <a:lstStyle>
@@ -3997,7 +4386,7 @@
             </a:lvl9pPr>
           </a:lstStyle>
           <a:p>
-            <a:pPr indent="0" lvl="0" marL="0" rtl="0" algn="r">
+            <a:pPr marL="0" lvl="0" indent="0" algn="r" rtl="0">
               <a:spcBef>
                 <a:spcPts val="0"/>
               </a:spcBef>
@@ -4023,11 +4412,11 @@
 </file>
 
 <file path=ppt/slideLayouts/slideLayout4.xml><?xml version="1.0" encoding="utf-8"?>
-<p:sldLayout xmlns:a="http://schemas.openxmlformats.org/drawingml/2006/main" xmlns:r="http://schemas.openxmlformats.org/officeDocument/2006/relationships" xmlns:mc="http://schemas.openxmlformats.org/markup-compatibility/2006" xmlns:mv="urn:schemas-microsoft-com:mac:vml" xmlns:p="http://schemas.openxmlformats.org/presentationml/2006/main" xmlns:c="http://schemas.openxmlformats.org/drawingml/2006/chart" xmlns:dgm="http://schemas.openxmlformats.org/drawingml/2006/diagram" xmlns:o="urn:schemas-microsoft-com:office:office" xmlns:v="urn:schemas-microsoft-com:vml" xmlns:pvml="urn:schemas-microsoft-com:office:powerpoint" xmlns:com="http://schemas.openxmlformats.org/drawingml/2006/compatibility" xmlns:p14="http://schemas.microsoft.com/office/powerpoint/2010/main" xmlns:p15="http://schemas.microsoft.com/office/powerpoint/2012/main" matchingName="Title and two columns" type="twoColTx">
+<p:sldLayout xmlns:a="http://schemas.openxmlformats.org/drawingml/2006/main" xmlns:r="http://schemas.openxmlformats.org/officeDocument/2006/relationships" xmlns:p="http://schemas.openxmlformats.org/presentationml/2006/main" matchingName="Title and two columns" type="twoColTx">
   <p:cSld name="TITLE_AND_TWO_COLUMNS">
     <p:spTree>
       <p:nvGrpSpPr>
-        <p:cNvPr id="31" name="Shape 31"/>
+        <p:cNvPr id="1" name="Shape 31"/>
         <p:cNvGrpSpPr/>
         <p:nvPr/>
       </p:nvGrpSpPr>
@@ -4061,12 +4450,12 @@
           </a:ln>
         </p:spPr>
         <p:txBody>
-          <a:bodyPr anchorCtr="0" anchor="ctr" bIns="91425" lIns="91425" spcFirstLastPara="1" rIns="91425" wrap="square" tIns="91425">
+          <a:bodyPr spcFirstLastPara="1" wrap="square" lIns="91425" tIns="91425" rIns="91425" bIns="91425" anchor="ctr" anchorCtr="0">
             <a:noAutofit/>
           </a:bodyPr>
           <a:lstStyle/>
           <a:p>
-            <a:pPr indent="0" lvl="0" marL="0" rtl="0" algn="l">
+            <a:pPr marL="0" lvl="0" indent="0" algn="l" rtl="0">
               <a:spcBef>
                 <a:spcPts val="0"/>
               </a:spcBef>
@@ -4075,9 +4464,6 @@
               </a:spcAft>
               <a:buNone/>
             </a:pPr>
-            <a:r>
-              <a:t/>
-            </a:r>
             <a:endParaRPr/>
           </a:p>
         </p:txBody>
@@ -4118,12 +4504,12 @@
             </a:ln>
           </p:spPr>
           <p:txBody>
-            <a:bodyPr anchorCtr="0" anchor="ctr" bIns="91425" lIns="91425" spcFirstLastPara="1" rIns="91425" wrap="square" tIns="91425">
+            <a:bodyPr spcFirstLastPara="1" wrap="square" lIns="91425" tIns="91425" rIns="91425" bIns="91425" anchor="ctr" anchorCtr="0">
               <a:noAutofit/>
             </a:bodyPr>
             <a:lstStyle/>
             <a:p>
-              <a:pPr indent="0" lvl="0" marL="0" rtl="0" algn="l">
+              <a:pPr marL="0" lvl="0" indent="0" algn="l" rtl="0">
                 <a:spcBef>
                   <a:spcPts val="0"/>
                 </a:spcBef>
@@ -4132,9 +4518,6 @@
                 </a:spcAft>
                 <a:buNone/>
               </a:pPr>
-              <a:r>
-                <a:t/>
-              </a:r>
               <a:endParaRPr/>
             </a:p>
           </p:txBody>
@@ -4161,12 +4544,12 @@
             </a:ln>
           </p:spPr>
           <p:txBody>
-            <a:bodyPr anchorCtr="0" anchor="ctr" bIns="91425" lIns="91425" spcFirstLastPara="1" rIns="91425" wrap="square" tIns="91425">
+            <a:bodyPr spcFirstLastPara="1" wrap="square" lIns="91425" tIns="91425" rIns="91425" bIns="91425" anchor="ctr" anchorCtr="0">
               <a:noAutofit/>
             </a:bodyPr>
             <a:lstStyle/>
             <a:p>
-              <a:pPr indent="0" lvl="0" marL="0" rtl="0" algn="l">
+              <a:pPr marL="0" lvl="0" indent="0" algn="l" rtl="0">
                 <a:spcBef>
                   <a:spcPts val="0"/>
                 </a:spcBef>
@@ -4175,9 +4558,6 @@
                 </a:spcAft>
                 <a:buNone/>
               </a:pPr>
-              <a:r>
-                <a:t/>
-              </a:r>
               <a:endParaRPr/>
             </a:p>
           </p:txBody>
@@ -4186,7 +4566,9 @@
       <p:sp>
         <p:nvSpPr>
           <p:cNvPr id="36" name="Google Shape;36;p5"/>
-          <p:cNvSpPr txBox="1"/>
+          <p:cNvSpPr txBox="1">
+            <a:spLocks noGrp="1"/>
+          </p:cNvSpPr>
           <p:nvPr>
             <p:ph type="title"/>
           </p:nvPr>
@@ -4201,7 +4583,7 @@
           </a:prstGeom>
         </p:spPr>
         <p:txBody>
-          <a:bodyPr anchorCtr="0" anchor="t" bIns="91425" lIns="91425" spcFirstLastPara="1" rIns="91425" wrap="square" tIns="91425">
+          <a:bodyPr spcFirstLastPara="1" wrap="square" lIns="91425" tIns="91425" rIns="91425" bIns="91425" anchor="t" anchorCtr="0">
             <a:noAutofit/>
           </a:bodyPr>
           <a:lstStyle>
@@ -4368,15 +4750,19 @@
               </a:defRPr>
             </a:lvl9pPr>
           </a:lstStyle>
-          <a:p/>
+          <a:p>
+            <a:endParaRPr/>
+          </a:p>
         </p:txBody>
       </p:sp>
       <p:sp>
         <p:nvSpPr>
           <p:cNvPr id="37" name="Google Shape;37;p5"/>
-          <p:cNvSpPr txBox="1"/>
+          <p:cNvSpPr txBox="1">
+            <a:spLocks noGrp="1"/>
+          </p:cNvSpPr>
           <p:nvPr>
-            <p:ph idx="1" type="body"/>
+            <p:ph type="body" idx="1"/>
           </p:nvPr>
         </p:nvSpPr>
         <p:spPr>
@@ -4389,11 +4775,11 @@
           </a:prstGeom>
         </p:spPr>
         <p:txBody>
-          <a:bodyPr anchorCtr="0" anchor="t" bIns="91425" lIns="91425" spcFirstLastPara="1" rIns="91425" wrap="square" tIns="91425">
+          <a:bodyPr spcFirstLastPara="1" wrap="square" lIns="91425" tIns="91425" rIns="91425" bIns="91425" anchor="t" anchorCtr="0">
             <a:noAutofit/>
           </a:bodyPr>
           <a:lstStyle>
-            <a:lvl1pPr indent="-311150" lvl="0" marL="457200">
+            <a:lvl1pPr marL="457200" lvl="0" indent="-311150">
               <a:spcBef>
                 <a:spcPts val="0"/>
               </a:spcBef>
@@ -4404,7 +4790,7 @@
               <a:buChar char="●"/>
               <a:defRPr/>
             </a:lvl1pPr>
-            <a:lvl2pPr indent="-298450" lvl="1" marL="914400">
+            <a:lvl2pPr marL="914400" lvl="1" indent="-298450">
               <a:spcBef>
                 <a:spcPts val="1600"/>
               </a:spcBef>
@@ -4415,7 +4801,7 @@
               <a:buChar char="○"/>
               <a:defRPr/>
             </a:lvl2pPr>
-            <a:lvl3pPr indent="-298450" lvl="2" marL="1371600">
+            <a:lvl3pPr marL="1371600" lvl="2" indent="-298450">
               <a:spcBef>
                 <a:spcPts val="1600"/>
               </a:spcBef>
@@ -4426,7 +4812,7 @@
               <a:buChar char="■"/>
               <a:defRPr/>
             </a:lvl3pPr>
-            <a:lvl4pPr indent="-298450" lvl="3" marL="1828800">
+            <a:lvl4pPr marL="1828800" lvl="3" indent="-298450">
               <a:spcBef>
                 <a:spcPts val="1600"/>
               </a:spcBef>
@@ -4437,7 +4823,7 @@
               <a:buChar char="●"/>
               <a:defRPr/>
             </a:lvl4pPr>
-            <a:lvl5pPr indent="-298450" lvl="4" marL="2286000">
+            <a:lvl5pPr marL="2286000" lvl="4" indent="-298450">
               <a:spcBef>
                 <a:spcPts val="1600"/>
               </a:spcBef>
@@ -4448,7 +4834,7 @@
               <a:buChar char="○"/>
               <a:defRPr/>
             </a:lvl5pPr>
-            <a:lvl6pPr indent="-298450" lvl="5" marL="2743200">
+            <a:lvl6pPr marL="2743200" lvl="5" indent="-298450">
               <a:spcBef>
                 <a:spcPts val="1600"/>
               </a:spcBef>
@@ -4459,7 +4845,7 @@
               <a:buChar char="■"/>
               <a:defRPr/>
             </a:lvl6pPr>
-            <a:lvl7pPr indent="-298450" lvl="6" marL="3200400">
+            <a:lvl7pPr marL="3200400" lvl="6" indent="-298450">
               <a:spcBef>
                 <a:spcPts val="1600"/>
               </a:spcBef>
@@ -4470,7 +4856,7 @@
               <a:buChar char="●"/>
               <a:defRPr/>
             </a:lvl7pPr>
-            <a:lvl8pPr indent="-298450" lvl="7" marL="3657600">
+            <a:lvl8pPr marL="3657600" lvl="7" indent="-298450">
               <a:spcBef>
                 <a:spcPts val="1600"/>
               </a:spcBef>
@@ -4481,7 +4867,7 @@
               <a:buChar char="○"/>
               <a:defRPr/>
             </a:lvl8pPr>
-            <a:lvl9pPr indent="-298450" lvl="8" marL="4114800">
+            <a:lvl9pPr marL="4114800" lvl="8" indent="-298450">
               <a:spcBef>
                 <a:spcPts val="1600"/>
               </a:spcBef>
@@ -4493,15 +4879,19 @@
               <a:defRPr/>
             </a:lvl9pPr>
           </a:lstStyle>
-          <a:p/>
+          <a:p>
+            <a:endParaRPr/>
+          </a:p>
         </p:txBody>
       </p:sp>
       <p:sp>
         <p:nvSpPr>
           <p:cNvPr id="38" name="Google Shape;38;p5"/>
-          <p:cNvSpPr txBox="1"/>
+          <p:cNvSpPr txBox="1">
+            <a:spLocks noGrp="1"/>
+          </p:cNvSpPr>
           <p:nvPr>
-            <p:ph idx="2" type="body"/>
+            <p:ph type="body" idx="2"/>
           </p:nvPr>
         </p:nvSpPr>
         <p:spPr>
@@ -4514,11 +4904,11 @@
           </a:prstGeom>
         </p:spPr>
         <p:txBody>
-          <a:bodyPr anchorCtr="0" anchor="t" bIns="91425" lIns="91425" spcFirstLastPara="1" rIns="91425" wrap="square" tIns="91425">
+          <a:bodyPr spcFirstLastPara="1" wrap="square" lIns="91425" tIns="91425" rIns="91425" bIns="91425" anchor="t" anchorCtr="0">
             <a:noAutofit/>
           </a:bodyPr>
           <a:lstStyle>
-            <a:lvl1pPr indent="-311150" lvl="0" marL="457200">
+            <a:lvl1pPr marL="457200" lvl="0" indent="-311150">
               <a:spcBef>
                 <a:spcPts val="0"/>
               </a:spcBef>
@@ -4529,7 +4919,7 @@
               <a:buChar char="●"/>
               <a:defRPr/>
             </a:lvl1pPr>
-            <a:lvl2pPr indent="-298450" lvl="1" marL="914400">
+            <a:lvl2pPr marL="914400" lvl="1" indent="-298450">
               <a:spcBef>
                 <a:spcPts val="1600"/>
               </a:spcBef>
@@ -4540,7 +4930,7 @@
               <a:buChar char="○"/>
               <a:defRPr/>
             </a:lvl2pPr>
-            <a:lvl3pPr indent="-298450" lvl="2" marL="1371600">
+            <a:lvl3pPr marL="1371600" lvl="2" indent="-298450">
               <a:spcBef>
                 <a:spcPts val="1600"/>
               </a:spcBef>
@@ -4551,7 +4941,7 @@
               <a:buChar char="■"/>
               <a:defRPr/>
             </a:lvl3pPr>
-            <a:lvl4pPr indent="-298450" lvl="3" marL="1828800">
+            <a:lvl4pPr marL="1828800" lvl="3" indent="-298450">
               <a:spcBef>
                 <a:spcPts val="1600"/>
               </a:spcBef>
@@ -4562,7 +4952,7 @@
               <a:buChar char="●"/>
               <a:defRPr/>
             </a:lvl4pPr>
-            <a:lvl5pPr indent="-298450" lvl="4" marL="2286000">
+            <a:lvl5pPr marL="2286000" lvl="4" indent="-298450">
               <a:spcBef>
                 <a:spcPts val="1600"/>
               </a:spcBef>
@@ -4573,7 +4963,7 @@
               <a:buChar char="○"/>
               <a:defRPr/>
             </a:lvl5pPr>
-            <a:lvl6pPr indent="-298450" lvl="5" marL="2743200">
+            <a:lvl6pPr marL="2743200" lvl="5" indent="-298450">
               <a:spcBef>
                 <a:spcPts val="1600"/>
               </a:spcBef>
@@ -4584,7 +4974,7 @@
               <a:buChar char="■"/>
               <a:defRPr/>
             </a:lvl6pPr>
-            <a:lvl7pPr indent="-298450" lvl="6" marL="3200400">
+            <a:lvl7pPr marL="3200400" lvl="6" indent="-298450">
               <a:spcBef>
                 <a:spcPts val="1600"/>
               </a:spcBef>
@@ -4595,7 +4985,7 @@
               <a:buChar char="●"/>
               <a:defRPr/>
             </a:lvl7pPr>
-            <a:lvl8pPr indent="-298450" lvl="7" marL="3657600">
+            <a:lvl8pPr marL="3657600" lvl="7" indent="-298450">
               <a:spcBef>
                 <a:spcPts val="1600"/>
               </a:spcBef>
@@ -4606,7 +4996,7 @@
               <a:buChar char="○"/>
               <a:defRPr/>
             </a:lvl8pPr>
-            <a:lvl9pPr indent="-298450" lvl="8" marL="4114800">
+            <a:lvl9pPr marL="4114800" lvl="8" indent="-298450">
               <a:spcBef>
                 <a:spcPts val="1600"/>
               </a:spcBef>
@@ -4618,15 +5008,19 @@
               <a:defRPr/>
             </a:lvl9pPr>
           </a:lstStyle>
-          <a:p/>
+          <a:p>
+            <a:endParaRPr/>
+          </a:p>
         </p:txBody>
       </p:sp>
       <p:sp>
         <p:nvSpPr>
           <p:cNvPr id="39" name="Google Shape;39;p5"/>
-          <p:cNvSpPr txBox="1"/>
+          <p:cNvSpPr txBox="1">
+            <a:spLocks noGrp="1"/>
+          </p:cNvSpPr>
           <p:nvPr>
-            <p:ph idx="12" type="sldNum"/>
+            <p:ph type="sldNum" idx="12"/>
           </p:nvPr>
         </p:nvSpPr>
         <p:spPr>
@@ -4639,7 +5033,7 @@
           </a:prstGeom>
         </p:spPr>
         <p:txBody>
-          <a:bodyPr anchorCtr="0" anchor="ctr" bIns="91425" lIns="91425" spcFirstLastPara="1" rIns="91425" wrap="square" tIns="91425">
+          <a:bodyPr spcFirstLastPara="1" wrap="square" lIns="91425" tIns="91425" rIns="91425" bIns="91425" anchor="ctr" anchorCtr="0">
             <a:noAutofit/>
           </a:bodyPr>
           <a:lstStyle>
@@ -4681,7 +5075,7 @@
             </a:lvl9pPr>
           </a:lstStyle>
           <a:p>
-            <a:pPr indent="0" lvl="0" marL="0" rtl="0" algn="r">
+            <a:pPr marL="0" lvl="0" indent="0" algn="r" rtl="0">
               <a:spcBef>
                 <a:spcPts val="0"/>
               </a:spcBef>
@@ -4707,11 +5101,11 @@
 </file>
 
 <file path=ppt/slideLayouts/slideLayout5.xml><?xml version="1.0" encoding="utf-8"?>
-<p:sldLayout xmlns:a="http://schemas.openxmlformats.org/drawingml/2006/main" xmlns:r="http://schemas.openxmlformats.org/officeDocument/2006/relationships" xmlns:mc="http://schemas.openxmlformats.org/markup-compatibility/2006" xmlns:mv="urn:schemas-microsoft-com:mac:vml" xmlns:p="http://schemas.openxmlformats.org/presentationml/2006/main" xmlns:c="http://schemas.openxmlformats.org/drawingml/2006/chart" xmlns:dgm="http://schemas.openxmlformats.org/drawingml/2006/diagram" xmlns:o="urn:schemas-microsoft-com:office:office" xmlns:v="urn:schemas-microsoft-com:vml" xmlns:pvml="urn:schemas-microsoft-com:office:powerpoint" xmlns:com="http://schemas.openxmlformats.org/drawingml/2006/compatibility" xmlns:p14="http://schemas.microsoft.com/office/powerpoint/2010/main" xmlns:p15="http://schemas.microsoft.com/office/powerpoint/2012/main" matchingName="Title only" type="titleOnly">
+<p:sldLayout xmlns:a="http://schemas.openxmlformats.org/drawingml/2006/main" xmlns:r="http://schemas.openxmlformats.org/officeDocument/2006/relationships" xmlns:p="http://schemas.openxmlformats.org/presentationml/2006/main" matchingName="Title only" type="titleOnly">
   <p:cSld name="TITLE_ONLY">
     <p:spTree>
       <p:nvGrpSpPr>
-        <p:cNvPr id="40" name="Shape 40"/>
+        <p:cNvPr id="1" name="Shape 40"/>
         <p:cNvGrpSpPr/>
         <p:nvPr/>
       </p:nvGrpSpPr>
@@ -4745,12 +5139,12 @@
           </a:ln>
         </p:spPr>
         <p:txBody>
-          <a:bodyPr anchorCtr="0" anchor="ctr" bIns="91425" lIns="91425" spcFirstLastPara="1" rIns="91425" wrap="square" tIns="91425">
+          <a:bodyPr spcFirstLastPara="1" wrap="square" lIns="91425" tIns="91425" rIns="91425" bIns="91425" anchor="ctr" anchorCtr="0">
             <a:noAutofit/>
           </a:bodyPr>
           <a:lstStyle/>
           <a:p>
-            <a:pPr indent="0" lvl="0" marL="0" rtl="0" algn="l">
+            <a:pPr marL="0" lvl="0" indent="0" algn="l" rtl="0">
               <a:spcBef>
                 <a:spcPts val="0"/>
               </a:spcBef>
@@ -4759,9 +5153,6 @@
               </a:spcAft>
               <a:buNone/>
             </a:pPr>
-            <a:r>
-              <a:t/>
-            </a:r>
             <a:endParaRPr/>
           </a:p>
         </p:txBody>
@@ -4802,12 +5193,12 @@
             </a:ln>
           </p:spPr>
           <p:txBody>
-            <a:bodyPr anchorCtr="0" anchor="ctr" bIns="91425" lIns="91425" spcFirstLastPara="1" rIns="91425" wrap="square" tIns="91425">
+            <a:bodyPr spcFirstLastPara="1" wrap="square" lIns="91425" tIns="91425" rIns="91425" bIns="91425" anchor="ctr" anchorCtr="0">
               <a:noAutofit/>
             </a:bodyPr>
             <a:lstStyle/>
             <a:p>
-              <a:pPr indent="0" lvl="0" marL="0" rtl="0" algn="l">
+              <a:pPr marL="0" lvl="0" indent="0" algn="l" rtl="0">
                 <a:spcBef>
                   <a:spcPts val="0"/>
                 </a:spcBef>
@@ -4816,9 +5207,6 @@
                 </a:spcAft>
                 <a:buNone/>
               </a:pPr>
-              <a:r>
-                <a:t/>
-              </a:r>
               <a:endParaRPr/>
             </a:p>
           </p:txBody>
@@ -4845,12 +5233,12 @@
             </a:ln>
           </p:spPr>
           <p:txBody>
-            <a:bodyPr anchorCtr="0" anchor="ctr" bIns="91425" lIns="91425" spcFirstLastPara="1" rIns="91425" wrap="square" tIns="91425">
+            <a:bodyPr spcFirstLastPara="1" wrap="square" lIns="91425" tIns="91425" rIns="91425" bIns="91425" anchor="ctr" anchorCtr="0">
               <a:noAutofit/>
             </a:bodyPr>
             <a:lstStyle/>
             <a:p>
-              <a:pPr indent="0" lvl="0" marL="0" rtl="0" algn="l">
+              <a:pPr marL="0" lvl="0" indent="0" algn="l" rtl="0">
                 <a:spcBef>
                   <a:spcPts val="0"/>
                 </a:spcBef>
@@ -4859,9 +5247,6 @@
                 </a:spcAft>
                 <a:buNone/>
               </a:pPr>
-              <a:r>
-                <a:t/>
-              </a:r>
               <a:endParaRPr/>
             </a:p>
           </p:txBody>
@@ -4870,7 +5255,9 @@
       <p:sp>
         <p:nvSpPr>
           <p:cNvPr id="45" name="Google Shape;45;p6"/>
-          <p:cNvSpPr txBox="1"/>
+          <p:cNvSpPr txBox="1">
+            <a:spLocks noGrp="1"/>
+          </p:cNvSpPr>
           <p:nvPr>
             <p:ph type="title"/>
           </p:nvPr>
@@ -4885,7 +5272,7 @@
           </a:prstGeom>
         </p:spPr>
         <p:txBody>
-          <a:bodyPr anchorCtr="0" anchor="t" bIns="91425" lIns="91425" spcFirstLastPara="1" rIns="91425" wrap="square" tIns="91425">
+          <a:bodyPr spcFirstLastPara="1" wrap="square" lIns="91425" tIns="91425" rIns="91425" bIns="91425" anchor="t" anchorCtr="0">
             <a:noAutofit/>
           </a:bodyPr>
           <a:lstStyle>
@@ -5052,15 +5439,19 @@
               </a:defRPr>
             </a:lvl9pPr>
           </a:lstStyle>
-          <a:p/>
+          <a:p>
+            <a:endParaRPr/>
+          </a:p>
         </p:txBody>
       </p:sp>
       <p:sp>
         <p:nvSpPr>
           <p:cNvPr id="46" name="Google Shape;46;p6"/>
-          <p:cNvSpPr txBox="1"/>
+          <p:cNvSpPr txBox="1">
+            <a:spLocks noGrp="1"/>
+          </p:cNvSpPr>
           <p:nvPr>
-            <p:ph idx="12" type="sldNum"/>
+            <p:ph type="sldNum" idx="12"/>
           </p:nvPr>
         </p:nvSpPr>
         <p:spPr>
@@ -5073,7 +5464,7 @@
           </a:prstGeom>
         </p:spPr>
         <p:txBody>
-          <a:bodyPr anchorCtr="0" anchor="ctr" bIns="91425" lIns="91425" spcFirstLastPara="1" rIns="91425" wrap="square" tIns="91425">
+          <a:bodyPr spcFirstLastPara="1" wrap="square" lIns="91425" tIns="91425" rIns="91425" bIns="91425" anchor="ctr" anchorCtr="0">
             <a:noAutofit/>
           </a:bodyPr>
           <a:lstStyle>
@@ -5115,7 +5506,7 @@
             </a:lvl9pPr>
           </a:lstStyle>
           <a:p>
-            <a:pPr indent="0" lvl="0" marL="0" rtl="0" algn="r">
+            <a:pPr marL="0" lvl="0" indent="0" algn="r" rtl="0">
               <a:spcBef>
                 <a:spcPts val="0"/>
               </a:spcBef>
@@ -5141,11 +5532,11 @@
 </file>
 
 <file path=ppt/slideLayouts/slideLayout6.xml><?xml version="1.0" encoding="utf-8"?>
-<p:sldLayout xmlns:a="http://schemas.openxmlformats.org/drawingml/2006/main" xmlns:r="http://schemas.openxmlformats.org/officeDocument/2006/relationships" xmlns:mc="http://schemas.openxmlformats.org/markup-compatibility/2006" xmlns:mv="urn:schemas-microsoft-com:mac:vml" xmlns:p="http://schemas.openxmlformats.org/presentationml/2006/main" xmlns:c="http://schemas.openxmlformats.org/drawingml/2006/chart" xmlns:dgm="http://schemas.openxmlformats.org/drawingml/2006/diagram" xmlns:o="urn:schemas-microsoft-com:office:office" xmlns:v="urn:schemas-microsoft-com:vml" xmlns:pvml="urn:schemas-microsoft-com:office:powerpoint" xmlns:com="http://schemas.openxmlformats.org/drawingml/2006/compatibility" xmlns:p14="http://schemas.microsoft.com/office/powerpoint/2010/main" xmlns:p15="http://schemas.microsoft.com/office/powerpoint/2012/main" matchingName="One column text">
+<p:sldLayout xmlns:a="http://schemas.openxmlformats.org/drawingml/2006/main" xmlns:r="http://schemas.openxmlformats.org/officeDocument/2006/relationships" xmlns:p="http://schemas.openxmlformats.org/presentationml/2006/main" matchingName="One column text">
   <p:cSld name="ONE_COLUMN_TEXT">
     <p:spTree>
       <p:nvGrpSpPr>
-        <p:cNvPr id="47" name="Shape 47"/>
+        <p:cNvPr id="1" name="Shape 47"/>
         <p:cNvGrpSpPr/>
         <p:nvPr/>
       </p:nvGrpSpPr>
@@ -5179,12 +5570,12 @@
           </a:ln>
         </p:spPr>
         <p:txBody>
-          <a:bodyPr anchorCtr="0" anchor="ctr" bIns="91425" lIns="91425" spcFirstLastPara="1" rIns="91425" wrap="square" tIns="91425">
+          <a:bodyPr spcFirstLastPara="1" wrap="square" lIns="91425" tIns="91425" rIns="91425" bIns="91425" anchor="ctr" anchorCtr="0">
             <a:noAutofit/>
           </a:bodyPr>
           <a:lstStyle/>
           <a:p>
-            <a:pPr indent="0" lvl="0" marL="0" rtl="0" algn="l">
+            <a:pPr marL="0" lvl="0" indent="0" algn="l" rtl="0">
               <a:spcBef>
                 <a:spcPts val="0"/>
               </a:spcBef>
@@ -5193,9 +5584,6 @@
               </a:spcAft>
               <a:buNone/>
             </a:pPr>
-            <a:r>
-              <a:t/>
-            </a:r>
             <a:endParaRPr/>
           </a:p>
         </p:txBody>
@@ -5236,12 +5624,12 @@
             </a:ln>
           </p:spPr>
           <p:txBody>
-            <a:bodyPr anchorCtr="0" anchor="ctr" bIns="91425" lIns="91425" spcFirstLastPara="1" rIns="91425" wrap="square" tIns="91425">
+            <a:bodyPr spcFirstLastPara="1" wrap="square" lIns="91425" tIns="91425" rIns="91425" bIns="91425" anchor="ctr" anchorCtr="0">
               <a:noAutofit/>
             </a:bodyPr>
             <a:lstStyle/>
             <a:p>
-              <a:pPr indent="0" lvl="0" marL="0" rtl="0" algn="l">
+              <a:pPr marL="0" lvl="0" indent="0" algn="l" rtl="0">
                 <a:spcBef>
                   <a:spcPts val="0"/>
                 </a:spcBef>
@@ -5250,9 +5638,6 @@
                 </a:spcAft>
                 <a:buNone/>
               </a:pPr>
-              <a:r>
-                <a:t/>
-              </a:r>
               <a:endParaRPr/>
             </a:p>
           </p:txBody>
@@ -5279,12 +5664,12 @@
             </a:ln>
           </p:spPr>
           <p:txBody>
-            <a:bodyPr anchorCtr="0" anchor="ctr" bIns="91425" lIns="91425" spcFirstLastPara="1" rIns="91425" wrap="square" tIns="91425">
+            <a:bodyPr spcFirstLastPara="1" wrap="square" lIns="91425" tIns="91425" rIns="91425" bIns="91425" anchor="ctr" anchorCtr="0">
               <a:noAutofit/>
             </a:bodyPr>
             <a:lstStyle/>
             <a:p>
-              <a:pPr indent="0" lvl="0" marL="0" rtl="0" algn="l">
+              <a:pPr marL="0" lvl="0" indent="0" algn="l" rtl="0">
                 <a:spcBef>
                   <a:spcPts val="0"/>
                 </a:spcBef>
@@ -5293,9 +5678,6 @@
                 </a:spcAft>
                 <a:buNone/>
               </a:pPr>
-              <a:r>
-                <a:t/>
-              </a:r>
               <a:endParaRPr/>
             </a:p>
           </p:txBody>
@@ -5304,7 +5686,9 @@
       <p:sp>
         <p:nvSpPr>
           <p:cNvPr id="52" name="Google Shape;52;p7"/>
-          <p:cNvSpPr txBox="1"/>
+          <p:cNvSpPr txBox="1">
+            <a:spLocks noGrp="1"/>
+          </p:cNvSpPr>
           <p:nvPr>
             <p:ph type="title"/>
           </p:nvPr>
@@ -5319,7 +5703,7 @@
           </a:prstGeom>
         </p:spPr>
         <p:txBody>
-          <a:bodyPr anchorCtr="0" anchor="t" bIns="91425" lIns="91425" spcFirstLastPara="1" rIns="91425" wrap="square" tIns="91425">
+          <a:bodyPr spcFirstLastPara="1" wrap="square" lIns="91425" tIns="91425" rIns="91425" bIns="91425" anchor="t" anchorCtr="0">
             <a:noAutofit/>
           </a:bodyPr>
           <a:lstStyle>
@@ -5486,15 +5870,19 @@
               </a:defRPr>
             </a:lvl9pPr>
           </a:lstStyle>
-          <a:p/>
+          <a:p>
+            <a:endParaRPr/>
+          </a:p>
         </p:txBody>
       </p:sp>
       <p:sp>
         <p:nvSpPr>
           <p:cNvPr id="53" name="Google Shape;53;p7"/>
-          <p:cNvSpPr txBox="1"/>
+          <p:cNvSpPr txBox="1">
+            <a:spLocks noGrp="1"/>
+          </p:cNvSpPr>
           <p:nvPr>
-            <p:ph idx="1" type="body"/>
+            <p:ph type="body" idx="1"/>
           </p:nvPr>
         </p:nvSpPr>
         <p:spPr>
@@ -5507,11 +5895,11 @@
           </a:prstGeom>
         </p:spPr>
         <p:txBody>
-          <a:bodyPr anchorCtr="0" anchor="t" bIns="91425" lIns="91425" spcFirstLastPara="1" rIns="91425" wrap="square" tIns="91425">
+          <a:bodyPr spcFirstLastPara="1" wrap="square" lIns="91425" tIns="91425" rIns="91425" bIns="91425" anchor="t" anchorCtr="0">
             <a:noAutofit/>
           </a:bodyPr>
           <a:lstStyle>
-            <a:lvl1pPr indent="-311150" lvl="0" marL="457200">
+            <a:lvl1pPr marL="457200" lvl="0" indent="-311150">
               <a:spcBef>
                 <a:spcPts val="0"/>
               </a:spcBef>
@@ -5522,7 +5910,7 @@
               <a:buChar char="●"/>
               <a:defRPr/>
             </a:lvl1pPr>
-            <a:lvl2pPr indent="-298450" lvl="1" marL="914400">
+            <a:lvl2pPr marL="914400" lvl="1" indent="-298450">
               <a:spcBef>
                 <a:spcPts val="1600"/>
               </a:spcBef>
@@ -5533,7 +5921,7 @@
               <a:buChar char="○"/>
               <a:defRPr/>
             </a:lvl2pPr>
-            <a:lvl3pPr indent="-298450" lvl="2" marL="1371600">
+            <a:lvl3pPr marL="1371600" lvl="2" indent="-298450">
               <a:spcBef>
                 <a:spcPts val="1600"/>
               </a:spcBef>
@@ -5544,7 +5932,7 @@
               <a:buChar char="■"/>
               <a:defRPr/>
             </a:lvl3pPr>
-            <a:lvl4pPr indent="-298450" lvl="3" marL="1828800">
+            <a:lvl4pPr marL="1828800" lvl="3" indent="-298450">
               <a:spcBef>
                 <a:spcPts val="1600"/>
               </a:spcBef>
@@ -5555,7 +5943,7 @@
               <a:buChar char="●"/>
               <a:defRPr/>
             </a:lvl4pPr>
-            <a:lvl5pPr indent="-298450" lvl="4" marL="2286000">
+            <a:lvl5pPr marL="2286000" lvl="4" indent="-298450">
               <a:spcBef>
                 <a:spcPts val="1600"/>
               </a:spcBef>
@@ -5566,7 +5954,7 @@
               <a:buChar char="○"/>
               <a:defRPr/>
             </a:lvl5pPr>
-            <a:lvl6pPr indent="-298450" lvl="5" marL="2743200">
+            <a:lvl6pPr marL="2743200" lvl="5" indent="-298450">
               <a:spcBef>
                 <a:spcPts val="1600"/>
               </a:spcBef>
@@ -5577,7 +5965,7 @@
               <a:buChar char="■"/>
               <a:defRPr/>
             </a:lvl6pPr>
-            <a:lvl7pPr indent="-298450" lvl="6" marL="3200400">
+            <a:lvl7pPr marL="3200400" lvl="6" indent="-298450">
               <a:spcBef>
                 <a:spcPts val="1600"/>
               </a:spcBef>
@@ -5588,7 +5976,7 @@
               <a:buChar char="●"/>
               <a:defRPr/>
             </a:lvl7pPr>
-            <a:lvl8pPr indent="-298450" lvl="7" marL="3657600">
+            <a:lvl8pPr marL="3657600" lvl="7" indent="-298450">
               <a:spcBef>
                 <a:spcPts val="1600"/>
               </a:spcBef>
@@ -5599,7 +5987,7 @@
               <a:buChar char="○"/>
               <a:defRPr/>
             </a:lvl8pPr>
-            <a:lvl9pPr indent="-298450" lvl="8" marL="4114800">
+            <a:lvl9pPr marL="4114800" lvl="8" indent="-298450">
               <a:spcBef>
                 <a:spcPts val="1600"/>
               </a:spcBef>
@@ -5611,15 +5999,19 @@
               <a:defRPr/>
             </a:lvl9pPr>
           </a:lstStyle>
-          <a:p/>
+          <a:p>
+            <a:endParaRPr/>
+          </a:p>
         </p:txBody>
       </p:sp>
       <p:sp>
         <p:nvSpPr>
           <p:cNvPr id="54" name="Google Shape;54;p7"/>
-          <p:cNvSpPr txBox="1"/>
+          <p:cNvSpPr txBox="1">
+            <a:spLocks noGrp="1"/>
+          </p:cNvSpPr>
           <p:nvPr>
-            <p:ph idx="12" type="sldNum"/>
+            <p:ph type="sldNum" idx="12"/>
           </p:nvPr>
         </p:nvSpPr>
         <p:spPr>
@@ -5632,7 +6024,7 @@
           </a:prstGeom>
         </p:spPr>
         <p:txBody>
-          <a:bodyPr anchorCtr="0" anchor="ctr" bIns="91425" lIns="91425" spcFirstLastPara="1" rIns="91425" wrap="square" tIns="91425">
+          <a:bodyPr spcFirstLastPara="1" wrap="square" lIns="91425" tIns="91425" rIns="91425" bIns="91425" anchor="ctr" anchorCtr="0">
             <a:noAutofit/>
           </a:bodyPr>
           <a:lstStyle>
@@ -5674,7 +6066,7 @@
             </a:lvl9pPr>
           </a:lstStyle>
           <a:p>
-            <a:pPr indent="0" lvl="0" marL="0" rtl="0" algn="r">
+            <a:pPr marL="0" lvl="0" indent="0" algn="r" rtl="0">
               <a:spcBef>
                 <a:spcPts val="0"/>
               </a:spcBef>
@@ -5700,18 +6092,19 @@
 </file>
 
 <file path=ppt/slideLayouts/slideLayout7.xml><?xml version="1.0" encoding="utf-8"?>
-<p:sldLayout xmlns:a="http://schemas.openxmlformats.org/drawingml/2006/main" xmlns:r="http://schemas.openxmlformats.org/officeDocument/2006/relationships" xmlns:mc="http://schemas.openxmlformats.org/markup-compatibility/2006" xmlns:mv="urn:schemas-microsoft-com:mac:vml" xmlns:p="http://schemas.openxmlformats.org/presentationml/2006/main" xmlns:c="http://schemas.openxmlformats.org/drawingml/2006/chart" xmlns:dgm="http://schemas.openxmlformats.org/drawingml/2006/diagram" xmlns:o="urn:schemas-microsoft-com:office:office" xmlns:v="urn:schemas-microsoft-com:vml" xmlns:pvml="urn:schemas-microsoft-com:office:powerpoint" xmlns:com="http://schemas.openxmlformats.org/drawingml/2006/compatibility" xmlns:p14="http://schemas.microsoft.com/office/powerpoint/2010/main" xmlns:p15="http://schemas.microsoft.com/office/powerpoint/2012/main" matchingName="Main point">
+<p:sldLayout xmlns:a="http://schemas.openxmlformats.org/drawingml/2006/main" xmlns:r="http://schemas.openxmlformats.org/officeDocument/2006/relationships" xmlns:p="http://schemas.openxmlformats.org/presentationml/2006/main" matchingName="Main point">
   <p:cSld name="MAIN_POINT">
     <p:bg>
       <p:bgPr>
         <a:solidFill>
           <a:schemeClr val="accent3"/>
         </a:solidFill>
+        <a:effectLst/>
       </p:bgPr>
     </p:bg>
     <p:spTree>
       <p:nvGrpSpPr>
-        <p:cNvPr id="55" name="Shape 55"/>
+        <p:cNvPr id="1" name="Shape 55"/>
         <p:cNvGrpSpPr/>
         <p:nvPr/>
       </p:nvGrpSpPr>
@@ -5759,12 +6152,12 @@
             </a:ln>
           </p:spPr>
           <p:txBody>
-            <a:bodyPr anchorCtr="0" anchor="ctr" bIns="91425" lIns="91425" spcFirstLastPara="1" rIns="91425" wrap="square" tIns="91425">
+            <a:bodyPr spcFirstLastPara="1" wrap="square" lIns="91425" tIns="91425" rIns="91425" bIns="91425" anchor="ctr" anchorCtr="0">
               <a:noAutofit/>
             </a:bodyPr>
             <a:lstStyle/>
             <a:p>
-              <a:pPr indent="0" lvl="0" marL="0" rtl="0" algn="l">
+              <a:pPr marL="0" lvl="0" indent="0" algn="l" rtl="0">
                 <a:spcBef>
                   <a:spcPts val="0"/>
                 </a:spcBef>
@@ -5773,9 +6166,6 @@
                 </a:spcAft>
                 <a:buNone/>
               </a:pPr>
-              <a:r>
-                <a:t/>
-              </a:r>
               <a:endParaRPr/>
             </a:p>
           </p:txBody>
@@ -5802,12 +6192,12 @@
             </a:ln>
           </p:spPr>
           <p:txBody>
-            <a:bodyPr anchorCtr="0" anchor="ctr" bIns="91425" lIns="91425" spcFirstLastPara="1" rIns="91425" wrap="square" tIns="91425">
+            <a:bodyPr spcFirstLastPara="1" wrap="square" lIns="91425" tIns="91425" rIns="91425" bIns="91425" anchor="ctr" anchorCtr="0">
               <a:noAutofit/>
             </a:bodyPr>
             <a:lstStyle/>
             <a:p>
-              <a:pPr indent="0" lvl="0" marL="0" rtl="0" algn="l">
+              <a:pPr marL="0" lvl="0" indent="0" algn="l" rtl="0">
                 <a:spcBef>
                   <a:spcPts val="0"/>
                 </a:spcBef>
@@ -5816,9 +6206,6 @@
                 </a:spcAft>
                 <a:buNone/>
               </a:pPr>
-              <a:r>
-                <a:t/>
-              </a:r>
               <a:endParaRPr/>
             </a:p>
           </p:txBody>
@@ -5827,7 +6214,9 @@
       <p:sp>
         <p:nvSpPr>
           <p:cNvPr id="59" name="Google Shape;59;p8"/>
-          <p:cNvSpPr txBox="1"/>
+          <p:cNvSpPr txBox="1">
+            <a:spLocks noGrp="1"/>
+          </p:cNvSpPr>
           <p:nvPr>
             <p:ph type="title"/>
           </p:nvPr>
@@ -5842,7 +6231,7 @@
           </a:prstGeom>
         </p:spPr>
         <p:txBody>
-          <a:bodyPr anchorCtr="0" anchor="ctr" bIns="91425" lIns="91425" spcFirstLastPara="1" rIns="91425" wrap="square" tIns="91425">
+          <a:bodyPr spcFirstLastPara="1" wrap="square" lIns="91425" tIns="91425" rIns="91425" bIns="91425" anchor="ctr" anchorCtr="0">
             <a:noAutofit/>
           </a:bodyPr>
           <a:lstStyle>
@@ -6009,15 +6398,19 @@
               </a:defRPr>
             </a:lvl9pPr>
           </a:lstStyle>
-          <a:p/>
+          <a:p>
+            <a:endParaRPr/>
+          </a:p>
         </p:txBody>
       </p:sp>
       <p:sp>
         <p:nvSpPr>
           <p:cNvPr id="60" name="Google Shape;60;p8"/>
-          <p:cNvSpPr txBox="1"/>
+          <p:cNvSpPr txBox="1">
+            <a:spLocks noGrp="1"/>
+          </p:cNvSpPr>
           <p:nvPr>
-            <p:ph idx="12" type="sldNum"/>
+            <p:ph type="sldNum" idx="12"/>
           </p:nvPr>
         </p:nvSpPr>
         <p:spPr>
@@ -6030,7 +6423,7 @@
           </a:prstGeom>
         </p:spPr>
         <p:txBody>
-          <a:bodyPr anchorCtr="0" anchor="ctr" bIns="91425" lIns="91425" spcFirstLastPara="1" rIns="91425" wrap="square" tIns="91425">
+          <a:bodyPr spcFirstLastPara="1" wrap="square" lIns="91425" tIns="91425" rIns="91425" bIns="91425" anchor="ctr" anchorCtr="0">
             <a:noAutofit/>
           </a:bodyPr>
           <a:lstStyle>
@@ -6108,7 +6501,7 @@
             </a:lvl9pPr>
           </a:lstStyle>
           <a:p>
-            <a:pPr indent="0" lvl="0" marL="0" rtl="0" algn="r">
+            <a:pPr marL="0" lvl="0" indent="0" algn="r" rtl="0">
               <a:spcBef>
                 <a:spcPts val="0"/>
               </a:spcBef>
@@ -6134,11 +6527,11 @@
 </file>
 
 <file path=ppt/slideLayouts/slideLayout8.xml><?xml version="1.0" encoding="utf-8"?>
-<p:sldLayout xmlns:a="http://schemas.openxmlformats.org/drawingml/2006/main" xmlns:r="http://schemas.openxmlformats.org/officeDocument/2006/relationships" xmlns:mc="http://schemas.openxmlformats.org/markup-compatibility/2006" xmlns:mv="urn:schemas-microsoft-com:mac:vml" xmlns:p="http://schemas.openxmlformats.org/presentationml/2006/main" xmlns:c="http://schemas.openxmlformats.org/drawingml/2006/chart" xmlns:dgm="http://schemas.openxmlformats.org/drawingml/2006/diagram" xmlns:o="urn:schemas-microsoft-com:office:office" xmlns:v="urn:schemas-microsoft-com:vml" xmlns:pvml="urn:schemas-microsoft-com:office:powerpoint" xmlns:com="http://schemas.openxmlformats.org/drawingml/2006/compatibility" xmlns:p14="http://schemas.microsoft.com/office/powerpoint/2010/main" xmlns:p15="http://schemas.microsoft.com/office/powerpoint/2012/main" matchingName="Section title and description">
+<p:sldLayout xmlns:a="http://schemas.openxmlformats.org/drawingml/2006/main" xmlns:r="http://schemas.openxmlformats.org/officeDocument/2006/relationships" xmlns:p="http://schemas.openxmlformats.org/presentationml/2006/main" matchingName="Section title and description">
   <p:cSld name="SECTION_TITLE_AND_DESCRIPTION">
     <p:spTree>
       <p:nvGrpSpPr>
-        <p:cNvPr id="61" name="Shape 61"/>
+        <p:cNvPr id="1" name="Shape 61"/>
         <p:cNvGrpSpPr/>
         <p:nvPr/>
       </p:nvGrpSpPr>
@@ -6172,12 +6565,12 @@
           </a:ln>
         </p:spPr>
         <p:txBody>
-          <a:bodyPr anchorCtr="0" anchor="ctr" bIns="91425" lIns="91425" spcFirstLastPara="1" rIns="91425" wrap="square" tIns="91425">
+          <a:bodyPr spcFirstLastPara="1" wrap="square" lIns="91425" tIns="91425" rIns="91425" bIns="91425" anchor="ctr" anchorCtr="0">
             <a:noAutofit/>
           </a:bodyPr>
           <a:lstStyle/>
           <a:p>
-            <a:pPr indent="0" lvl="0" marL="0" rtl="0" algn="l">
+            <a:pPr marL="0" lvl="0" indent="0" algn="l" rtl="0">
               <a:spcBef>
                 <a:spcPts val="0"/>
               </a:spcBef>
@@ -6186,9 +6579,6 @@
               </a:spcAft>
               <a:buNone/>
             </a:pPr>
-            <a:r>
-              <a:t/>
-            </a:r>
             <a:endParaRPr/>
           </a:p>
         </p:txBody>
@@ -6229,12 +6619,12 @@
             </a:ln>
           </p:spPr>
           <p:txBody>
-            <a:bodyPr anchorCtr="0" anchor="ctr" bIns="91425" lIns="91425" spcFirstLastPara="1" rIns="91425" wrap="square" tIns="91425">
+            <a:bodyPr spcFirstLastPara="1" wrap="square" lIns="91425" tIns="91425" rIns="91425" bIns="91425" anchor="ctr" anchorCtr="0">
               <a:noAutofit/>
             </a:bodyPr>
             <a:lstStyle/>
             <a:p>
-              <a:pPr indent="0" lvl="0" marL="0" rtl="0" algn="l">
+              <a:pPr marL="0" lvl="0" indent="0" algn="l" rtl="0">
                 <a:spcBef>
                   <a:spcPts val="0"/>
                 </a:spcBef>
@@ -6243,9 +6633,6 @@
                 </a:spcAft>
                 <a:buNone/>
               </a:pPr>
-              <a:r>
-                <a:t/>
-              </a:r>
               <a:endParaRPr/>
             </a:p>
           </p:txBody>
@@ -6272,12 +6659,12 @@
             </a:ln>
           </p:spPr>
           <p:txBody>
-            <a:bodyPr anchorCtr="0" anchor="ctr" bIns="91425" lIns="91425" spcFirstLastPara="1" rIns="91425" wrap="square" tIns="91425">
+            <a:bodyPr spcFirstLastPara="1" wrap="square" lIns="91425" tIns="91425" rIns="91425" bIns="91425" anchor="ctr" anchorCtr="0">
               <a:noAutofit/>
             </a:bodyPr>
             <a:lstStyle/>
             <a:p>
-              <a:pPr indent="0" lvl="0" marL="0" rtl="0" algn="l">
+              <a:pPr marL="0" lvl="0" indent="0" algn="l" rtl="0">
                 <a:spcBef>
                   <a:spcPts val="0"/>
                 </a:spcBef>
@@ -6286,9 +6673,6 @@
                 </a:spcAft>
                 <a:buNone/>
               </a:pPr>
-              <a:r>
-                <a:t/>
-              </a:r>
               <a:endParaRPr/>
             </a:p>
           </p:txBody>
@@ -6297,7 +6681,9 @@
       <p:sp>
         <p:nvSpPr>
           <p:cNvPr id="66" name="Google Shape;66;p9"/>
-          <p:cNvSpPr txBox="1"/>
+          <p:cNvSpPr txBox="1">
+            <a:spLocks noGrp="1"/>
+          </p:cNvSpPr>
           <p:nvPr>
             <p:ph type="title"/>
           </p:nvPr>
@@ -6312,7 +6698,7 @@
           </a:prstGeom>
         </p:spPr>
         <p:txBody>
-          <a:bodyPr anchorCtr="0" anchor="t" bIns="91425" lIns="91425" spcFirstLastPara="1" rIns="91425" wrap="square" tIns="91425">
+          <a:bodyPr spcFirstLastPara="1" wrap="square" lIns="91425" tIns="91425" rIns="91425" bIns="91425" anchor="t" anchorCtr="0">
             <a:noAutofit/>
           </a:bodyPr>
           <a:lstStyle>
@@ -6479,15 +6865,19 @@
               </a:defRPr>
             </a:lvl9pPr>
           </a:lstStyle>
-          <a:p/>
+          <a:p>
+            <a:endParaRPr/>
+          </a:p>
         </p:txBody>
       </p:sp>
       <p:sp>
         <p:nvSpPr>
           <p:cNvPr id="67" name="Google Shape;67;p9"/>
-          <p:cNvSpPr txBox="1"/>
+          <p:cNvSpPr txBox="1">
+            <a:spLocks noGrp="1"/>
+          </p:cNvSpPr>
           <p:nvPr>
-            <p:ph idx="1" type="subTitle"/>
+            <p:ph type="subTitle" idx="1"/>
           </p:nvPr>
         </p:nvSpPr>
         <p:spPr>
@@ -6500,7 +6890,7 @@
           </a:prstGeom>
         </p:spPr>
         <p:txBody>
-          <a:bodyPr anchorCtr="0" anchor="t" bIns="91425" lIns="91425" spcFirstLastPara="1" rIns="91425" wrap="square" tIns="91425">
+          <a:bodyPr spcFirstLastPara="1" wrap="square" lIns="91425" tIns="91425" rIns="91425" bIns="91425" anchor="t" anchorCtr="0">
             <a:noAutofit/>
           </a:bodyPr>
           <a:lstStyle>
@@ -6631,15 +7021,19 @@
               <a:defRPr sz="1600"/>
             </a:lvl9pPr>
           </a:lstStyle>
-          <a:p/>
+          <a:p>
+            <a:endParaRPr/>
+          </a:p>
         </p:txBody>
       </p:sp>
       <p:sp>
         <p:nvSpPr>
           <p:cNvPr id="68" name="Google Shape;68;p9"/>
-          <p:cNvSpPr txBox="1"/>
+          <p:cNvSpPr txBox="1">
+            <a:spLocks noGrp="1"/>
+          </p:cNvSpPr>
           <p:nvPr>
-            <p:ph idx="2" type="body"/>
+            <p:ph type="body" idx="2"/>
           </p:nvPr>
         </p:nvSpPr>
         <p:spPr>
@@ -6652,11 +7046,11 @@
           </a:prstGeom>
         </p:spPr>
         <p:txBody>
-          <a:bodyPr anchorCtr="0" anchor="t" bIns="91425" lIns="91425" spcFirstLastPara="1" rIns="91425" wrap="square" tIns="91425">
+          <a:bodyPr spcFirstLastPara="1" wrap="square" lIns="91425" tIns="91425" rIns="91425" bIns="91425" anchor="t" anchorCtr="0">
             <a:noAutofit/>
           </a:bodyPr>
           <a:lstStyle>
-            <a:lvl1pPr indent="-311150" lvl="0" marL="457200">
+            <a:lvl1pPr marL="457200" lvl="0" indent="-311150">
               <a:spcBef>
                 <a:spcPts val="0"/>
               </a:spcBef>
@@ -6667,7 +7061,7 @@
               <a:buChar char="●"/>
               <a:defRPr/>
             </a:lvl1pPr>
-            <a:lvl2pPr indent="-298450" lvl="1" marL="914400">
+            <a:lvl2pPr marL="914400" lvl="1" indent="-298450">
               <a:spcBef>
                 <a:spcPts val="1600"/>
               </a:spcBef>
@@ -6678,7 +7072,7 @@
               <a:buChar char="○"/>
               <a:defRPr/>
             </a:lvl2pPr>
-            <a:lvl3pPr indent="-298450" lvl="2" marL="1371600">
+            <a:lvl3pPr marL="1371600" lvl="2" indent="-298450">
               <a:spcBef>
                 <a:spcPts val="1600"/>
               </a:spcBef>
@@ -6689,7 +7083,7 @@
               <a:buChar char="■"/>
               <a:defRPr/>
             </a:lvl3pPr>
-            <a:lvl4pPr indent="-298450" lvl="3" marL="1828800">
+            <a:lvl4pPr marL="1828800" lvl="3" indent="-298450">
               <a:spcBef>
                 <a:spcPts val="1600"/>
               </a:spcBef>
@@ -6700,7 +7094,7 @@
               <a:buChar char="●"/>
               <a:defRPr/>
             </a:lvl4pPr>
-            <a:lvl5pPr indent="-298450" lvl="4" marL="2286000">
+            <a:lvl5pPr marL="2286000" lvl="4" indent="-298450">
               <a:spcBef>
                 <a:spcPts val="1600"/>
               </a:spcBef>
@@ -6711,7 +7105,7 @@
               <a:buChar char="○"/>
               <a:defRPr/>
             </a:lvl5pPr>
-            <a:lvl6pPr indent="-298450" lvl="5" marL="2743200">
+            <a:lvl6pPr marL="2743200" lvl="5" indent="-298450">
               <a:spcBef>
                 <a:spcPts val="1600"/>
               </a:spcBef>
@@ -6722,7 +7116,7 @@
               <a:buChar char="■"/>
               <a:defRPr/>
             </a:lvl6pPr>
-            <a:lvl7pPr indent="-298450" lvl="6" marL="3200400">
+            <a:lvl7pPr marL="3200400" lvl="6" indent="-298450">
               <a:spcBef>
                 <a:spcPts val="1600"/>
               </a:spcBef>
@@ -6733,7 +7127,7 @@
               <a:buChar char="●"/>
               <a:defRPr/>
             </a:lvl7pPr>
-            <a:lvl8pPr indent="-298450" lvl="7" marL="3657600">
+            <a:lvl8pPr marL="3657600" lvl="7" indent="-298450">
               <a:spcBef>
                 <a:spcPts val="1600"/>
               </a:spcBef>
@@ -6744,7 +7138,7 @@
               <a:buChar char="○"/>
               <a:defRPr/>
             </a:lvl8pPr>
-            <a:lvl9pPr indent="-298450" lvl="8" marL="4114800">
+            <a:lvl9pPr marL="4114800" lvl="8" indent="-298450">
               <a:spcBef>
                 <a:spcPts val="1600"/>
               </a:spcBef>
@@ -6756,15 +7150,19 @@
               <a:defRPr/>
             </a:lvl9pPr>
           </a:lstStyle>
-          <a:p/>
+          <a:p>
+            <a:endParaRPr/>
+          </a:p>
         </p:txBody>
       </p:sp>
       <p:sp>
         <p:nvSpPr>
           <p:cNvPr id="69" name="Google Shape;69;p9"/>
-          <p:cNvSpPr txBox="1"/>
+          <p:cNvSpPr txBox="1">
+            <a:spLocks noGrp="1"/>
+          </p:cNvSpPr>
           <p:nvPr>
-            <p:ph idx="12" type="sldNum"/>
+            <p:ph type="sldNum" idx="12"/>
           </p:nvPr>
         </p:nvSpPr>
         <p:spPr>
@@ -6777,7 +7175,7 @@
           </a:prstGeom>
         </p:spPr>
         <p:txBody>
-          <a:bodyPr anchorCtr="0" anchor="ctr" bIns="91425" lIns="91425" spcFirstLastPara="1" rIns="91425" wrap="square" tIns="91425">
+          <a:bodyPr spcFirstLastPara="1" wrap="square" lIns="91425" tIns="91425" rIns="91425" bIns="91425" anchor="ctr" anchorCtr="0">
             <a:noAutofit/>
           </a:bodyPr>
           <a:lstStyle>
@@ -6819,7 +7217,7 @@
             </a:lvl9pPr>
           </a:lstStyle>
           <a:p>
-            <a:pPr indent="0" lvl="0" marL="0" rtl="0" algn="r">
+            <a:pPr marL="0" lvl="0" indent="0" algn="r" rtl="0">
               <a:spcBef>
                 <a:spcPts val="0"/>
               </a:spcBef>
@@ -6845,11 +7243,11 @@
 </file>
 
 <file path=ppt/slideLayouts/slideLayout9.xml><?xml version="1.0" encoding="utf-8"?>
-<p:sldLayout xmlns:a="http://schemas.openxmlformats.org/drawingml/2006/main" xmlns:r="http://schemas.openxmlformats.org/officeDocument/2006/relationships" xmlns:mc="http://schemas.openxmlformats.org/markup-compatibility/2006" xmlns:mv="urn:schemas-microsoft-com:mac:vml" xmlns:p="http://schemas.openxmlformats.org/presentationml/2006/main" xmlns:c="http://schemas.openxmlformats.org/drawingml/2006/chart" xmlns:dgm="http://schemas.openxmlformats.org/drawingml/2006/diagram" xmlns:o="urn:schemas-microsoft-com:office:office" xmlns:v="urn:schemas-microsoft-com:vml" xmlns:pvml="urn:schemas-microsoft-com:office:powerpoint" xmlns:com="http://schemas.openxmlformats.org/drawingml/2006/compatibility" xmlns:p14="http://schemas.microsoft.com/office/powerpoint/2010/main" xmlns:p15="http://schemas.microsoft.com/office/powerpoint/2012/main" matchingName="Caption">
+<p:sldLayout xmlns:a="http://schemas.openxmlformats.org/drawingml/2006/main" xmlns:r="http://schemas.openxmlformats.org/officeDocument/2006/relationships" xmlns:p="http://schemas.openxmlformats.org/presentationml/2006/main" matchingName="Caption">
   <p:cSld name="CAPTION_ONLY">
     <p:spTree>
       <p:nvGrpSpPr>
-        <p:cNvPr id="70" name="Shape 70"/>
+        <p:cNvPr id="1" name="Shape 70"/>
         <p:cNvGrpSpPr/>
         <p:nvPr/>
       </p:nvGrpSpPr>
@@ -6864,9 +7262,11 @@
       <p:sp>
         <p:nvSpPr>
           <p:cNvPr id="71" name="Google Shape;71;p10"/>
-          <p:cNvSpPr txBox="1"/>
+          <p:cNvSpPr txBox="1">
+            <a:spLocks noGrp="1"/>
+          </p:cNvSpPr>
           <p:nvPr>
-            <p:ph idx="1" type="body"/>
+            <p:ph type="body" idx="1"/>
           </p:nvPr>
         </p:nvSpPr>
         <p:spPr>
@@ -6879,11 +7279,11 @@
           </a:prstGeom>
         </p:spPr>
         <p:txBody>
-          <a:bodyPr anchorCtr="0" anchor="ctr" bIns="91425" lIns="91425" spcFirstLastPara="1" rIns="91425" wrap="square" tIns="91425">
+          <a:bodyPr spcFirstLastPara="1" wrap="square" lIns="91425" tIns="91425" rIns="91425" bIns="91425" anchor="ctr" anchorCtr="0">
             <a:noAutofit/>
           </a:bodyPr>
           <a:lstStyle>
-            <a:lvl1pPr indent="-228600" lvl="0" marL="457200">
+            <a:lvl1pPr marL="457200" lvl="0" indent="-228600">
               <a:lnSpc>
                 <a:spcPct val="100000"/>
               </a:lnSpc>
@@ -6898,15 +7298,19 @@
               <a:defRPr/>
             </a:lvl1pPr>
           </a:lstStyle>
-          <a:p/>
+          <a:p>
+            <a:endParaRPr/>
+          </a:p>
         </p:txBody>
       </p:sp>
       <p:sp>
         <p:nvSpPr>
           <p:cNvPr id="72" name="Google Shape;72;p10"/>
-          <p:cNvSpPr txBox="1"/>
+          <p:cNvSpPr txBox="1">
+            <a:spLocks noGrp="1"/>
+          </p:cNvSpPr>
           <p:nvPr>
-            <p:ph idx="12" type="sldNum"/>
+            <p:ph type="sldNum" idx="12"/>
           </p:nvPr>
         </p:nvSpPr>
         <p:spPr>
@@ -6919,7 +7323,7 @@
           </a:prstGeom>
         </p:spPr>
         <p:txBody>
-          <a:bodyPr anchorCtr="0" anchor="ctr" bIns="91425" lIns="91425" spcFirstLastPara="1" rIns="91425" wrap="square" tIns="91425">
+          <a:bodyPr spcFirstLastPara="1" wrap="square" lIns="91425" tIns="91425" rIns="91425" bIns="91425" anchor="ctr" anchorCtr="0">
             <a:noAutofit/>
           </a:bodyPr>
           <a:lstStyle>
@@ -6961,7 +7365,7 @@
             </a:lvl9pPr>
           </a:lstStyle>
           <a:p>
-            <a:pPr indent="0" lvl="0" marL="0" rtl="0" algn="r">
+            <a:pPr marL="0" lvl="0" indent="0" algn="r" rtl="0">
               <a:spcBef>
                 <a:spcPts val="0"/>
               </a:spcBef>
@@ -6987,18 +7391,19 @@
 </file>
 
 <file path=ppt/slideMasters/slideMaster1.xml><?xml version="1.0" encoding="utf-8"?>
-<p:sldMaster xmlns:a="http://schemas.openxmlformats.org/drawingml/2006/main" xmlns:r="http://schemas.openxmlformats.org/officeDocument/2006/relationships" xmlns:mc="http://schemas.openxmlformats.org/markup-compatibility/2006" xmlns:mv="urn:schemas-microsoft-com:mac:vml" xmlns:p="http://schemas.openxmlformats.org/presentationml/2006/main" xmlns:c="http://schemas.openxmlformats.org/drawingml/2006/chart" xmlns:dgm="http://schemas.openxmlformats.org/drawingml/2006/diagram" xmlns:o="urn:schemas-microsoft-com:office:office" xmlns:v="urn:schemas-microsoft-com:vml" xmlns:pvml="urn:schemas-microsoft-com:office:powerpoint" xmlns:com="http://schemas.openxmlformats.org/drawingml/2006/compatibility" xmlns:p14="http://schemas.microsoft.com/office/powerpoint/2010/main" xmlns:p15="http://schemas.microsoft.com/office/powerpoint/2012/main">
+<p:sldMaster xmlns:a="http://schemas.openxmlformats.org/drawingml/2006/main" xmlns:r="http://schemas.openxmlformats.org/officeDocument/2006/relationships" xmlns:p="http://schemas.openxmlformats.org/presentationml/2006/main">
   <p:cSld name="streamline">
     <p:bg>
       <p:bgPr>
         <a:solidFill>
           <a:schemeClr val="lt1"/>
         </a:solidFill>
+        <a:effectLst/>
       </p:bgPr>
     </p:bg>
     <p:spTree>
       <p:nvGrpSpPr>
-        <p:cNvPr id="5" name="Shape 5"/>
+        <p:cNvPr id="1" name="Shape 5"/>
         <p:cNvGrpSpPr/>
         <p:nvPr/>
       </p:nvGrpSpPr>
@@ -7013,7 +7418,9 @@
       <p:sp>
         <p:nvSpPr>
           <p:cNvPr id="6" name="Google Shape;6;p1"/>
-          <p:cNvSpPr txBox="1"/>
+          <p:cNvSpPr txBox="1">
+            <a:spLocks noGrp="1"/>
+          </p:cNvSpPr>
           <p:nvPr>
             <p:ph type="title"/>
           </p:nvPr>
@@ -7032,7 +7439,7 @@
           </a:ln>
         </p:spPr>
         <p:txBody>
-          <a:bodyPr anchorCtr="0" anchor="t" bIns="91425" lIns="91425" spcFirstLastPara="1" rIns="91425" wrap="square" tIns="91425">
+          <a:bodyPr spcFirstLastPara="1" wrap="square" lIns="91425" tIns="91425" rIns="91425" bIns="91425" anchor="t" anchorCtr="0">
             <a:noAutofit/>
           </a:bodyPr>
           <a:lstStyle>
@@ -7046,7 +7453,7 @@
               <a:buSzPts val="2800"/>
               <a:buFont typeface="Raleway"/>
               <a:buNone/>
-              <a:defRPr b="1" sz="2800">
+              <a:defRPr sz="2800" b="1">
                 <a:latin typeface="Raleway"/>
                 <a:ea typeface="Raleway"/>
                 <a:cs typeface="Raleway"/>
@@ -7063,7 +7470,7 @@
               <a:buSzPts val="2800"/>
               <a:buFont typeface="Raleway"/>
               <a:buNone/>
-              <a:defRPr b="1" sz="2800">
+              <a:defRPr sz="2800" b="1">
                 <a:latin typeface="Raleway"/>
                 <a:ea typeface="Raleway"/>
                 <a:cs typeface="Raleway"/>
@@ -7080,7 +7487,7 @@
               <a:buSzPts val="2800"/>
               <a:buFont typeface="Raleway"/>
               <a:buNone/>
-              <a:defRPr b="1" sz="2800">
+              <a:defRPr sz="2800" b="1">
                 <a:latin typeface="Raleway"/>
                 <a:ea typeface="Raleway"/>
                 <a:cs typeface="Raleway"/>
@@ -7097,7 +7504,7 @@
               <a:buSzPts val="2800"/>
               <a:buFont typeface="Raleway"/>
               <a:buNone/>
-              <a:defRPr b="1" sz="2800">
+              <a:defRPr sz="2800" b="1">
                 <a:latin typeface="Raleway"/>
                 <a:ea typeface="Raleway"/>
                 <a:cs typeface="Raleway"/>
@@ -7114,7 +7521,7 @@
               <a:buSzPts val="2800"/>
               <a:buFont typeface="Raleway"/>
               <a:buNone/>
-              <a:defRPr b="1" sz="2800">
+              <a:defRPr sz="2800" b="1">
                 <a:latin typeface="Raleway"/>
                 <a:ea typeface="Raleway"/>
                 <a:cs typeface="Raleway"/>
@@ -7131,7 +7538,7 @@
               <a:buSzPts val="2800"/>
               <a:buFont typeface="Raleway"/>
               <a:buNone/>
-              <a:defRPr b="1" sz="2800">
+              <a:defRPr sz="2800" b="1">
                 <a:latin typeface="Raleway"/>
                 <a:ea typeface="Raleway"/>
                 <a:cs typeface="Raleway"/>
@@ -7148,7 +7555,7 @@
               <a:buSzPts val="2800"/>
               <a:buFont typeface="Raleway"/>
               <a:buNone/>
-              <a:defRPr b="1" sz="2800">
+              <a:defRPr sz="2800" b="1">
                 <a:latin typeface="Raleway"/>
                 <a:ea typeface="Raleway"/>
                 <a:cs typeface="Raleway"/>
@@ -7165,7 +7572,7 @@
               <a:buSzPts val="2800"/>
               <a:buFont typeface="Raleway"/>
               <a:buNone/>
-              <a:defRPr b="1" sz="2800">
+              <a:defRPr sz="2800" b="1">
                 <a:latin typeface="Raleway"/>
                 <a:ea typeface="Raleway"/>
                 <a:cs typeface="Raleway"/>
@@ -7182,7 +7589,7 @@
               <a:buSzPts val="2800"/>
               <a:buFont typeface="Raleway"/>
               <a:buNone/>
-              <a:defRPr b="1" sz="2800">
+              <a:defRPr sz="2800" b="1">
                 <a:latin typeface="Raleway"/>
                 <a:ea typeface="Raleway"/>
                 <a:cs typeface="Raleway"/>
@@ -7190,15 +7597,19 @@
               </a:defRPr>
             </a:lvl9pPr>
           </a:lstStyle>
-          <a:p/>
+          <a:p>
+            <a:endParaRPr/>
+          </a:p>
         </p:txBody>
       </p:sp>
       <p:sp>
         <p:nvSpPr>
           <p:cNvPr id="7" name="Google Shape;7;p1"/>
-          <p:cNvSpPr txBox="1"/>
+          <p:cNvSpPr txBox="1">
+            <a:spLocks noGrp="1"/>
+          </p:cNvSpPr>
           <p:nvPr>
-            <p:ph idx="1" type="body"/>
+            <p:ph type="body" idx="1"/>
           </p:nvPr>
         </p:nvSpPr>
         <p:spPr>
@@ -7215,11 +7626,11 @@
           </a:ln>
         </p:spPr>
         <p:txBody>
-          <a:bodyPr anchorCtr="0" anchor="t" bIns="91425" lIns="91425" spcFirstLastPara="1" rIns="91425" wrap="square" tIns="91425">
+          <a:bodyPr spcFirstLastPara="1" wrap="square" lIns="91425" tIns="91425" rIns="91425" bIns="91425" anchor="t" anchorCtr="0">
             <a:noAutofit/>
           </a:bodyPr>
           <a:lstStyle>
-            <a:lvl1pPr indent="-311150" lvl="0" marL="457200">
+            <a:lvl1pPr marL="457200" lvl="0" indent="-311150">
               <a:lnSpc>
                 <a:spcPct val="115000"/>
               </a:lnSpc>
@@ -7245,7 +7656,7 @@
                 <a:sym typeface="Lato"/>
               </a:defRPr>
             </a:lvl1pPr>
-            <a:lvl2pPr indent="-298450" lvl="1" marL="914400">
+            <a:lvl2pPr marL="914400" lvl="1" indent="-298450">
               <a:lnSpc>
                 <a:spcPct val="115000"/>
               </a:lnSpc>
@@ -7271,7 +7682,7 @@
                 <a:sym typeface="Lato"/>
               </a:defRPr>
             </a:lvl2pPr>
-            <a:lvl3pPr indent="-298450" lvl="2" marL="1371600">
+            <a:lvl3pPr marL="1371600" lvl="2" indent="-298450">
               <a:lnSpc>
                 <a:spcPct val="115000"/>
               </a:lnSpc>
@@ -7297,7 +7708,7 @@
                 <a:sym typeface="Lato"/>
               </a:defRPr>
             </a:lvl3pPr>
-            <a:lvl4pPr indent="-298450" lvl="3" marL="1828800">
+            <a:lvl4pPr marL="1828800" lvl="3" indent="-298450">
               <a:lnSpc>
                 <a:spcPct val="115000"/>
               </a:lnSpc>
@@ -7323,7 +7734,7 @@
                 <a:sym typeface="Lato"/>
               </a:defRPr>
             </a:lvl4pPr>
-            <a:lvl5pPr indent="-298450" lvl="4" marL="2286000">
+            <a:lvl5pPr marL="2286000" lvl="4" indent="-298450">
               <a:lnSpc>
                 <a:spcPct val="115000"/>
               </a:lnSpc>
@@ -7349,7 +7760,7 @@
                 <a:sym typeface="Lato"/>
               </a:defRPr>
             </a:lvl5pPr>
-            <a:lvl6pPr indent="-298450" lvl="5" marL="2743200">
+            <a:lvl6pPr marL="2743200" lvl="5" indent="-298450">
               <a:lnSpc>
                 <a:spcPct val="115000"/>
               </a:lnSpc>
@@ -7375,7 +7786,7 @@
                 <a:sym typeface="Lato"/>
               </a:defRPr>
             </a:lvl6pPr>
-            <a:lvl7pPr indent="-298450" lvl="6" marL="3200400">
+            <a:lvl7pPr marL="3200400" lvl="6" indent="-298450">
               <a:lnSpc>
                 <a:spcPct val="115000"/>
               </a:lnSpc>
@@ -7401,7 +7812,7 @@
                 <a:sym typeface="Lato"/>
               </a:defRPr>
             </a:lvl7pPr>
-            <a:lvl8pPr indent="-298450" lvl="7" marL="3657600">
+            <a:lvl8pPr marL="3657600" lvl="7" indent="-298450">
               <a:lnSpc>
                 <a:spcPct val="115000"/>
               </a:lnSpc>
@@ -7427,7 +7838,7 @@
                 <a:sym typeface="Lato"/>
               </a:defRPr>
             </a:lvl8pPr>
-            <a:lvl9pPr indent="-298450" lvl="8" marL="4114800">
+            <a:lvl9pPr marL="4114800" lvl="8" indent="-298450">
               <a:lnSpc>
                 <a:spcPct val="115000"/>
               </a:lnSpc>
@@ -7454,15 +7865,19 @@
               </a:defRPr>
             </a:lvl9pPr>
           </a:lstStyle>
-          <a:p/>
+          <a:p>
+            <a:endParaRPr/>
+          </a:p>
         </p:txBody>
       </p:sp>
       <p:sp>
         <p:nvSpPr>
           <p:cNvPr id="8" name="Google Shape;8;p1"/>
-          <p:cNvSpPr txBox="1"/>
+          <p:cNvSpPr txBox="1">
+            <a:spLocks noGrp="1"/>
+          </p:cNvSpPr>
           <p:nvPr>
-            <p:ph idx="12" type="sldNum"/>
+            <p:ph type="sldNum" idx="12"/>
           </p:nvPr>
         </p:nvSpPr>
         <p:spPr>
@@ -7479,7 +7894,7 @@
           </a:ln>
         </p:spPr>
         <p:txBody>
-          <a:bodyPr anchorCtr="0" anchor="ctr" bIns="91425" lIns="91425" spcFirstLastPara="1" rIns="91425" wrap="square" tIns="91425">
+          <a:bodyPr spcFirstLastPara="1" wrap="square" lIns="91425" tIns="91425" rIns="91425" bIns="91425" anchor="ctr" anchorCtr="0">
             <a:noAutofit/>
           </a:bodyPr>
           <a:lstStyle>
@@ -7593,7 +8008,7 @@
             </a:lvl9pPr>
           </a:lstStyle>
           <a:p>
-            <a:pPr indent="0" lvl="0" marL="0" rtl="0" algn="r">
+            <a:pPr marL="0" lvl="0" indent="0" algn="r" rtl="0">
               <a:spcBef>
                 <a:spcPts val="0"/>
               </a:spcBef>
@@ -7612,7 +8027,7 @@
       </p:sp>
     </p:spTree>
   </p:cSld>
-  <p:clrMap accent1="accent1" accent2="accent2" accent3="accent3" accent4="accent4" accent5="accent5" accent6="accent6" bg1="lt1" bg2="dk2" tx1="dk1" tx2="lt2" folHlink="folHlink" hlink="hlink"/>
+  <p:clrMap bg1="lt1" tx1="dk1" bg2="dk2" tx2="lt2" accent1="accent1" accent2="accent2" accent3="accent3" accent4="accent4" accent5="accent5" accent6="accent6" hlink="hlink" folHlink="folHlink"/>
   <p:sldLayoutIdLst>
     <p:sldLayoutId id="2147483648" r:id="rId1"/>
     <p:sldLayoutId id="2147483649" r:id="rId2"/>
@@ -7626,10 +8041,10 @@
     <p:sldLayoutId id="2147483657" r:id="rId10"/>
     <p:sldLayoutId id="2147483658" r:id="rId11"/>
   </p:sldLayoutIdLst>
-  <p:hf dt="0" ftr="0" hdr="0" sldNum="0"/>
+  <p:hf sldNum="0" hdr="0" ftr="0" dt="0"/>
   <p:txStyles>
     <p:titleStyle>
-      <a:defPPr lvl="0" marR="0" rtl="0" algn="l">
+      <a:defPPr marR="0" lvl="0" algn="l" rtl="0">
         <a:lnSpc>
           <a:spcPct val="100000"/>
         </a:lnSpc>
@@ -7640,7 +8055,7 @@
           <a:spcPts val="0"/>
         </a:spcAft>
       </a:defPPr>
-      <a:lvl1pPr lvl="0" marR="0" rtl="0" algn="l">
+      <a:lvl1pPr marR="0" lvl="0" algn="l" rtl="0">
         <a:lnSpc>
           <a:spcPct val="100000"/>
         </a:lnSpc>
@@ -7654,7 +8069,7 @@
           <a:srgbClr val="000000"/>
         </a:buClr>
         <a:buFont typeface="Arial"/>
-        <a:defRPr b="0" i="0" sz="1400" u="none" cap="none" strike="noStrike">
+        <a:defRPr sz="1400" b="0" i="0" u="none" strike="noStrike" cap="none">
           <a:solidFill>
             <a:srgbClr val="000000"/>
           </a:solidFill>
@@ -7664,7 +8079,7 @@
           <a:sym typeface="Arial"/>
         </a:defRPr>
       </a:lvl1pPr>
-      <a:lvl2pPr lvl="1" marR="0" rtl="0" algn="l">
+      <a:lvl2pPr marR="0" lvl="1" algn="l" rtl="0">
         <a:lnSpc>
           <a:spcPct val="100000"/>
         </a:lnSpc>
@@ -7678,7 +8093,7 @@
           <a:srgbClr val="000000"/>
         </a:buClr>
         <a:buFont typeface="Arial"/>
-        <a:defRPr b="0" i="0" sz="1400" u="none" cap="none" strike="noStrike">
+        <a:defRPr sz="1400" b="0" i="0" u="none" strike="noStrike" cap="none">
           <a:solidFill>
             <a:srgbClr val="000000"/>
           </a:solidFill>
@@ -7688,7 +8103,7 @@
           <a:sym typeface="Arial"/>
         </a:defRPr>
       </a:lvl2pPr>
-      <a:lvl3pPr lvl="2" marR="0" rtl="0" algn="l">
+      <a:lvl3pPr marR="0" lvl="2" algn="l" rtl="0">
         <a:lnSpc>
           <a:spcPct val="100000"/>
         </a:lnSpc>
@@ -7702,7 +8117,7 @@
           <a:srgbClr val="000000"/>
         </a:buClr>
         <a:buFont typeface="Arial"/>
-        <a:defRPr b="0" i="0" sz="1400" u="none" cap="none" strike="noStrike">
+        <a:defRPr sz="1400" b="0" i="0" u="none" strike="noStrike" cap="none">
           <a:solidFill>
             <a:srgbClr val="000000"/>
           </a:solidFill>
@@ -7712,7 +8127,7 @@
           <a:sym typeface="Arial"/>
         </a:defRPr>
       </a:lvl3pPr>
-      <a:lvl4pPr lvl="3" marR="0" rtl="0" algn="l">
+      <a:lvl4pPr marR="0" lvl="3" algn="l" rtl="0">
         <a:lnSpc>
           <a:spcPct val="100000"/>
         </a:lnSpc>
@@ -7726,7 +8141,7 @@
           <a:srgbClr val="000000"/>
         </a:buClr>
         <a:buFont typeface="Arial"/>
-        <a:defRPr b="0" i="0" sz="1400" u="none" cap="none" strike="noStrike">
+        <a:defRPr sz="1400" b="0" i="0" u="none" strike="noStrike" cap="none">
           <a:solidFill>
             <a:srgbClr val="000000"/>
           </a:solidFill>
@@ -7736,7 +8151,7 @@
           <a:sym typeface="Arial"/>
         </a:defRPr>
       </a:lvl4pPr>
-      <a:lvl5pPr lvl="4" marR="0" rtl="0" algn="l">
+      <a:lvl5pPr marR="0" lvl="4" algn="l" rtl="0">
         <a:lnSpc>
           <a:spcPct val="100000"/>
         </a:lnSpc>
@@ -7750,7 +8165,7 @@
           <a:srgbClr val="000000"/>
         </a:buClr>
         <a:buFont typeface="Arial"/>
-        <a:defRPr b="0" i="0" sz="1400" u="none" cap="none" strike="noStrike">
+        <a:defRPr sz="1400" b="0" i="0" u="none" strike="noStrike" cap="none">
           <a:solidFill>
             <a:srgbClr val="000000"/>
           </a:solidFill>
@@ -7760,7 +8175,7 @@
           <a:sym typeface="Arial"/>
         </a:defRPr>
       </a:lvl5pPr>
-      <a:lvl6pPr lvl="5" marR="0" rtl="0" algn="l">
+      <a:lvl6pPr marR="0" lvl="5" algn="l" rtl="0">
         <a:lnSpc>
           <a:spcPct val="100000"/>
         </a:lnSpc>
@@ -7774,7 +8189,7 @@
           <a:srgbClr val="000000"/>
         </a:buClr>
         <a:buFont typeface="Arial"/>
-        <a:defRPr b="0" i="0" sz="1400" u="none" cap="none" strike="noStrike">
+        <a:defRPr sz="1400" b="0" i="0" u="none" strike="noStrike" cap="none">
           <a:solidFill>
             <a:srgbClr val="000000"/>
           </a:solidFill>
@@ -7784,7 +8199,7 @@
           <a:sym typeface="Arial"/>
         </a:defRPr>
       </a:lvl6pPr>
-      <a:lvl7pPr lvl="6" marR="0" rtl="0" algn="l">
+      <a:lvl7pPr marR="0" lvl="6" algn="l" rtl="0">
         <a:lnSpc>
           <a:spcPct val="100000"/>
         </a:lnSpc>
@@ -7798,7 +8213,7 @@
           <a:srgbClr val="000000"/>
         </a:buClr>
         <a:buFont typeface="Arial"/>
-        <a:defRPr b="0" i="0" sz="1400" u="none" cap="none" strike="noStrike">
+        <a:defRPr sz="1400" b="0" i="0" u="none" strike="noStrike" cap="none">
           <a:solidFill>
             <a:srgbClr val="000000"/>
           </a:solidFill>
@@ -7808,7 +8223,7 @@
           <a:sym typeface="Arial"/>
         </a:defRPr>
       </a:lvl7pPr>
-      <a:lvl8pPr lvl="7" marR="0" rtl="0" algn="l">
+      <a:lvl8pPr marR="0" lvl="7" algn="l" rtl="0">
         <a:lnSpc>
           <a:spcPct val="100000"/>
         </a:lnSpc>
@@ -7822,7 +8237,7 @@
           <a:srgbClr val="000000"/>
         </a:buClr>
         <a:buFont typeface="Arial"/>
-        <a:defRPr b="0" i="0" sz="1400" u="none" cap="none" strike="noStrike">
+        <a:defRPr sz="1400" b="0" i="0" u="none" strike="noStrike" cap="none">
           <a:solidFill>
             <a:srgbClr val="000000"/>
           </a:solidFill>
@@ -7832,7 +8247,7 @@
           <a:sym typeface="Arial"/>
         </a:defRPr>
       </a:lvl8pPr>
-      <a:lvl9pPr lvl="8" marR="0" rtl="0" algn="l">
+      <a:lvl9pPr marR="0" lvl="8" algn="l" rtl="0">
         <a:lnSpc>
           <a:spcPct val="100000"/>
         </a:lnSpc>
@@ -7846,7 +8261,7 @@
           <a:srgbClr val="000000"/>
         </a:buClr>
         <a:buFont typeface="Arial"/>
-        <a:defRPr b="0" i="0" sz="1400" u="none" cap="none" strike="noStrike">
+        <a:defRPr sz="1400" b="0" i="0" u="none" strike="noStrike" cap="none">
           <a:solidFill>
             <a:srgbClr val="000000"/>
           </a:solidFill>
@@ -7858,7 +8273,7 @@
       </a:lvl9pPr>
     </p:titleStyle>
     <p:bodyStyle>
-      <a:defPPr lvl="0" marR="0" rtl="0" algn="l">
+      <a:defPPr marR="0" lvl="0" algn="l" rtl="0">
         <a:lnSpc>
           <a:spcPct val="100000"/>
         </a:lnSpc>
@@ -7869,7 +8284,7 @@
           <a:spcPts val="0"/>
         </a:spcAft>
       </a:defPPr>
-      <a:lvl1pPr lvl="0" marR="0" rtl="0" algn="l">
+      <a:lvl1pPr marR="0" lvl="0" algn="l" rtl="0">
         <a:lnSpc>
           <a:spcPct val="100000"/>
         </a:lnSpc>
@@ -7883,7 +8298,7 @@
           <a:srgbClr val="000000"/>
         </a:buClr>
         <a:buFont typeface="Arial"/>
-        <a:defRPr b="0" i="0" sz="1400" u="none" cap="none" strike="noStrike">
+        <a:defRPr sz="1400" b="0" i="0" u="none" strike="noStrike" cap="none">
           <a:solidFill>
             <a:srgbClr val="000000"/>
           </a:solidFill>
@@ -7893,7 +8308,7 @@
           <a:sym typeface="Arial"/>
         </a:defRPr>
       </a:lvl1pPr>
-      <a:lvl2pPr lvl="1" marR="0" rtl="0" algn="l">
+      <a:lvl2pPr marR="0" lvl="1" algn="l" rtl="0">
         <a:lnSpc>
           <a:spcPct val="100000"/>
         </a:lnSpc>
@@ -7907,7 +8322,7 @@
           <a:srgbClr val="000000"/>
         </a:buClr>
         <a:buFont typeface="Arial"/>
-        <a:defRPr b="0" i="0" sz="1400" u="none" cap="none" strike="noStrike">
+        <a:defRPr sz="1400" b="0" i="0" u="none" strike="noStrike" cap="none">
           <a:solidFill>
             <a:srgbClr val="000000"/>
           </a:solidFill>
@@ -7917,7 +8332,7 @@
           <a:sym typeface="Arial"/>
         </a:defRPr>
       </a:lvl2pPr>
-      <a:lvl3pPr lvl="2" marR="0" rtl="0" algn="l">
+      <a:lvl3pPr marR="0" lvl="2" algn="l" rtl="0">
         <a:lnSpc>
           <a:spcPct val="100000"/>
         </a:lnSpc>
@@ -7931,7 +8346,7 @@
           <a:srgbClr val="000000"/>
         </a:buClr>
         <a:buFont typeface="Arial"/>
-        <a:defRPr b="0" i="0" sz="1400" u="none" cap="none" strike="noStrike">
+        <a:defRPr sz="1400" b="0" i="0" u="none" strike="noStrike" cap="none">
           <a:solidFill>
             <a:srgbClr val="000000"/>
           </a:solidFill>
@@ -7941,7 +8356,7 @@
           <a:sym typeface="Arial"/>
         </a:defRPr>
       </a:lvl3pPr>
-      <a:lvl4pPr lvl="3" marR="0" rtl="0" algn="l">
+      <a:lvl4pPr marR="0" lvl="3" algn="l" rtl="0">
         <a:lnSpc>
           <a:spcPct val="100000"/>
         </a:lnSpc>
@@ -7955,7 +8370,7 @@
           <a:srgbClr val="000000"/>
         </a:buClr>
         <a:buFont typeface="Arial"/>
-        <a:defRPr b="0" i="0" sz="1400" u="none" cap="none" strike="noStrike">
+        <a:defRPr sz="1400" b="0" i="0" u="none" strike="noStrike" cap="none">
           <a:solidFill>
             <a:srgbClr val="000000"/>
           </a:solidFill>
@@ -7965,7 +8380,7 @@
           <a:sym typeface="Arial"/>
         </a:defRPr>
       </a:lvl4pPr>
-      <a:lvl5pPr lvl="4" marR="0" rtl="0" algn="l">
+      <a:lvl5pPr marR="0" lvl="4" algn="l" rtl="0">
         <a:lnSpc>
           <a:spcPct val="100000"/>
         </a:lnSpc>
@@ -7979,7 +8394,7 @@
           <a:srgbClr val="000000"/>
         </a:buClr>
         <a:buFont typeface="Arial"/>
-        <a:defRPr b="0" i="0" sz="1400" u="none" cap="none" strike="noStrike">
+        <a:defRPr sz="1400" b="0" i="0" u="none" strike="noStrike" cap="none">
           <a:solidFill>
             <a:srgbClr val="000000"/>
           </a:solidFill>
@@ -7989,7 +8404,7 @@
           <a:sym typeface="Arial"/>
         </a:defRPr>
       </a:lvl5pPr>
-      <a:lvl6pPr lvl="5" marR="0" rtl="0" algn="l">
+      <a:lvl6pPr marR="0" lvl="5" algn="l" rtl="0">
         <a:lnSpc>
           <a:spcPct val="100000"/>
         </a:lnSpc>
@@ -8003,7 +8418,7 @@
           <a:srgbClr val="000000"/>
         </a:buClr>
         <a:buFont typeface="Arial"/>
-        <a:defRPr b="0" i="0" sz="1400" u="none" cap="none" strike="noStrike">
+        <a:defRPr sz="1400" b="0" i="0" u="none" strike="noStrike" cap="none">
           <a:solidFill>
             <a:srgbClr val="000000"/>
           </a:solidFill>
@@ -8013,7 +8428,7 @@
           <a:sym typeface="Arial"/>
         </a:defRPr>
       </a:lvl6pPr>
-      <a:lvl7pPr lvl="6" marR="0" rtl="0" algn="l">
+      <a:lvl7pPr marR="0" lvl="6" algn="l" rtl="0">
         <a:lnSpc>
           <a:spcPct val="100000"/>
         </a:lnSpc>
@@ -8027,7 +8442,7 @@
           <a:srgbClr val="000000"/>
         </a:buClr>
         <a:buFont typeface="Arial"/>
-        <a:defRPr b="0" i="0" sz="1400" u="none" cap="none" strike="noStrike">
+        <a:defRPr sz="1400" b="0" i="0" u="none" strike="noStrike" cap="none">
           <a:solidFill>
             <a:srgbClr val="000000"/>
           </a:solidFill>
@@ -8037,7 +8452,7 @@
           <a:sym typeface="Arial"/>
         </a:defRPr>
       </a:lvl7pPr>
-      <a:lvl8pPr lvl="7" marR="0" rtl="0" algn="l">
+      <a:lvl8pPr marR="0" lvl="7" algn="l" rtl="0">
         <a:lnSpc>
           <a:spcPct val="100000"/>
         </a:lnSpc>
@@ -8051,7 +8466,7 @@
           <a:srgbClr val="000000"/>
         </a:buClr>
         <a:buFont typeface="Arial"/>
-        <a:defRPr b="0" i="0" sz="1400" u="none" cap="none" strike="noStrike">
+        <a:defRPr sz="1400" b="0" i="0" u="none" strike="noStrike" cap="none">
           <a:solidFill>
             <a:srgbClr val="000000"/>
           </a:solidFill>
@@ -8061,7 +8476,7 @@
           <a:sym typeface="Arial"/>
         </a:defRPr>
       </a:lvl8pPr>
-      <a:lvl9pPr lvl="8" marR="0" rtl="0" algn="l">
+      <a:lvl9pPr marR="0" lvl="8" algn="l" rtl="0">
         <a:lnSpc>
           <a:spcPct val="100000"/>
         </a:lnSpc>
@@ -8075,7 +8490,7 @@
           <a:srgbClr val="000000"/>
         </a:buClr>
         <a:buFont typeface="Arial"/>
-        <a:defRPr b="0" i="0" sz="1400" u="none" cap="none" strike="noStrike">
+        <a:defRPr sz="1400" b="0" i="0" u="none" strike="noStrike" cap="none">
           <a:solidFill>
             <a:srgbClr val="000000"/>
           </a:solidFill>
@@ -8087,7 +8502,7 @@
       </a:lvl9pPr>
     </p:bodyStyle>
     <p:otherStyle>
-      <a:defPPr lvl="0" marR="0" rtl="0" algn="l">
+      <a:defPPr marR="0" lvl="0" algn="l" rtl="0">
         <a:lnSpc>
           <a:spcPct val="100000"/>
         </a:lnSpc>
@@ -8098,7 +8513,7 @@
           <a:spcPts val="0"/>
         </a:spcAft>
       </a:defPPr>
-      <a:lvl1pPr lvl="0" marR="0" rtl="0" algn="l">
+      <a:lvl1pPr marR="0" lvl="0" algn="l" rtl="0">
         <a:lnSpc>
           <a:spcPct val="100000"/>
         </a:lnSpc>
@@ -8112,7 +8527,7 @@
           <a:srgbClr val="000000"/>
         </a:buClr>
         <a:buFont typeface="Arial"/>
-        <a:defRPr b="0" i="0" sz="1400" u="none" cap="none" strike="noStrike">
+        <a:defRPr sz="1400" b="0" i="0" u="none" strike="noStrike" cap="none">
           <a:solidFill>
             <a:srgbClr val="000000"/>
           </a:solidFill>
@@ -8122,7 +8537,7 @@
           <a:sym typeface="Arial"/>
         </a:defRPr>
       </a:lvl1pPr>
-      <a:lvl2pPr lvl="1" marR="0" rtl="0" algn="l">
+      <a:lvl2pPr marR="0" lvl="1" algn="l" rtl="0">
         <a:lnSpc>
           <a:spcPct val="100000"/>
         </a:lnSpc>
@@ -8136,7 +8551,7 @@
           <a:srgbClr val="000000"/>
         </a:buClr>
         <a:buFont typeface="Arial"/>
-        <a:defRPr b="0" i="0" sz="1400" u="none" cap="none" strike="noStrike">
+        <a:defRPr sz="1400" b="0" i="0" u="none" strike="noStrike" cap="none">
           <a:solidFill>
             <a:srgbClr val="000000"/>
           </a:solidFill>
@@ -8146,7 +8561,7 @@
           <a:sym typeface="Arial"/>
         </a:defRPr>
       </a:lvl2pPr>
-      <a:lvl3pPr lvl="2" marR="0" rtl="0" algn="l">
+      <a:lvl3pPr marR="0" lvl="2" algn="l" rtl="0">
         <a:lnSpc>
           <a:spcPct val="100000"/>
         </a:lnSpc>
@@ -8160,7 +8575,7 @@
           <a:srgbClr val="000000"/>
         </a:buClr>
         <a:buFont typeface="Arial"/>
-        <a:defRPr b="0" i="0" sz="1400" u="none" cap="none" strike="noStrike">
+        <a:defRPr sz="1400" b="0" i="0" u="none" strike="noStrike" cap="none">
           <a:solidFill>
             <a:srgbClr val="000000"/>
           </a:solidFill>
@@ -8170,7 +8585,7 @@
           <a:sym typeface="Arial"/>
         </a:defRPr>
       </a:lvl3pPr>
-      <a:lvl4pPr lvl="3" marR="0" rtl="0" algn="l">
+      <a:lvl4pPr marR="0" lvl="3" algn="l" rtl="0">
         <a:lnSpc>
           <a:spcPct val="100000"/>
         </a:lnSpc>
@@ -8184,7 +8599,7 @@
           <a:srgbClr val="000000"/>
         </a:buClr>
         <a:buFont typeface="Arial"/>
-        <a:defRPr b="0" i="0" sz="1400" u="none" cap="none" strike="noStrike">
+        <a:defRPr sz="1400" b="0" i="0" u="none" strike="noStrike" cap="none">
           <a:solidFill>
             <a:srgbClr val="000000"/>
           </a:solidFill>
@@ -8194,7 +8609,7 @@
           <a:sym typeface="Arial"/>
         </a:defRPr>
       </a:lvl4pPr>
-      <a:lvl5pPr lvl="4" marR="0" rtl="0" algn="l">
+      <a:lvl5pPr marR="0" lvl="4" algn="l" rtl="0">
         <a:lnSpc>
           <a:spcPct val="100000"/>
         </a:lnSpc>
@@ -8208,7 +8623,7 @@
           <a:srgbClr val="000000"/>
         </a:buClr>
         <a:buFont typeface="Arial"/>
-        <a:defRPr b="0" i="0" sz="1400" u="none" cap="none" strike="noStrike">
+        <a:defRPr sz="1400" b="0" i="0" u="none" strike="noStrike" cap="none">
           <a:solidFill>
             <a:srgbClr val="000000"/>
           </a:solidFill>
@@ -8218,7 +8633,7 @@
           <a:sym typeface="Arial"/>
         </a:defRPr>
       </a:lvl5pPr>
-      <a:lvl6pPr lvl="5" marR="0" rtl="0" algn="l">
+      <a:lvl6pPr marR="0" lvl="5" algn="l" rtl="0">
         <a:lnSpc>
           <a:spcPct val="100000"/>
         </a:lnSpc>
@@ -8232,7 +8647,7 @@
           <a:srgbClr val="000000"/>
         </a:buClr>
         <a:buFont typeface="Arial"/>
-        <a:defRPr b="0" i="0" sz="1400" u="none" cap="none" strike="noStrike">
+        <a:defRPr sz="1400" b="0" i="0" u="none" strike="noStrike" cap="none">
           <a:solidFill>
             <a:srgbClr val="000000"/>
           </a:solidFill>
@@ -8242,7 +8657,7 @@
           <a:sym typeface="Arial"/>
         </a:defRPr>
       </a:lvl6pPr>
-      <a:lvl7pPr lvl="6" marR="0" rtl="0" algn="l">
+      <a:lvl7pPr marR="0" lvl="6" algn="l" rtl="0">
         <a:lnSpc>
           <a:spcPct val="100000"/>
         </a:lnSpc>
@@ -8256,7 +8671,7 @@
           <a:srgbClr val="000000"/>
         </a:buClr>
         <a:buFont typeface="Arial"/>
-        <a:defRPr b="0" i="0" sz="1400" u="none" cap="none" strike="noStrike">
+        <a:defRPr sz="1400" b="0" i="0" u="none" strike="noStrike" cap="none">
           <a:solidFill>
             <a:srgbClr val="000000"/>
           </a:solidFill>
@@ -8266,7 +8681,7 @@
           <a:sym typeface="Arial"/>
         </a:defRPr>
       </a:lvl7pPr>
-      <a:lvl8pPr lvl="7" marR="0" rtl="0" algn="l">
+      <a:lvl8pPr marR="0" lvl="7" algn="l" rtl="0">
         <a:lnSpc>
           <a:spcPct val="100000"/>
         </a:lnSpc>
@@ -8280,7 +8695,7 @@
           <a:srgbClr val="000000"/>
         </a:buClr>
         <a:buFont typeface="Arial"/>
-        <a:defRPr b="0" i="0" sz="1400" u="none" cap="none" strike="noStrike">
+        <a:defRPr sz="1400" b="0" i="0" u="none" strike="noStrike" cap="none">
           <a:solidFill>
             <a:srgbClr val="000000"/>
           </a:solidFill>
@@ -8290,7 +8705,7 @@
           <a:sym typeface="Arial"/>
         </a:defRPr>
       </a:lvl8pPr>
-      <a:lvl9pPr lvl="8" marR="0" rtl="0" algn="l">
+      <a:lvl9pPr marR="0" lvl="8" algn="l" rtl="0">
         <a:lnSpc>
           <a:spcPct val="100000"/>
         </a:lnSpc>
@@ -8304,7 +8719,7 @@
           <a:srgbClr val="000000"/>
         </a:buClr>
         <a:buFont typeface="Arial"/>
-        <a:defRPr b="0" i="0" sz="1400" u="none" cap="none" strike="noStrike">
+        <a:defRPr sz="1400" b="0" i="0" u="none" strike="noStrike" cap="none">
           <a:solidFill>
             <a:srgbClr val="000000"/>
           </a:solidFill>
@@ -8320,11 +8735,11 @@
 </file>
 
 <file path=ppt/slides/slide1.xml><?xml version="1.0" encoding="utf-8"?>
-<p:sld xmlns:a="http://schemas.openxmlformats.org/drawingml/2006/main" xmlns:r="http://schemas.openxmlformats.org/officeDocument/2006/relationships" xmlns:mc="http://schemas.openxmlformats.org/markup-compatibility/2006" xmlns:mv="urn:schemas-microsoft-com:mac:vml" xmlns:p="http://schemas.openxmlformats.org/presentationml/2006/main" xmlns:c="http://schemas.openxmlformats.org/drawingml/2006/chart" xmlns:dgm="http://schemas.openxmlformats.org/drawingml/2006/diagram" xmlns:o="urn:schemas-microsoft-com:office:office" xmlns:v="urn:schemas-microsoft-com:vml" xmlns:pvml="urn:schemas-microsoft-com:office:powerpoint" xmlns:com="http://schemas.openxmlformats.org/drawingml/2006/compatibility" xmlns:p14="http://schemas.microsoft.com/office/powerpoint/2010/main" xmlns:p15="http://schemas.microsoft.com/office/powerpoint/2012/main">
+<p:sld xmlns:a="http://schemas.openxmlformats.org/drawingml/2006/main" xmlns:r="http://schemas.openxmlformats.org/officeDocument/2006/relationships" xmlns:p="http://schemas.openxmlformats.org/presentationml/2006/main">
   <p:cSld>
     <p:spTree>
       <p:nvGrpSpPr>
-        <p:cNvPr id="85" name="Shape 85"/>
+        <p:cNvPr id="1" name="Shape 85"/>
         <p:cNvGrpSpPr/>
         <p:nvPr/>
       </p:nvGrpSpPr>
@@ -8339,27 +8754,29 @@
       <p:sp>
         <p:nvSpPr>
           <p:cNvPr id="86" name="Google Shape;86;p13"/>
-          <p:cNvSpPr txBox="1"/>
+          <p:cNvSpPr txBox="1">
+            <a:spLocks noGrp="1"/>
+          </p:cNvSpPr>
           <p:nvPr>
             <p:ph type="ctrTitle"/>
           </p:nvPr>
         </p:nvSpPr>
         <p:spPr>
           <a:xfrm>
-            <a:off x="729450" y="1322450"/>
-            <a:ext cx="7688100" cy="1664700"/>
+            <a:off x="1203365" y="2193987"/>
+            <a:ext cx="6737269" cy="1664700"/>
           </a:xfrm>
           <a:prstGeom prst="rect">
             <a:avLst/>
           </a:prstGeom>
         </p:spPr>
         <p:txBody>
-          <a:bodyPr anchorCtr="0" anchor="t" bIns="91425" lIns="91425" spcFirstLastPara="1" rIns="91425" wrap="square" tIns="91425">
+          <a:bodyPr spcFirstLastPara="1" wrap="square" lIns="91425" tIns="91425" rIns="91425" bIns="91425" anchor="t" anchorCtr="0">
             <a:noAutofit/>
           </a:bodyPr>
           <a:lstStyle/>
           <a:p>
-            <a:pPr indent="0" lvl="0" marL="0" rtl="0" algn="l">
+            <a:pPr marL="0" lvl="0" indent="0" algn="ctr" rtl="0">
               <a:spcBef>
                 <a:spcPts val="0"/>
               </a:spcBef>
@@ -8369,98 +8786,10 @@
               <a:buNone/>
             </a:pPr>
             <a:r>
-              <a:rPr lang="en"/>
+              <a:rPr lang="en" dirty="0"/>
               <a:t>A self-driving car simulation system</a:t>
             </a:r>
-            <a:endParaRPr/>
-          </a:p>
-        </p:txBody>
-      </p:sp>
-      <p:sp>
-        <p:nvSpPr>
-          <p:cNvPr id="87" name="Google Shape;87;p13"/>
-          <p:cNvSpPr txBox="1"/>
-          <p:nvPr>
-            <p:ph idx="1" type="subTitle"/>
-          </p:nvPr>
-        </p:nvSpPr>
-        <p:spPr>
-          <a:xfrm>
-            <a:off x="729625" y="3172900"/>
-            <a:ext cx="7688100" cy="1272300"/>
-          </a:xfrm>
-          <a:prstGeom prst="rect">
-            <a:avLst/>
-          </a:prstGeom>
-        </p:spPr>
-        <p:txBody>
-          <a:bodyPr anchorCtr="0" anchor="t" bIns="91425" lIns="91425" spcFirstLastPara="1" rIns="91425" wrap="square" tIns="91425">
-            <a:noAutofit/>
-          </a:bodyPr>
-          <a:lstStyle/>
-          <a:p>
-            <a:pPr indent="0" lvl="0" marL="0" rtl="0" algn="l">
-              <a:spcBef>
-                <a:spcPts val="0"/>
-              </a:spcBef>
-              <a:spcAft>
-                <a:spcPts val="0"/>
-              </a:spcAft>
-              <a:buNone/>
-            </a:pPr>
-            <a:r>
-              <a:rPr lang="en"/>
-              <a:t>Project by:</a:t>
-            </a:r>
-            <a:endParaRPr/>
-          </a:p>
-          <a:p>
-            <a:pPr indent="0" lvl="0" marL="0" rtl="0" algn="l">
-              <a:spcBef>
-                <a:spcPts val="0"/>
-              </a:spcBef>
-              <a:spcAft>
-                <a:spcPts val="0"/>
-              </a:spcAft>
-              <a:buNone/>
-            </a:pPr>
-            <a:r>
-              <a:rPr lang="en"/>
-              <a:t>Sougat Ganguly - 48</a:t>
-            </a:r>
-            <a:endParaRPr/>
-          </a:p>
-          <a:p>
-            <a:pPr indent="0" lvl="0" marL="0" rtl="0" algn="l">
-              <a:spcBef>
-                <a:spcPts val="0"/>
-              </a:spcBef>
-              <a:spcAft>
-                <a:spcPts val="0"/>
-              </a:spcAft>
-              <a:buNone/>
-            </a:pPr>
-            <a:r>
-              <a:rPr lang="en"/>
-              <a:t>Jerin Varghese - 55</a:t>
-            </a:r>
-            <a:endParaRPr/>
-          </a:p>
-          <a:p>
-            <a:pPr indent="0" lvl="0" marL="0" rtl="0" algn="l">
-              <a:spcBef>
-                <a:spcPts val="0"/>
-              </a:spcBef>
-              <a:spcAft>
-                <a:spcPts val="0"/>
-              </a:spcAft>
-              <a:buNone/>
-            </a:pPr>
-            <a:r>
-              <a:rPr lang="en"/>
-              <a:t>Arbaz Khan - 60</a:t>
-            </a:r>
-            <a:endParaRPr/>
+            <a:endParaRPr dirty="0"/>
           </a:p>
         </p:txBody>
       </p:sp>
@@ -8473,11 +8802,11 @@
 </file>
 
 <file path=ppt/slides/slide10.xml><?xml version="1.0" encoding="utf-8"?>
-<p:sld xmlns:a="http://schemas.openxmlformats.org/drawingml/2006/main" xmlns:r="http://schemas.openxmlformats.org/officeDocument/2006/relationships" xmlns:mc="http://schemas.openxmlformats.org/markup-compatibility/2006" xmlns:mv="urn:schemas-microsoft-com:mac:vml" xmlns:p="http://schemas.openxmlformats.org/presentationml/2006/main" xmlns:c="http://schemas.openxmlformats.org/drawingml/2006/chart" xmlns:dgm="http://schemas.openxmlformats.org/drawingml/2006/diagram" xmlns:o="urn:schemas-microsoft-com:office:office" xmlns:v="urn:schemas-microsoft-com:vml" xmlns:pvml="urn:schemas-microsoft-com:office:powerpoint" xmlns:com="http://schemas.openxmlformats.org/drawingml/2006/compatibility" xmlns:p14="http://schemas.microsoft.com/office/powerpoint/2010/main" xmlns:p15="http://schemas.microsoft.com/office/powerpoint/2012/main">
+<p:sld xmlns:a="http://schemas.openxmlformats.org/drawingml/2006/main" xmlns:r="http://schemas.openxmlformats.org/officeDocument/2006/relationships" xmlns:p="http://schemas.openxmlformats.org/presentationml/2006/main">
   <p:cSld>
     <p:spTree>
       <p:nvGrpSpPr>
-        <p:cNvPr id="141" name="Shape 141"/>
+        <p:cNvPr id="1" name="Shape 146"/>
         <p:cNvGrpSpPr/>
         <p:nvPr/>
       </p:nvGrpSpPr>
@@ -8491,8 +8820,237 @@
       </p:grpSpPr>
       <p:sp>
         <p:nvSpPr>
-          <p:cNvPr id="142" name="Google Shape;142;p22"/>
-          <p:cNvSpPr txBox="1"/>
+          <p:cNvPr id="147" name="Google Shape;147;p22"/>
+          <p:cNvSpPr txBox="1">
+            <a:spLocks noGrp="1"/>
+          </p:cNvSpPr>
+          <p:nvPr>
+            <p:ph type="title"/>
+          </p:nvPr>
+        </p:nvSpPr>
+        <p:spPr>
+          <a:xfrm>
+            <a:off x="727650" y="173425"/>
+            <a:ext cx="7688700" cy="961800"/>
+          </a:xfrm>
+          <a:prstGeom prst="rect">
+            <a:avLst/>
+          </a:prstGeom>
+        </p:spPr>
+        <p:txBody>
+          <a:bodyPr spcFirstLastPara="1" wrap="square" lIns="91425" tIns="91425" rIns="91425" bIns="91425" anchor="t" anchorCtr="0">
+            <a:noAutofit/>
+          </a:bodyPr>
+          <a:lstStyle/>
+          <a:p>
+            <a:pPr marL="0" lvl="0" indent="0" algn="l" rtl="0">
+              <a:spcBef>
+                <a:spcPts val="0"/>
+              </a:spcBef>
+              <a:spcAft>
+                <a:spcPts val="0"/>
+              </a:spcAft>
+              <a:buNone/>
+            </a:pPr>
+            <a:r>
+              <a:rPr lang="en"/>
+              <a:t>Visualization of the effect of our Convolutional layers on the input image</a:t>
+            </a:r>
+            <a:endParaRPr/>
+          </a:p>
+        </p:txBody>
+      </p:sp>
+      <p:pic>
+        <p:nvPicPr>
+          <p:cNvPr id="148" name="Google Shape;148;p22"/>
+          <p:cNvPicPr preferRelativeResize="0"/>
+          <p:nvPr/>
+        </p:nvPicPr>
+        <p:blipFill rotWithShape="1">
+          <a:blip r:embed="rId3">
+            <a:alphaModFix/>
+          </a:blip>
+          <a:srcRect l="25818" t="51543" r="21767" b="17280"/>
+          <a:stretch/>
+        </p:blipFill>
+        <p:spPr>
+          <a:xfrm>
+            <a:off x="55900" y="1235650"/>
+            <a:ext cx="8927376" cy="3728500"/>
+          </a:xfrm>
+          <a:prstGeom prst="rect">
+            <a:avLst/>
+          </a:prstGeom>
+          <a:noFill/>
+          <a:ln>
+            <a:noFill/>
+          </a:ln>
+        </p:spPr>
+      </p:pic>
+      <p:pic>
+        <p:nvPicPr>
+          <p:cNvPr id="149" name="Google Shape;149;p22"/>
+          <p:cNvPicPr preferRelativeResize="0"/>
+          <p:nvPr/>
+        </p:nvPicPr>
+        <p:blipFill rotWithShape="1">
+          <a:blip r:embed="rId3">
+            <a:alphaModFix/>
+          </a:blip>
+          <a:srcRect l="28369" t="22410" r="54204" b="60240"/>
+          <a:stretch/>
+        </p:blipFill>
+        <p:spPr>
+          <a:xfrm>
+            <a:off x="6047625" y="663025"/>
+            <a:ext cx="2995925" cy="1677675"/>
+          </a:xfrm>
+          <a:prstGeom prst="rect">
+            <a:avLst/>
+          </a:prstGeom>
+          <a:noFill/>
+          <a:ln>
+            <a:noFill/>
+          </a:ln>
+        </p:spPr>
+      </p:pic>
+    </p:spTree>
+  </p:cSld>
+  <p:clrMapOvr>
+    <a:masterClrMapping/>
+  </p:clrMapOvr>
+</p:sld>
+</file>
+
+<file path=ppt/slides/slide11.xml><?xml version="1.0" encoding="utf-8"?>
+<p:sld xmlns:a="http://schemas.openxmlformats.org/drawingml/2006/main" xmlns:r="http://schemas.openxmlformats.org/officeDocument/2006/relationships" xmlns:p="http://schemas.openxmlformats.org/presentationml/2006/main">
+  <p:cSld>
+    <p:spTree>
+      <p:nvGrpSpPr>
+        <p:cNvPr id="1" name="Shape 153"/>
+        <p:cNvGrpSpPr/>
+        <p:nvPr/>
+      </p:nvGrpSpPr>
+      <p:grpSpPr>
+        <a:xfrm>
+          <a:off x="0" y="0"/>
+          <a:ext cx="0" cy="0"/>
+          <a:chOff x="0" y="0"/>
+          <a:chExt cx="0" cy="0"/>
+        </a:xfrm>
+      </p:grpSpPr>
+      <p:sp>
+        <p:nvSpPr>
+          <p:cNvPr id="154" name="Google Shape;154;p23"/>
+          <p:cNvSpPr txBox="1">
+            <a:spLocks noGrp="1"/>
+          </p:cNvSpPr>
+          <p:nvPr>
+            <p:ph type="title"/>
+          </p:nvPr>
+        </p:nvSpPr>
+        <p:spPr>
+          <a:xfrm>
+            <a:off x="538575" y="464750"/>
+            <a:ext cx="7688700" cy="535200"/>
+          </a:xfrm>
+          <a:prstGeom prst="rect">
+            <a:avLst/>
+          </a:prstGeom>
+        </p:spPr>
+        <p:txBody>
+          <a:bodyPr spcFirstLastPara="1" wrap="square" lIns="91425" tIns="91425" rIns="91425" bIns="91425" anchor="t" anchorCtr="0">
+            <a:noAutofit/>
+          </a:bodyPr>
+          <a:lstStyle/>
+          <a:p>
+            <a:pPr marL="0" lvl="0" indent="0" algn="l" rtl="0">
+              <a:spcBef>
+                <a:spcPts val="0"/>
+              </a:spcBef>
+              <a:spcAft>
+                <a:spcPts val="0"/>
+              </a:spcAft>
+              <a:buNone/>
+            </a:pPr>
+            <a:r>
+              <a:rPr lang="en"/>
+              <a:t>Visualization of loss function for 10 epochs</a:t>
+            </a:r>
+            <a:endParaRPr/>
+          </a:p>
+        </p:txBody>
+      </p:sp>
+      <p:pic>
+        <p:nvPicPr>
+          <p:cNvPr id="155" name="Google Shape;155;p23"/>
+          <p:cNvPicPr preferRelativeResize="0"/>
+          <p:nvPr/>
+        </p:nvPicPr>
+        <p:blipFill rotWithShape="1">
+          <a:blip r:embed="rId3">
+            <a:alphaModFix/>
+          </a:blip>
+          <a:srcRect l="26424" t="36445" r="52445" b="39494"/>
+          <a:stretch/>
+        </p:blipFill>
+        <p:spPr>
+          <a:xfrm>
+            <a:off x="1941425" y="914175"/>
+            <a:ext cx="6336398" cy="4058551"/>
+          </a:xfrm>
+          <a:prstGeom prst="rect">
+            <a:avLst/>
+          </a:prstGeom>
+          <a:noFill/>
+          <a:ln>
+            <a:noFill/>
+          </a:ln>
+        </p:spPr>
+      </p:pic>
+    </p:spTree>
+  </p:cSld>
+  <p:clrMapOvr>
+    <a:masterClrMapping/>
+  </p:clrMapOvr>
+  <mc:AlternateContent xmlns:mc="http://schemas.openxmlformats.org/markup-compatibility/2006" xmlns:p14="http://schemas.microsoft.com/office/powerpoint/2010/main">
+    <mc:Choice Requires="p14">
+      <p:transition spd="slow" p14:dur="1100">
+        <p:push dir="r"/>
+      </p:transition>
+    </mc:Choice>
+    <mc:Fallback xmlns="" xmlns:mv="urn:schemas-microsoft-com:mac:vml" xmlns:c="http://schemas.openxmlformats.org/drawingml/2006/chart" xmlns:dgm="http://schemas.openxmlformats.org/drawingml/2006/diagram" xmlns:o="urn:schemas-microsoft-com:office:office" xmlns:v="urn:schemas-microsoft-com:vml" xmlns:pvml="urn:schemas-microsoft-com:office:powerpoint" xmlns:com="http://schemas.openxmlformats.org/drawingml/2006/compatibility" xmlns:p15="http://schemas.microsoft.com/office/powerpoint/2012/main">
+      <p:transition spd="slow">
+        <p:fade/>
+      </p:transition>
+    </mc:Fallback>
+  </mc:AlternateContent>
+</p:sld>
+</file>
+
+<file path=ppt/slides/slide12.xml><?xml version="1.0" encoding="utf-8"?>
+<p:sld xmlns:a="http://schemas.openxmlformats.org/drawingml/2006/main" xmlns:r="http://schemas.openxmlformats.org/officeDocument/2006/relationships" xmlns:p="http://schemas.openxmlformats.org/presentationml/2006/main">
+  <p:cSld>
+    <p:spTree>
+      <p:nvGrpSpPr>
+        <p:cNvPr id="1" name="Shape 159"/>
+        <p:cNvGrpSpPr/>
+        <p:nvPr/>
+      </p:nvGrpSpPr>
+      <p:grpSpPr>
+        <a:xfrm>
+          <a:off x="0" y="0"/>
+          <a:ext cx="0" cy="0"/>
+          <a:chOff x="0" y="0"/>
+          <a:chExt cx="0" cy="0"/>
+        </a:xfrm>
+      </p:grpSpPr>
+      <p:sp>
+        <p:nvSpPr>
+          <p:cNvPr id="160" name="Google Shape;160;p24"/>
+          <p:cNvSpPr txBox="1">
+            <a:spLocks noGrp="1"/>
+          </p:cNvSpPr>
           <p:nvPr>
             <p:ph type="title"/>
           </p:nvPr>
@@ -8507,12 +9065,173 @@
           </a:prstGeom>
         </p:spPr>
         <p:txBody>
-          <a:bodyPr anchorCtr="0" anchor="t" bIns="91425" lIns="91425" spcFirstLastPara="1" rIns="91425" wrap="square" tIns="91425">
+          <a:bodyPr spcFirstLastPara="1" wrap="square" lIns="91425" tIns="91425" rIns="91425" bIns="91425" anchor="t" anchorCtr="0">
             <a:noAutofit/>
           </a:bodyPr>
           <a:lstStyle/>
           <a:p>
-            <a:pPr indent="0" lvl="0" marL="0" rtl="0" algn="l">
+            <a:pPr marL="0" lvl="0" indent="0" algn="l" rtl="0">
+              <a:spcBef>
+                <a:spcPts val="0"/>
+              </a:spcBef>
+              <a:spcAft>
+                <a:spcPts val="0"/>
+              </a:spcAft>
+              <a:buNone/>
+            </a:pPr>
+            <a:r>
+              <a:rPr lang="en"/>
+              <a:t>Conclusions/Results</a:t>
+            </a:r>
+            <a:endParaRPr/>
+          </a:p>
+        </p:txBody>
+      </p:sp>
+      <p:sp>
+        <p:nvSpPr>
+          <p:cNvPr id="161" name="Google Shape;161;p24"/>
+          <p:cNvSpPr txBox="1">
+            <a:spLocks noGrp="1"/>
+          </p:cNvSpPr>
+          <p:nvPr>
+            <p:ph type="body" idx="1"/>
+          </p:nvPr>
+        </p:nvSpPr>
+        <p:spPr>
+          <a:xfrm>
+            <a:off x="729450" y="2078875"/>
+            <a:ext cx="7688700" cy="2261100"/>
+          </a:xfrm>
+          <a:prstGeom prst="rect">
+            <a:avLst/>
+          </a:prstGeom>
+        </p:spPr>
+        <p:txBody>
+          <a:bodyPr spcFirstLastPara="1" wrap="square" lIns="91425" tIns="91425" rIns="91425" bIns="91425" anchor="t" anchorCtr="0">
+            <a:noAutofit/>
+          </a:bodyPr>
+          <a:lstStyle/>
+          <a:p>
+            <a:pPr marL="457200" lvl="0" indent="-317500" algn="l" rtl="0">
+              <a:spcBef>
+                <a:spcPts val="0"/>
+              </a:spcBef>
+              <a:spcAft>
+                <a:spcPts val="0"/>
+              </a:spcAft>
+              <a:buSzPts val="1400"/>
+              <a:buAutoNum type="arabicPeriod"/>
+            </a:pPr>
+            <a:r>
+              <a:rPr lang="en" sz="1400" dirty="0"/>
+              <a:t>The system is able to predict the steering of the car with a good accuracy.</a:t>
+            </a:r>
+            <a:endParaRPr sz="1400" dirty="0"/>
+          </a:p>
+          <a:p>
+            <a:pPr marL="457200" lvl="0" indent="-317500" algn="l" rtl="0">
+              <a:spcBef>
+                <a:spcPts val="0"/>
+              </a:spcBef>
+              <a:spcAft>
+                <a:spcPts val="0"/>
+              </a:spcAft>
+              <a:buSzPts val="1400"/>
+              <a:buAutoNum type="arabicPeriod"/>
+            </a:pPr>
+            <a:r>
+              <a:rPr lang="en" sz="1400" dirty="0"/>
+              <a:t>On higher max speed limit, the car is not able to react fast enough to its environment.</a:t>
+            </a:r>
+            <a:endParaRPr sz="1400" dirty="0"/>
+          </a:p>
+          <a:p>
+            <a:pPr marL="457200" lvl="0" indent="-317500" algn="l" rtl="0">
+              <a:spcBef>
+                <a:spcPts val="0"/>
+              </a:spcBef>
+              <a:spcAft>
+                <a:spcPts val="0"/>
+              </a:spcAft>
+              <a:buSzPts val="1400"/>
+              <a:buAutoNum type="arabicPeriod"/>
+            </a:pPr>
+            <a:r>
+              <a:rPr lang="en" sz="1400" dirty="0"/>
+              <a:t>The model is generalized well as the system is able to drive the car even on the unseen track quite well. </a:t>
+            </a:r>
+            <a:endParaRPr sz="1400" dirty="0"/>
+          </a:p>
+          <a:p>
+            <a:pPr marL="457200" lvl="0" indent="-317500" algn="l" rtl="0">
+              <a:spcBef>
+                <a:spcPts val="0"/>
+              </a:spcBef>
+              <a:spcAft>
+                <a:spcPts val="0"/>
+              </a:spcAft>
+              <a:buSzPts val="1400"/>
+              <a:buAutoNum type="arabicPeriod"/>
+            </a:pPr>
+            <a:r>
+              <a:rPr lang="en" sz="1400" dirty="0"/>
+              <a:t>Constraint: The system has to be trained on the track with higher level features and it can be run to predict the values for the track with unforeseen but lower level features. Vice versa results in improper driving of the car on the unforeseen track.</a:t>
+            </a:r>
+            <a:endParaRPr sz="1400" dirty="0"/>
+          </a:p>
+        </p:txBody>
+      </p:sp>
+    </p:spTree>
+  </p:cSld>
+  <p:clrMapOvr>
+    <a:masterClrMapping/>
+  </p:clrMapOvr>
+</p:sld>
+</file>
+
+<file path=ppt/slides/slide13.xml><?xml version="1.0" encoding="utf-8"?>
+<p:sld xmlns:a="http://schemas.openxmlformats.org/drawingml/2006/main" xmlns:r="http://schemas.openxmlformats.org/officeDocument/2006/relationships" xmlns:p="http://schemas.openxmlformats.org/presentationml/2006/main">
+  <p:cSld>
+    <p:spTree>
+      <p:nvGrpSpPr>
+        <p:cNvPr id="1" name="Shape 165"/>
+        <p:cNvGrpSpPr/>
+        <p:nvPr/>
+      </p:nvGrpSpPr>
+      <p:grpSpPr>
+        <a:xfrm>
+          <a:off x="0" y="0"/>
+          <a:ext cx="0" cy="0"/>
+          <a:chOff x="0" y="0"/>
+          <a:chExt cx="0" cy="0"/>
+        </a:xfrm>
+      </p:grpSpPr>
+      <p:sp>
+        <p:nvSpPr>
+          <p:cNvPr id="166" name="Google Shape;166;p25"/>
+          <p:cNvSpPr txBox="1">
+            <a:spLocks noGrp="1"/>
+          </p:cNvSpPr>
+          <p:nvPr>
+            <p:ph type="title"/>
+          </p:nvPr>
+        </p:nvSpPr>
+        <p:spPr>
+          <a:xfrm>
+            <a:off x="729450" y="1318650"/>
+            <a:ext cx="7688700" cy="535200"/>
+          </a:xfrm>
+          <a:prstGeom prst="rect">
+            <a:avLst/>
+          </a:prstGeom>
+        </p:spPr>
+        <p:txBody>
+          <a:bodyPr spcFirstLastPara="1" wrap="square" lIns="91425" tIns="91425" rIns="91425" bIns="91425" anchor="t" anchorCtr="0">
+            <a:noAutofit/>
+          </a:bodyPr>
+          <a:lstStyle/>
+          <a:p>
+            <a:pPr marL="0" lvl="0" indent="0" algn="l" rtl="0">
               <a:spcBef>
                 <a:spcPts val="0"/>
               </a:spcBef>
@@ -8538,11 +9257,11 @@
 </file>
 
 <file path=ppt/slides/slide2.xml><?xml version="1.0" encoding="utf-8"?>
-<p:sld xmlns:a="http://schemas.openxmlformats.org/drawingml/2006/main" xmlns:r="http://schemas.openxmlformats.org/officeDocument/2006/relationships" xmlns:mc="http://schemas.openxmlformats.org/markup-compatibility/2006" xmlns:mv="urn:schemas-microsoft-com:mac:vml" xmlns:p="http://schemas.openxmlformats.org/presentationml/2006/main" xmlns:c="http://schemas.openxmlformats.org/drawingml/2006/chart" xmlns:dgm="http://schemas.openxmlformats.org/drawingml/2006/diagram" xmlns:o="urn:schemas-microsoft-com:office:office" xmlns:v="urn:schemas-microsoft-com:vml" xmlns:pvml="urn:schemas-microsoft-com:office:powerpoint" xmlns:com="http://schemas.openxmlformats.org/drawingml/2006/compatibility" xmlns:p14="http://schemas.microsoft.com/office/powerpoint/2010/main" xmlns:p15="http://schemas.microsoft.com/office/powerpoint/2012/main">
+<p:sld xmlns:a="http://schemas.openxmlformats.org/drawingml/2006/main" xmlns:r="http://schemas.openxmlformats.org/officeDocument/2006/relationships" xmlns:p="http://schemas.openxmlformats.org/presentationml/2006/main">
   <p:cSld>
     <p:spTree>
       <p:nvGrpSpPr>
-        <p:cNvPr id="91" name="Shape 91"/>
+        <p:cNvPr id="1" name="Shape 91"/>
         <p:cNvGrpSpPr/>
         <p:nvPr/>
       </p:nvGrpSpPr>
@@ -8557,7 +9276,9 @@
       <p:sp>
         <p:nvSpPr>
           <p:cNvPr id="92" name="Google Shape;92;p14"/>
-          <p:cNvSpPr txBox="1"/>
+          <p:cNvSpPr txBox="1">
+            <a:spLocks noGrp="1"/>
+          </p:cNvSpPr>
           <p:nvPr>
             <p:ph type="title"/>
           </p:nvPr>
@@ -8572,12 +9293,12 @@
           </a:prstGeom>
         </p:spPr>
         <p:txBody>
-          <a:bodyPr anchorCtr="0" anchor="t" bIns="91425" lIns="91425" spcFirstLastPara="1" rIns="91425" wrap="square" tIns="91425">
+          <a:bodyPr spcFirstLastPara="1" wrap="square" lIns="91425" tIns="91425" rIns="91425" bIns="91425" anchor="t" anchorCtr="0">
             <a:noAutofit/>
           </a:bodyPr>
           <a:lstStyle/>
           <a:p>
-            <a:pPr indent="0" lvl="0" marL="0" rtl="0" algn="l">
+            <a:pPr marL="0" lvl="0" indent="0" algn="l" rtl="0">
               <a:spcBef>
                 <a:spcPts val="0"/>
               </a:spcBef>
@@ -8597,9 +9318,11 @@
       <p:sp>
         <p:nvSpPr>
           <p:cNvPr id="93" name="Google Shape;93;p14"/>
-          <p:cNvSpPr txBox="1"/>
+          <p:cNvSpPr txBox="1">
+            <a:spLocks noGrp="1"/>
+          </p:cNvSpPr>
           <p:nvPr>
-            <p:ph idx="1" type="body"/>
+            <p:ph type="body" idx="1"/>
           </p:nvPr>
         </p:nvSpPr>
         <p:spPr>
@@ -8612,12 +9335,12 @@
           </a:prstGeom>
         </p:spPr>
         <p:txBody>
-          <a:bodyPr anchorCtr="0" anchor="t" bIns="91425" lIns="91425" spcFirstLastPara="1" rIns="91425" wrap="square" tIns="91425">
+          <a:bodyPr spcFirstLastPara="1" wrap="square" lIns="91425" tIns="91425" rIns="91425" bIns="91425" anchor="t" anchorCtr="0">
             <a:noAutofit/>
           </a:bodyPr>
           <a:lstStyle/>
           <a:p>
-            <a:pPr indent="0" lvl="0" marL="0" rtl="0" algn="just">
+            <a:pPr marL="0" lvl="0" indent="0" algn="just" rtl="0">
               <a:spcBef>
                 <a:spcPts val="0"/>
               </a:spcBef>
@@ -8655,7 +9378,7 @@
             </a:endParaRPr>
           </a:p>
           <a:p>
-            <a:pPr indent="0" lvl="0" marL="0" rtl="0" algn="just">
+            <a:pPr marL="0" lvl="0" indent="0" algn="just" rtl="0">
               <a:spcBef>
                 <a:spcPts val="1600"/>
               </a:spcBef>
@@ -8693,7 +9416,7 @@
             </a:endParaRPr>
           </a:p>
           <a:p>
-            <a:pPr indent="0" lvl="0" marL="0" rtl="0" algn="just">
+            <a:pPr marL="0" lvl="0" indent="0" algn="just" rtl="0">
               <a:spcBef>
                 <a:spcPts val="1600"/>
               </a:spcBef>
@@ -8731,7 +9454,7 @@
             </a:endParaRPr>
           </a:p>
           <a:p>
-            <a:pPr indent="0" lvl="0" marL="0" rtl="0" algn="just">
+            <a:pPr marL="0" lvl="0" indent="0" algn="just" rtl="0">
               <a:spcBef>
                 <a:spcPts val="1600"/>
               </a:spcBef>
@@ -8740,9 +9463,6 @@
               </a:spcAft>
               <a:buNone/>
             </a:pPr>
-            <a:r>
-              <a:t/>
-            </a:r>
             <a:endParaRPr sz="1200">
               <a:solidFill>
                 <a:srgbClr val="111C24"/>
@@ -8757,7 +9477,7 @@
             </a:endParaRPr>
           </a:p>
           <a:p>
-            <a:pPr indent="0" lvl="0" marL="0" rtl="0" algn="just">
+            <a:pPr marL="0" lvl="0" indent="0" algn="just" rtl="0">
               <a:spcBef>
                 <a:spcPts val="1600"/>
               </a:spcBef>
@@ -8766,9 +9486,6 @@
               </a:spcAft>
               <a:buNone/>
             </a:pPr>
-            <a:r>
-              <a:t/>
-            </a:r>
             <a:endParaRPr sz="1200">
               <a:solidFill>
                 <a:srgbClr val="111C24"/>
@@ -8793,11 +9510,11 @@
 </file>
 
 <file path=ppt/slides/slide3.xml><?xml version="1.0" encoding="utf-8"?>
-<p:sld xmlns:a="http://schemas.openxmlformats.org/drawingml/2006/main" xmlns:r="http://schemas.openxmlformats.org/officeDocument/2006/relationships" xmlns:mc="http://schemas.openxmlformats.org/markup-compatibility/2006" xmlns:mv="urn:schemas-microsoft-com:mac:vml" xmlns:p="http://schemas.openxmlformats.org/presentationml/2006/main" xmlns:c="http://schemas.openxmlformats.org/drawingml/2006/chart" xmlns:dgm="http://schemas.openxmlformats.org/drawingml/2006/diagram" xmlns:o="urn:schemas-microsoft-com:office:office" xmlns:v="urn:schemas-microsoft-com:vml" xmlns:pvml="urn:schemas-microsoft-com:office:powerpoint" xmlns:com="http://schemas.openxmlformats.org/drawingml/2006/compatibility" xmlns:p14="http://schemas.microsoft.com/office/powerpoint/2010/main" xmlns:p15="http://schemas.microsoft.com/office/powerpoint/2012/main">
+<p:sld xmlns:a="http://schemas.openxmlformats.org/drawingml/2006/main" xmlns:r="http://schemas.openxmlformats.org/officeDocument/2006/relationships" xmlns:p="http://schemas.openxmlformats.org/presentationml/2006/main">
   <p:cSld>
     <p:spTree>
       <p:nvGrpSpPr>
-        <p:cNvPr id="97" name="Shape 97"/>
+        <p:cNvPr id="1" name="Shape 97"/>
         <p:cNvGrpSpPr/>
         <p:nvPr/>
       </p:nvGrpSpPr>
@@ -8812,7 +9529,9 @@
       <p:sp>
         <p:nvSpPr>
           <p:cNvPr id="98" name="Google Shape;98;p15"/>
-          <p:cNvSpPr txBox="1"/>
+          <p:cNvSpPr txBox="1">
+            <a:spLocks noGrp="1"/>
+          </p:cNvSpPr>
           <p:nvPr>
             <p:ph type="title"/>
           </p:nvPr>
@@ -8827,12 +9546,12 @@
           </a:prstGeom>
         </p:spPr>
         <p:txBody>
-          <a:bodyPr anchorCtr="0" anchor="t" bIns="91425" lIns="91425" spcFirstLastPara="1" rIns="91425" wrap="square" tIns="91425">
+          <a:bodyPr spcFirstLastPara="1" wrap="square" lIns="91425" tIns="91425" rIns="91425" bIns="91425" anchor="t" anchorCtr="0">
             <a:noAutofit/>
           </a:bodyPr>
           <a:lstStyle/>
           <a:p>
-            <a:pPr indent="0" lvl="0" marL="0" rtl="0" algn="l">
+            <a:pPr marL="0" lvl="0" indent="0" algn="l" rtl="0">
               <a:spcBef>
                 <a:spcPts val="0"/>
               </a:spcBef>
@@ -8852,9 +9571,11 @@
       <p:sp>
         <p:nvSpPr>
           <p:cNvPr id="99" name="Google Shape;99;p15"/>
-          <p:cNvSpPr txBox="1"/>
+          <p:cNvSpPr txBox="1">
+            <a:spLocks noGrp="1"/>
+          </p:cNvSpPr>
           <p:nvPr>
-            <p:ph idx="1" type="body"/>
+            <p:ph type="body" idx="1"/>
           </p:nvPr>
         </p:nvSpPr>
         <p:spPr>
@@ -8867,12 +9588,12 @@
           </a:prstGeom>
         </p:spPr>
         <p:txBody>
-          <a:bodyPr anchorCtr="0" anchor="t" bIns="91425" lIns="91425" spcFirstLastPara="1" rIns="91425" wrap="square" tIns="91425">
+          <a:bodyPr spcFirstLastPara="1" wrap="square" lIns="91425" tIns="91425" rIns="91425" bIns="91425" anchor="t" anchorCtr="0">
             <a:noAutofit/>
           </a:bodyPr>
           <a:lstStyle/>
           <a:p>
-            <a:pPr indent="0" lvl="0" marL="0" marR="19050" rtl="0" algn="just">
+            <a:pPr marL="0" marR="19050" lvl="0" indent="0" algn="just" rtl="0">
               <a:spcBef>
                 <a:spcPts val="0"/>
               </a:spcBef>
@@ -8894,7 +9615,7 @@
               <a:t>To develop a </a:t>
             </a:r>
             <a:r>
-              <a:rPr b="1" lang="en" sz="1200">
+              <a:rPr lang="en" sz="1200" b="1">
                 <a:solidFill>
                   <a:srgbClr val="000000"/>
                 </a:solidFill>
@@ -8915,19 +9636,7 @@
                 <a:cs typeface="Roboto"/>
                 <a:sym typeface="Roboto"/>
               </a:rPr>
-              <a:t> using Convolutional Neural Networks. </a:t>
-            </a:r>
-            <a:r>
-              <a:rPr lang="en" sz="1200">
-                <a:solidFill>
-                  <a:srgbClr val="000000"/>
-                </a:solidFill>
-                <a:latin typeface="Roboto"/>
-                <a:ea typeface="Roboto"/>
-                <a:cs typeface="Roboto"/>
-                <a:sym typeface="Roboto"/>
-              </a:rPr>
-              <a:t>The project purpose is to train a convolutional neural network to drive an autonomous car on the tracks of Udacity’s Car Simulator environment.</a:t>
+              <a:t> using Convolutional Neural Networks. The project purpose is to train a convolutional neural network to drive an autonomous car on the tracks of Udacity’s Car Simulator environment.</a:t>
             </a:r>
             <a:endParaRPr sz="1200">
               <a:solidFill>
@@ -8940,7 +9649,27 @@
             </a:endParaRPr>
           </a:p>
           <a:p>
-            <a:pPr indent="0" lvl="0" marL="0" marR="19050" rtl="0" algn="just">
+            <a:pPr marL="0" marR="19050" lvl="0" indent="0" algn="just" rtl="0">
+              <a:spcBef>
+                <a:spcPts val="0"/>
+              </a:spcBef>
+              <a:spcAft>
+                <a:spcPts val="0"/>
+              </a:spcAft>
+              <a:buNone/>
+            </a:pPr>
+            <a:endParaRPr sz="1200">
+              <a:solidFill>
+                <a:srgbClr val="000000"/>
+              </a:solidFill>
+              <a:latin typeface="Roboto"/>
+              <a:ea typeface="Roboto"/>
+              <a:cs typeface="Roboto"/>
+              <a:sym typeface="Roboto"/>
+            </a:endParaRPr>
+          </a:p>
+          <a:p>
+            <a:pPr marL="0" marR="19050" lvl="0" indent="0" algn="just" rtl="0">
               <a:spcBef>
                 <a:spcPts val="0"/>
               </a:spcBef>
@@ -8950,7 +9679,16 @@
               <a:buNone/>
             </a:pPr>
             <a:r>
-              <a:t/>
+              <a:rPr lang="en" sz="1200">
+                <a:solidFill>
+                  <a:srgbClr val="000000"/>
+                </a:solidFill>
+                <a:latin typeface="Roboto"/>
+                <a:ea typeface="Roboto"/>
+                <a:cs typeface="Roboto"/>
+                <a:sym typeface="Roboto"/>
+              </a:rPr>
+              <a:t>To generalize the model by training the model on one track and testing it on another unforeseen track.</a:t>
             </a:r>
             <a:endParaRPr sz="1200">
               <a:solidFill>
@@ -8963,7 +9701,7 @@
             </a:endParaRPr>
           </a:p>
           <a:p>
-            <a:pPr indent="0" lvl="0" marL="0" marR="19050" rtl="0" algn="just">
+            <a:pPr marL="0" marR="19050" lvl="0" indent="0" algn="just" rtl="0">
               <a:spcBef>
                 <a:spcPts val="0"/>
               </a:spcBef>
@@ -8972,30 +9710,6 @@
               </a:spcAft>
               <a:buNone/>
             </a:pPr>
-            <a:r>
-              <a:rPr lang="en" sz="1200">
-                <a:solidFill>
-                  <a:srgbClr val="000000"/>
-                </a:solidFill>
-                <a:latin typeface="Roboto"/>
-                <a:ea typeface="Roboto"/>
-                <a:cs typeface="Roboto"/>
-                <a:sym typeface="Roboto"/>
-              </a:rPr>
-              <a:t>To generalize </a:t>
-            </a:r>
-            <a:r>
-              <a:rPr lang="en" sz="1200">
-                <a:solidFill>
-                  <a:srgbClr val="000000"/>
-                </a:solidFill>
-                <a:latin typeface="Roboto"/>
-                <a:ea typeface="Roboto"/>
-                <a:cs typeface="Roboto"/>
-                <a:sym typeface="Roboto"/>
-              </a:rPr>
-              <a:t>the model by training the model on one track and testing it on another unforeseen track.</a:t>
-            </a:r>
             <a:endParaRPr sz="1200">
               <a:solidFill>
                 <a:srgbClr val="000000"/>
@@ -9007,7 +9721,7 @@
             </a:endParaRPr>
           </a:p>
           <a:p>
-            <a:pPr indent="0" lvl="0" marL="0" marR="19050" rtl="0" algn="just">
+            <a:pPr marL="0" marR="19050" lvl="0" indent="0" algn="just" rtl="0">
               <a:spcBef>
                 <a:spcPts val="0"/>
               </a:spcBef>
@@ -9016,9 +9730,6 @@
               </a:spcAft>
               <a:buNone/>
             </a:pPr>
-            <a:r>
-              <a:t/>
-            </a:r>
             <a:endParaRPr sz="1200">
               <a:solidFill>
                 <a:srgbClr val="000000"/>
@@ -9030,41 +9741,15 @@
             </a:endParaRPr>
           </a:p>
           <a:p>
-            <a:pPr indent="0" lvl="0" marL="0" marR="19050" rtl="0" algn="just">
-              <a:spcBef>
-                <a:spcPts val="0"/>
-              </a:spcBef>
-              <a:spcAft>
-                <a:spcPts val="0"/>
+            <a:pPr marL="0" lvl="0" indent="0" algn="just" rtl="0">
+              <a:spcBef>
+                <a:spcPts val="0"/>
+              </a:spcBef>
+              <a:spcAft>
+                <a:spcPts val="1600"/>
               </a:spcAft>
               <a:buNone/>
             </a:pPr>
-            <a:r>
-              <a:t/>
-            </a:r>
-            <a:endParaRPr sz="1200">
-              <a:solidFill>
-                <a:srgbClr val="000000"/>
-              </a:solidFill>
-              <a:latin typeface="Roboto"/>
-              <a:ea typeface="Roboto"/>
-              <a:cs typeface="Roboto"/>
-              <a:sym typeface="Roboto"/>
-            </a:endParaRPr>
-          </a:p>
-          <a:p>
-            <a:pPr indent="0" lvl="0" marL="0" rtl="0" algn="just">
-              <a:spcBef>
-                <a:spcPts val="0"/>
-              </a:spcBef>
-              <a:spcAft>
-                <a:spcPts val="1600"/>
-              </a:spcAft>
-              <a:buNone/>
-            </a:pPr>
-            <a:r>
-              <a:t/>
-            </a:r>
             <a:endParaRPr sz="1200">
               <a:latin typeface="Roboto"/>
               <a:ea typeface="Roboto"/>
@@ -9083,11 +9768,11 @@
 </file>
 
 <file path=ppt/slides/slide4.xml><?xml version="1.0" encoding="utf-8"?>
-<p:sld xmlns:a="http://schemas.openxmlformats.org/drawingml/2006/main" xmlns:r="http://schemas.openxmlformats.org/officeDocument/2006/relationships" xmlns:mc="http://schemas.openxmlformats.org/markup-compatibility/2006" xmlns:mv="urn:schemas-microsoft-com:mac:vml" xmlns:p="http://schemas.openxmlformats.org/presentationml/2006/main" xmlns:c="http://schemas.openxmlformats.org/drawingml/2006/chart" xmlns:dgm="http://schemas.openxmlformats.org/drawingml/2006/diagram" xmlns:o="urn:schemas-microsoft-com:office:office" xmlns:v="urn:schemas-microsoft-com:vml" xmlns:pvml="urn:schemas-microsoft-com:office:powerpoint" xmlns:com="http://schemas.openxmlformats.org/drawingml/2006/compatibility" xmlns:p14="http://schemas.microsoft.com/office/powerpoint/2010/main" xmlns:p15="http://schemas.microsoft.com/office/powerpoint/2012/main">
+<p:sld xmlns:a="http://schemas.openxmlformats.org/drawingml/2006/main" xmlns:r="http://schemas.openxmlformats.org/officeDocument/2006/relationships" xmlns:p="http://schemas.openxmlformats.org/presentationml/2006/main">
   <p:cSld>
     <p:spTree>
       <p:nvGrpSpPr>
-        <p:cNvPr id="103" name="Shape 103"/>
+        <p:cNvPr id="1" name="Shape 103"/>
         <p:cNvGrpSpPr/>
         <p:nvPr/>
       </p:nvGrpSpPr>
@@ -9102,7 +9787,350 @@
       <p:sp>
         <p:nvSpPr>
           <p:cNvPr id="104" name="Google Shape;104;p16"/>
-          <p:cNvSpPr txBox="1"/>
+          <p:cNvSpPr txBox="1">
+            <a:spLocks noGrp="1"/>
+          </p:cNvSpPr>
+          <p:nvPr>
+            <p:ph type="title"/>
+          </p:nvPr>
+        </p:nvSpPr>
+        <p:spPr>
+          <a:xfrm>
+            <a:off x="729450" y="1318650"/>
+            <a:ext cx="7688700" cy="535200"/>
+          </a:xfrm>
+          <a:prstGeom prst="rect">
+            <a:avLst/>
+          </a:prstGeom>
+        </p:spPr>
+        <p:txBody>
+          <a:bodyPr spcFirstLastPara="1" wrap="square" lIns="91425" tIns="91425" rIns="91425" bIns="91425" anchor="t" anchorCtr="0">
+            <a:noAutofit/>
+          </a:bodyPr>
+          <a:lstStyle/>
+          <a:p>
+            <a:pPr marL="0" lvl="0" indent="0" algn="l" rtl="0">
+              <a:spcBef>
+                <a:spcPts val="0"/>
+              </a:spcBef>
+              <a:spcAft>
+                <a:spcPts val="0"/>
+              </a:spcAft>
+              <a:buNone/>
+            </a:pPr>
+            <a:r>
+              <a:rPr lang="en"/>
+              <a:t>Our project as a solution</a:t>
+            </a:r>
+            <a:endParaRPr/>
+          </a:p>
+        </p:txBody>
+      </p:sp>
+      <p:sp>
+        <p:nvSpPr>
+          <p:cNvPr id="105" name="Google Shape;105;p16"/>
+          <p:cNvSpPr txBox="1">
+            <a:spLocks noGrp="1"/>
+          </p:cNvSpPr>
+          <p:nvPr>
+            <p:ph type="body" idx="1"/>
+          </p:nvPr>
+        </p:nvSpPr>
+        <p:spPr>
+          <a:xfrm>
+            <a:off x="729450" y="2033875"/>
+            <a:ext cx="7688700" cy="2164200"/>
+          </a:xfrm>
+          <a:prstGeom prst="rect">
+            <a:avLst/>
+          </a:prstGeom>
+        </p:spPr>
+        <p:txBody>
+          <a:bodyPr spcFirstLastPara="1" wrap="square" lIns="91425" tIns="91425" rIns="91425" bIns="91425" anchor="t" anchorCtr="0">
+            <a:noAutofit/>
+          </a:bodyPr>
+          <a:lstStyle/>
+          <a:p>
+            <a:pPr marL="0" lvl="0" indent="0" algn="l" rtl="0">
+              <a:spcBef>
+                <a:spcPts val="0"/>
+              </a:spcBef>
+              <a:spcAft>
+                <a:spcPts val="0"/>
+              </a:spcAft>
+              <a:buNone/>
+            </a:pPr>
+            <a:r>
+              <a:rPr lang="en" sz="1200" b="1">
+                <a:solidFill>
+                  <a:srgbClr val="000000"/>
+                </a:solidFill>
+                <a:latin typeface="Roboto"/>
+                <a:ea typeface="Roboto"/>
+                <a:cs typeface="Roboto"/>
+                <a:sym typeface="Roboto"/>
+              </a:rPr>
+              <a:t>Udacity</a:t>
+            </a:r>
+            <a:r>
+              <a:rPr lang="en" sz="1200">
+                <a:solidFill>
+                  <a:srgbClr val="000000"/>
+                </a:solidFill>
+                <a:latin typeface="Roboto"/>
+                <a:ea typeface="Roboto"/>
+                <a:cs typeface="Roboto"/>
+                <a:sym typeface="Roboto"/>
+              </a:rPr>
+              <a:t> committed to building an </a:t>
+            </a:r>
+            <a:r>
+              <a:rPr lang="en" sz="1200" b="1">
+                <a:solidFill>
+                  <a:srgbClr val="000000"/>
+                </a:solidFill>
+                <a:latin typeface="Roboto"/>
+                <a:ea typeface="Roboto"/>
+                <a:cs typeface="Roboto"/>
+                <a:sym typeface="Roboto"/>
+              </a:rPr>
+              <a:t>open source self-driving car simulator</a:t>
+            </a:r>
+            <a:r>
+              <a:rPr lang="en" sz="1200">
+                <a:solidFill>
+                  <a:srgbClr val="000000"/>
+                </a:solidFill>
+                <a:latin typeface="Roboto"/>
+                <a:ea typeface="Roboto"/>
+                <a:cs typeface="Roboto"/>
+                <a:sym typeface="Roboto"/>
+              </a:rPr>
+              <a:t> as part of its effort to offer its self-driving car nanodegree program.</a:t>
+            </a:r>
+            <a:endParaRPr sz="1200">
+              <a:solidFill>
+                <a:srgbClr val="000000"/>
+              </a:solidFill>
+              <a:latin typeface="Roboto"/>
+              <a:ea typeface="Roboto"/>
+              <a:cs typeface="Roboto"/>
+              <a:sym typeface="Roboto"/>
+            </a:endParaRPr>
+          </a:p>
+          <a:p>
+            <a:pPr marL="0" lvl="0" indent="0" algn="l" rtl="0">
+              <a:spcBef>
+                <a:spcPts val="1600"/>
+              </a:spcBef>
+              <a:spcAft>
+                <a:spcPts val="0"/>
+              </a:spcAft>
+              <a:buNone/>
+            </a:pPr>
+            <a:r>
+              <a:rPr lang="en" sz="1200">
+                <a:solidFill>
+                  <a:srgbClr val="000000"/>
+                </a:solidFill>
+                <a:latin typeface="Roboto"/>
+                <a:ea typeface="Roboto"/>
+                <a:cs typeface="Roboto"/>
+                <a:sym typeface="Roboto"/>
+              </a:rPr>
+              <a:t>The Udacity simulator allows you can steer a car around a track for data collection. The driving simulator would </a:t>
+            </a:r>
+            <a:r>
+              <a:rPr lang="en" sz="1200" b="1">
+                <a:solidFill>
+                  <a:srgbClr val="000000"/>
+                </a:solidFill>
+                <a:latin typeface="Roboto"/>
+                <a:ea typeface="Roboto"/>
+                <a:cs typeface="Roboto"/>
+                <a:sym typeface="Roboto"/>
+              </a:rPr>
+              <a:t>save frames</a:t>
+            </a:r>
+            <a:r>
+              <a:rPr lang="en" sz="1200">
+                <a:solidFill>
+                  <a:srgbClr val="000000"/>
+                </a:solidFill>
+                <a:latin typeface="Roboto"/>
+                <a:ea typeface="Roboto"/>
+                <a:cs typeface="Roboto"/>
+                <a:sym typeface="Roboto"/>
+              </a:rPr>
+              <a:t> from</a:t>
+            </a:r>
+            <a:r>
+              <a:rPr lang="en" sz="1200" b="1">
+                <a:solidFill>
+                  <a:srgbClr val="000000"/>
+                </a:solidFill>
+                <a:latin typeface="Roboto"/>
+                <a:ea typeface="Roboto"/>
+                <a:cs typeface="Roboto"/>
+                <a:sym typeface="Roboto"/>
+              </a:rPr>
+              <a:t> three front-facing “cameras”</a:t>
+            </a:r>
+            <a:r>
+              <a:rPr lang="en" sz="1200">
+                <a:solidFill>
+                  <a:srgbClr val="000000"/>
+                </a:solidFill>
+                <a:latin typeface="Roboto"/>
+                <a:ea typeface="Roboto"/>
+                <a:cs typeface="Roboto"/>
+                <a:sym typeface="Roboto"/>
+              </a:rPr>
+              <a:t>, recording data from the car’s point of view; as well as various driving statistics </a:t>
+            </a:r>
+            <a:r>
+              <a:rPr lang="en" sz="1200" b="1">
+                <a:solidFill>
+                  <a:srgbClr val="000000"/>
+                </a:solidFill>
+                <a:latin typeface="Roboto"/>
+                <a:ea typeface="Roboto"/>
+                <a:cs typeface="Roboto"/>
+                <a:sym typeface="Roboto"/>
+              </a:rPr>
+              <a:t>like throttle, speed, and steering angle.</a:t>
+            </a:r>
+            <a:endParaRPr sz="1200" b="1">
+              <a:solidFill>
+                <a:srgbClr val="000000"/>
+              </a:solidFill>
+              <a:latin typeface="Roboto"/>
+              <a:ea typeface="Roboto"/>
+              <a:cs typeface="Roboto"/>
+              <a:sym typeface="Roboto"/>
+            </a:endParaRPr>
+          </a:p>
+          <a:p>
+            <a:pPr marL="0" lvl="0" indent="0" algn="l" rtl="0">
+              <a:spcBef>
+                <a:spcPts val="1600"/>
+              </a:spcBef>
+              <a:spcAft>
+                <a:spcPts val="0"/>
+              </a:spcAft>
+              <a:buNone/>
+            </a:pPr>
+            <a:r>
+              <a:rPr lang="en" sz="1200">
+                <a:solidFill>
+                  <a:srgbClr val="000000"/>
+                </a:solidFill>
+                <a:latin typeface="Roboto"/>
+                <a:ea typeface="Roboto"/>
+                <a:cs typeface="Roboto"/>
+                <a:sym typeface="Roboto"/>
+              </a:rPr>
+              <a:t>We use </a:t>
+            </a:r>
+            <a:r>
+              <a:rPr lang="en" sz="1200" b="1">
+                <a:solidFill>
+                  <a:srgbClr val="000000"/>
+                </a:solidFill>
+                <a:latin typeface="Roboto"/>
+                <a:ea typeface="Roboto"/>
+                <a:cs typeface="Roboto"/>
+                <a:sym typeface="Roboto"/>
+              </a:rPr>
+              <a:t>image data and steering angles</a:t>
+            </a:r>
+            <a:r>
+              <a:rPr lang="en" sz="1200">
+                <a:solidFill>
+                  <a:srgbClr val="000000"/>
+                </a:solidFill>
+                <a:latin typeface="Roboto"/>
+                <a:ea typeface="Roboto"/>
+                <a:cs typeface="Roboto"/>
+                <a:sym typeface="Roboto"/>
+              </a:rPr>
+              <a:t> to train a neural network and then use this model to drive the car autonomously around the track. We trained a </a:t>
+            </a:r>
+            <a:r>
+              <a:rPr lang="en" sz="1200" b="1">
+                <a:solidFill>
+                  <a:srgbClr val="000000"/>
+                </a:solidFill>
+                <a:latin typeface="Roboto"/>
+                <a:ea typeface="Roboto"/>
+                <a:cs typeface="Roboto"/>
+                <a:sym typeface="Roboto"/>
+              </a:rPr>
+              <a:t>convolutional neural network (CNN) </a:t>
+            </a:r>
+            <a:endParaRPr sz="1200" b="1">
+              <a:solidFill>
+                <a:srgbClr val="000000"/>
+              </a:solidFill>
+              <a:latin typeface="Roboto"/>
+              <a:ea typeface="Roboto"/>
+              <a:cs typeface="Roboto"/>
+              <a:sym typeface="Roboto"/>
+            </a:endParaRPr>
+          </a:p>
+          <a:p>
+            <a:pPr marL="0" lvl="0" indent="0" algn="l" rtl="0">
+              <a:spcBef>
+                <a:spcPts val="1600"/>
+              </a:spcBef>
+              <a:spcAft>
+                <a:spcPts val="1600"/>
+              </a:spcAft>
+              <a:buNone/>
+            </a:pPr>
+            <a:endParaRPr sz="1200">
+              <a:solidFill>
+                <a:srgbClr val="000000"/>
+              </a:solidFill>
+              <a:latin typeface="Roboto"/>
+              <a:ea typeface="Roboto"/>
+              <a:cs typeface="Roboto"/>
+              <a:sym typeface="Roboto"/>
+            </a:endParaRPr>
+          </a:p>
+        </p:txBody>
+      </p:sp>
+    </p:spTree>
+  </p:cSld>
+  <p:clrMapOvr>
+    <a:masterClrMapping/>
+  </p:clrMapOvr>
+</p:sld>
+</file>
+
+<file path=ppt/slides/slide5.xml><?xml version="1.0" encoding="utf-8"?>
+<p:sld xmlns:a="http://schemas.openxmlformats.org/drawingml/2006/main" xmlns:r="http://schemas.openxmlformats.org/officeDocument/2006/relationships" xmlns:p="http://schemas.openxmlformats.org/presentationml/2006/main">
+  <p:cSld>
+    <p:spTree>
+      <p:nvGrpSpPr>
+        <p:cNvPr id="1" name="Shape 109"/>
+        <p:cNvGrpSpPr/>
+        <p:nvPr/>
+      </p:nvGrpSpPr>
+      <p:grpSpPr>
+        <a:xfrm>
+          <a:off x="0" y="0"/>
+          <a:ext cx="0" cy="0"/>
+          <a:chOff x="0" y="0"/>
+          <a:chExt cx="0" cy="0"/>
+        </a:xfrm>
+      </p:grpSpPr>
+      <p:sp>
+        <p:nvSpPr>
+          <p:cNvPr id="110" name="Google Shape;110;p17"/>
+          <p:cNvSpPr txBox="1">
+            <a:spLocks noGrp="1"/>
+          </p:cNvSpPr>
           <p:nvPr>
             <p:ph type="title"/>
           </p:nvPr>
@@ -9117,12 +10145,12 @@
           </a:prstGeom>
         </p:spPr>
         <p:txBody>
-          <a:bodyPr anchorCtr="0" anchor="t" bIns="91425" lIns="91425" spcFirstLastPara="1" rIns="91425" wrap="square" tIns="91425">
+          <a:bodyPr spcFirstLastPara="1" wrap="square" lIns="91425" tIns="91425" rIns="91425" bIns="91425" anchor="t" anchorCtr="0">
             <a:noAutofit/>
           </a:bodyPr>
           <a:lstStyle/>
           <a:p>
-            <a:pPr indent="0" lvl="0" marL="0" rtl="0" algn="l">
+            <a:pPr marL="0" lvl="0" indent="0" algn="l" rtl="0">
               <a:spcBef>
                 <a:spcPts val="0"/>
               </a:spcBef>
@@ -9141,7 +10169,7 @@
       </p:sp>
       <p:pic>
         <p:nvPicPr>
-          <p:cNvPr id="105" name="Google Shape;105;p16"/>
+          <p:cNvPr id="111" name="Google Shape;111;p17"/>
           <p:cNvPicPr preferRelativeResize="0"/>
           <p:nvPr/>
         </p:nvPicPr>
@@ -9149,7 +10177,7 @@
           <a:blip r:embed="rId3">
             <a:alphaModFix/>
           </a:blip>
-          <a:srcRect b="0" l="0" r="0" t="4825"/>
+          <a:srcRect t="4825"/>
           <a:stretch/>
         </p:blipFill>
         <p:spPr>
@@ -9168,7 +10196,7 @@
       </p:pic>
       <p:pic>
         <p:nvPicPr>
-          <p:cNvPr id="106" name="Google Shape;106;p16"/>
+          <p:cNvPr id="112" name="Google Shape;112;p17"/>
           <p:cNvPicPr preferRelativeResize="0"/>
           <p:nvPr/>
         </p:nvPicPr>
@@ -9196,7 +10224,7 @@
       </p:pic>
       <p:pic>
         <p:nvPicPr>
-          <p:cNvPr id="107" name="Google Shape;107;p16"/>
+          <p:cNvPr id="113" name="Google Shape;113;p17"/>
           <p:cNvPicPr preferRelativeResize="0"/>
           <p:nvPr/>
         </p:nvPicPr>
@@ -9204,7 +10232,7 @@
           <a:blip r:embed="rId5">
             <a:alphaModFix/>
           </a:blip>
-          <a:srcRect b="7339" l="0" r="0" t="19114"/>
+          <a:srcRect t="19114" b="7339"/>
           <a:stretch/>
         </p:blipFill>
         <p:spPr>
@@ -9229,376 +10257,12 @@
 </p:sld>
 </file>
 
-<file path=ppt/slides/slide5.xml><?xml version="1.0" encoding="utf-8"?>
-<p:sld xmlns:a="http://schemas.openxmlformats.org/drawingml/2006/main" xmlns:r="http://schemas.openxmlformats.org/officeDocument/2006/relationships" xmlns:mc="http://schemas.openxmlformats.org/markup-compatibility/2006" xmlns:mv="urn:schemas-microsoft-com:mac:vml" xmlns:p="http://schemas.openxmlformats.org/presentationml/2006/main" xmlns:c="http://schemas.openxmlformats.org/drawingml/2006/chart" xmlns:dgm="http://schemas.openxmlformats.org/drawingml/2006/diagram" xmlns:o="urn:schemas-microsoft-com:office:office" xmlns:v="urn:schemas-microsoft-com:vml" xmlns:pvml="urn:schemas-microsoft-com:office:powerpoint" xmlns:com="http://schemas.openxmlformats.org/drawingml/2006/compatibility" xmlns:p14="http://schemas.microsoft.com/office/powerpoint/2010/main" xmlns:p15="http://schemas.microsoft.com/office/powerpoint/2012/main">
+<file path=ppt/slides/slide6.xml><?xml version="1.0" encoding="utf-8"?>
+<p:sld xmlns:a="http://schemas.openxmlformats.org/drawingml/2006/main" xmlns:r="http://schemas.openxmlformats.org/officeDocument/2006/relationships" xmlns:p="http://schemas.openxmlformats.org/presentationml/2006/main">
   <p:cSld>
     <p:spTree>
       <p:nvGrpSpPr>
-        <p:cNvPr id="111" name="Shape 111"/>
-        <p:cNvGrpSpPr/>
-        <p:nvPr/>
-      </p:nvGrpSpPr>
-      <p:grpSpPr>
-        <a:xfrm>
-          <a:off x="0" y="0"/>
-          <a:ext cx="0" cy="0"/>
-          <a:chOff x="0" y="0"/>
-          <a:chExt cx="0" cy="0"/>
-        </a:xfrm>
-      </p:grpSpPr>
-      <p:sp>
-        <p:nvSpPr>
-          <p:cNvPr id="112" name="Google Shape;112;p17"/>
-          <p:cNvSpPr txBox="1"/>
-          <p:nvPr>
-            <p:ph type="title"/>
-          </p:nvPr>
-        </p:nvSpPr>
-        <p:spPr>
-          <a:xfrm>
-            <a:off x="729450" y="1318650"/>
-            <a:ext cx="7688700" cy="535200"/>
-          </a:xfrm>
-          <a:prstGeom prst="rect">
-            <a:avLst/>
-          </a:prstGeom>
-        </p:spPr>
-        <p:txBody>
-          <a:bodyPr anchorCtr="0" anchor="t" bIns="91425" lIns="91425" spcFirstLastPara="1" rIns="91425" wrap="square" tIns="91425">
-            <a:noAutofit/>
-          </a:bodyPr>
-          <a:lstStyle/>
-          <a:p>
-            <a:pPr indent="0" lvl="0" marL="0" rtl="0" algn="l">
-              <a:spcBef>
-                <a:spcPts val="0"/>
-              </a:spcBef>
-              <a:spcAft>
-                <a:spcPts val="0"/>
-              </a:spcAft>
-              <a:buNone/>
-            </a:pPr>
-            <a:r>
-              <a:rPr lang="en"/>
-              <a:t>Our project as a solution</a:t>
-            </a:r>
-            <a:endParaRPr/>
-          </a:p>
-        </p:txBody>
-      </p:sp>
-      <p:sp>
-        <p:nvSpPr>
-          <p:cNvPr id="113" name="Google Shape;113;p17"/>
-          <p:cNvSpPr txBox="1"/>
-          <p:nvPr>
-            <p:ph idx="1" type="body"/>
-          </p:nvPr>
-        </p:nvSpPr>
-        <p:spPr>
-          <a:xfrm>
-            <a:off x="729450" y="2033875"/>
-            <a:ext cx="7688700" cy="2164200"/>
-          </a:xfrm>
-          <a:prstGeom prst="rect">
-            <a:avLst/>
-          </a:prstGeom>
-        </p:spPr>
-        <p:txBody>
-          <a:bodyPr anchorCtr="0" anchor="t" bIns="91425" lIns="91425" spcFirstLastPara="1" rIns="91425" wrap="square" tIns="91425">
-            <a:noAutofit/>
-          </a:bodyPr>
-          <a:lstStyle/>
-          <a:p>
-            <a:pPr indent="0" lvl="0" marL="0" rtl="0" algn="l">
-              <a:spcBef>
-                <a:spcPts val="0"/>
-              </a:spcBef>
-              <a:spcAft>
-                <a:spcPts val="0"/>
-              </a:spcAft>
-              <a:buNone/>
-            </a:pPr>
-            <a:r>
-              <a:rPr b="1" lang="en" sz="1200">
-                <a:solidFill>
-                  <a:srgbClr val="000000"/>
-                </a:solidFill>
-                <a:latin typeface="Roboto"/>
-                <a:ea typeface="Roboto"/>
-                <a:cs typeface="Roboto"/>
-                <a:sym typeface="Roboto"/>
-              </a:rPr>
-              <a:t>Udacity</a:t>
-            </a:r>
-            <a:r>
-              <a:rPr lang="en" sz="1200">
-                <a:solidFill>
-                  <a:srgbClr val="000000"/>
-                </a:solidFill>
-                <a:latin typeface="Roboto"/>
-                <a:ea typeface="Roboto"/>
-                <a:cs typeface="Roboto"/>
-                <a:sym typeface="Roboto"/>
-              </a:rPr>
-              <a:t> committed to building an </a:t>
-            </a:r>
-            <a:r>
-              <a:rPr b="1" lang="en" sz="1200">
-                <a:solidFill>
-                  <a:srgbClr val="000000"/>
-                </a:solidFill>
-                <a:latin typeface="Roboto"/>
-                <a:ea typeface="Roboto"/>
-                <a:cs typeface="Roboto"/>
-                <a:sym typeface="Roboto"/>
-              </a:rPr>
-              <a:t>open source self-driving car simulator</a:t>
-            </a:r>
-            <a:r>
-              <a:rPr lang="en" sz="1200">
-                <a:solidFill>
-                  <a:srgbClr val="000000"/>
-                </a:solidFill>
-                <a:latin typeface="Roboto"/>
-                <a:ea typeface="Roboto"/>
-                <a:cs typeface="Roboto"/>
-                <a:sym typeface="Roboto"/>
-              </a:rPr>
-              <a:t> as part of its effort to offer its self-driving car nanodegree program.</a:t>
-            </a:r>
-            <a:endParaRPr sz="1200">
-              <a:solidFill>
-                <a:srgbClr val="000000"/>
-              </a:solidFill>
-              <a:latin typeface="Roboto"/>
-              <a:ea typeface="Roboto"/>
-              <a:cs typeface="Roboto"/>
-              <a:sym typeface="Roboto"/>
-            </a:endParaRPr>
-          </a:p>
-          <a:p>
-            <a:pPr indent="0" lvl="0" marL="0" rtl="0" algn="l">
-              <a:spcBef>
-                <a:spcPts val="1600"/>
-              </a:spcBef>
-              <a:spcAft>
-                <a:spcPts val="0"/>
-              </a:spcAft>
-              <a:buNone/>
-            </a:pPr>
-            <a:r>
-              <a:rPr lang="en" sz="1200">
-                <a:solidFill>
-                  <a:srgbClr val="000000"/>
-                </a:solidFill>
-                <a:latin typeface="Roboto"/>
-                <a:ea typeface="Roboto"/>
-                <a:cs typeface="Roboto"/>
-                <a:sym typeface="Roboto"/>
-              </a:rPr>
-              <a:t>The Udacity simulator allows you can steer a car around a track for data collection. </a:t>
-            </a:r>
-            <a:r>
-              <a:rPr lang="en" sz="1200">
-                <a:solidFill>
-                  <a:srgbClr val="000000"/>
-                </a:solidFill>
-                <a:latin typeface="Roboto"/>
-                <a:ea typeface="Roboto"/>
-                <a:cs typeface="Roboto"/>
-                <a:sym typeface="Roboto"/>
-              </a:rPr>
-              <a:t>The driving simulator would </a:t>
-            </a:r>
-            <a:r>
-              <a:rPr b="1" lang="en" sz="1200">
-                <a:solidFill>
-                  <a:srgbClr val="000000"/>
-                </a:solidFill>
-                <a:latin typeface="Roboto"/>
-                <a:ea typeface="Roboto"/>
-                <a:cs typeface="Roboto"/>
-                <a:sym typeface="Roboto"/>
-              </a:rPr>
-              <a:t>save frames</a:t>
-            </a:r>
-            <a:r>
-              <a:rPr lang="en" sz="1200">
-                <a:solidFill>
-                  <a:srgbClr val="000000"/>
-                </a:solidFill>
-                <a:latin typeface="Roboto"/>
-                <a:ea typeface="Roboto"/>
-                <a:cs typeface="Roboto"/>
-                <a:sym typeface="Roboto"/>
-              </a:rPr>
-              <a:t> from</a:t>
-            </a:r>
-            <a:r>
-              <a:rPr b="1" lang="en" sz="1200">
-                <a:solidFill>
-                  <a:srgbClr val="000000"/>
-                </a:solidFill>
-                <a:latin typeface="Roboto"/>
-                <a:ea typeface="Roboto"/>
-                <a:cs typeface="Roboto"/>
-                <a:sym typeface="Roboto"/>
-              </a:rPr>
-              <a:t> three front-facing “cameras”</a:t>
-            </a:r>
-            <a:r>
-              <a:rPr lang="en" sz="1200">
-                <a:solidFill>
-                  <a:srgbClr val="000000"/>
-                </a:solidFill>
-                <a:latin typeface="Roboto"/>
-                <a:ea typeface="Roboto"/>
-                <a:cs typeface="Roboto"/>
-                <a:sym typeface="Roboto"/>
-              </a:rPr>
-              <a:t>, recording data from the car’s point of view; as well as various driving statistics </a:t>
-            </a:r>
-            <a:r>
-              <a:rPr b="1" lang="en" sz="1200">
-                <a:solidFill>
-                  <a:srgbClr val="000000"/>
-                </a:solidFill>
-                <a:latin typeface="Roboto"/>
-                <a:ea typeface="Roboto"/>
-                <a:cs typeface="Roboto"/>
-                <a:sym typeface="Roboto"/>
-              </a:rPr>
-              <a:t>like throttle, speed, and steering angle.</a:t>
-            </a:r>
-            <a:endParaRPr b="1" sz="1200">
-              <a:solidFill>
-                <a:srgbClr val="000000"/>
-              </a:solidFill>
-              <a:latin typeface="Roboto"/>
-              <a:ea typeface="Roboto"/>
-              <a:cs typeface="Roboto"/>
-              <a:sym typeface="Roboto"/>
-            </a:endParaRPr>
-          </a:p>
-          <a:p>
-            <a:pPr indent="0" lvl="0" marL="0" rtl="0" algn="l">
-              <a:spcBef>
-                <a:spcPts val="1600"/>
-              </a:spcBef>
-              <a:spcAft>
-                <a:spcPts val="0"/>
-              </a:spcAft>
-              <a:buNone/>
-            </a:pPr>
-            <a:r>
-              <a:rPr lang="en" sz="1200">
-                <a:solidFill>
-                  <a:srgbClr val="000000"/>
-                </a:solidFill>
-                <a:latin typeface="Roboto"/>
-                <a:ea typeface="Roboto"/>
-                <a:cs typeface="Roboto"/>
-                <a:sym typeface="Roboto"/>
-              </a:rPr>
-              <a:t>We use </a:t>
-            </a:r>
-            <a:r>
-              <a:rPr b="1" lang="en" sz="1200">
-                <a:solidFill>
-                  <a:srgbClr val="000000"/>
-                </a:solidFill>
-                <a:latin typeface="Roboto"/>
-                <a:ea typeface="Roboto"/>
-                <a:cs typeface="Roboto"/>
-                <a:sym typeface="Roboto"/>
-              </a:rPr>
-              <a:t>image data and steering angles</a:t>
-            </a:r>
-            <a:r>
-              <a:rPr lang="en" sz="1200">
-                <a:solidFill>
-                  <a:srgbClr val="000000"/>
-                </a:solidFill>
-                <a:latin typeface="Roboto"/>
-                <a:ea typeface="Roboto"/>
-                <a:cs typeface="Roboto"/>
-                <a:sym typeface="Roboto"/>
-              </a:rPr>
-              <a:t> to train a neural network and then use this model to drive the car autonomously around the track. </a:t>
-            </a:r>
-            <a:r>
-              <a:rPr lang="en" sz="1200">
-                <a:solidFill>
-                  <a:srgbClr val="000000"/>
-                </a:solidFill>
-                <a:latin typeface="Roboto"/>
-                <a:ea typeface="Roboto"/>
-                <a:cs typeface="Roboto"/>
-                <a:sym typeface="Roboto"/>
-              </a:rPr>
-              <a:t>We trained a </a:t>
-            </a:r>
-            <a:r>
-              <a:rPr b="1" lang="en" sz="1200">
-                <a:solidFill>
-                  <a:srgbClr val="000000"/>
-                </a:solidFill>
-                <a:latin typeface="Roboto"/>
-                <a:ea typeface="Roboto"/>
-                <a:cs typeface="Roboto"/>
-                <a:sym typeface="Roboto"/>
-              </a:rPr>
-              <a:t>convolutional neural network (CNN) </a:t>
-            </a:r>
-            <a:endParaRPr b="1" sz="1200">
-              <a:solidFill>
-                <a:srgbClr val="000000"/>
-              </a:solidFill>
-              <a:latin typeface="Roboto"/>
-              <a:ea typeface="Roboto"/>
-              <a:cs typeface="Roboto"/>
-              <a:sym typeface="Roboto"/>
-            </a:endParaRPr>
-          </a:p>
-          <a:p>
-            <a:pPr indent="0" lvl="0" marL="0" rtl="0" algn="l">
-              <a:spcBef>
-                <a:spcPts val="1600"/>
-              </a:spcBef>
-              <a:spcAft>
-                <a:spcPts val="1600"/>
-              </a:spcAft>
-              <a:buNone/>
-            </a:pPr>
-            <a:r>
-              <a:t/>
-            </a:r>
-            <a:endParaRPr sz="1200">
-              <a:solidFill>
-                <a:srgbClr val="000000"/>
-              </a:solidFill>
-              <a:latin typeface="Roboto"/>
-              <a:ea typeface="Roboto"/>
-              <a:cs typeface="Roboto"/>
-              <a:sym typeface="Roboto"/>
-            </a:endParaRPr>
-          </a:p>
-        </p:txBody>
-      </p:sp>
-    </p:spTree>
-  </p:cSld>
-  <p:clrMapOvr>
-    <a:masterClrMapping/>
-  </p:clrMapOvr>
-</p:sld>
-</file>
-
-<file path=ppt/slides/slide6.xml><?xml version="1.0" encoding="utf-8"?>
-<p:sld xmlns:a="http://schemas.openxmlformats.org/drawingml/2006/main" xmlns:r="http://schemas.openxmlformats.org/officeDocument/2006/relationships" xmlns:mc="http://schemas.openxmlformats.org/markup-compatibility/2006" xmlns:mv="urn:schemas-microsoft-com:mac:vml" xmlns:p="http://schemas.openxmlformats.org/presentationml/2006/main" xmlns:c="http://schemas.openxmlformats.org/drawingml/2006/chart" xmlns:dgm="http://schemas.openxmlformats.org/drawingml/2006/diagram" xmlns:o="urn:schemas-microsoft-com:office:office" xmlns:v="urn:schemas-microsoft-com:vml" xmlns:pvml="urn:schemas-microsoft-com:office:powerpoint" xmlns:com="http://schemas.openxmlformats.org/drawingml/2006/compatibility" xmlns:p14="http://schemas.microsoft.com/office/powerpoint/2010/main" xmlns:p15="http://schemas.microsoft.com/office/powerpoint/2012/main">
-  <p:cSld>
-    <p:spTree>
-      <p:nvGrpSpPr>
-        <p:cNvPr id="117" name="Shape 117"/>
+        <p:cNvPr id="1" name="Shape 117"/>
         <p:cNvGrpSpPr/>
         <p:nvPr/>
       </p:nvGrpSpPr>
@@ -9613,7 +10277,299 @@
       <p:sp>
         <p:nvSpPr>
           <p:cNvPr id="118" name="Google Shape;118;p18"/>
-          <p:cNvSpPr txBox="1"/>
+          <p:cNvSpPr txBox="1">
+            <a:spLocks noGrp="1"/>
+          </p:cNvSpPr>
+          <p:nvPr>
+            <p:ph type="title"/>
+          </p:nvPr>
+        </p:nvSpPr>
+        <p:spPr>
+          <a:xfrm>
+            <a:off x="669175" y="585275"/>
+            <a:ext cx="7688700" cy="535200"/>
+          </a:xfrm>
+          <a:prstGeom prst="rect">
+            <a:avLst/>
+          </a:prstGeom>
+        </p:spPr>
+        <p:txBody>
+          <a:bodyPr spcFirstLastPara="1" wrap="square" lIns="91425" tIns="91425" rIns="91425" bIns="91425" anchor="t" anchorCtr="0">
+            <a:noAutofit/>
+          </a:bodyPr>
+          <a:lstStyle/>
+          <a:p>
+            <a:pPr marL="0" lvl="0" indent="0" algn="l" rtl="0">
+              <a:spcBef>
+                <a:spcPts val="0"/>
+              </a:spcBef>
+              <a:spcAft>
+                <a:spcPts val="0"/>
+              </a:spcAft>
+              <a:buNone/>
+            </a:pPr>
+            <a:r>
+              <a:rPr lang="en"/>
+              <a:t>Dataset</a:t>
+            </a:r>
+            <a:endParaRPr/>
+          </a:p>
+        </p:txBody>
+      </p:sp>
+      <p:pic>
+        <p:nvPicPr>
+          <p:cNvPr id="119" name="Google Shape;119;p18"/>
+          <p:cNvPicPr preferRelativeResize="0"/>
+          <p:nvPr/>
+        </p:nvPicPr>
+        <p:blipFill rotWithShape="1">
+          <a:blip r:embed="rId3">
+            <a:alphaModFix/>
+          </a:blip>
+          <a:srcRect l="3465" t="25741" r="5806" b="10495"/>
+          <a:stretch/>
+        </p:blipFill>
+        <p:spPr>
+          <a:xfrm>
+            <a:off x="381750" y="1366250"/>
+            <a:ext cx="8182901" cy="3234776"/>
+          </a:xfrm>
+          <a:prstGeom prst="rect">
+            <a:avLst/>
+          </a:prstGeom>
+          <a:noFill/>
+          <a:ln>
+            <a:noFill/>
+          </a:ln>
+        </p:spPr>
+      </p:pic>
+      <p:sp>
+        <p:nvSpPr>
+          <p:cNvPr id="120" name="Google Shape;120;p18"/>
+          <p:cNvSpPr/>
+          <p:nvPr/>
+        </p:nvSpPr>
+        <p:spPr>
+          <a:xfrm>
+            <a:off x="823750" y="1486800"/>
+            <a:ext cx="241200" cy="150600"/>
+          </a:xfrm>
+          <a:prstGeom prst="rightArrow">
+            <a:avLst>
+              <a:gd name="adj1" fmla="val 50000"/>
+              <a:gd name="adj2" fmla="val 50000"/>
+            </a:avLst>
+          </a:prstGeom>
+          <a:solidFill>
+            <a:schemeClr val="lt2"/>
+          </a:solidFill>
+          <a:ln w="9525" cap="flat" cmpd="sng">
+            <a:solidFill>
+              <a:schemeClr val="dk2"/>
+            </a:solidFill>
+            <a:prstDash val="solid"/>
+            <a:round/>
+            <a:headEnd type="none" w="sm" len="sm"/>
+            <a:tailEnd type="none" w="sm" len="sm"/>
+          </a:ln>
+        </p:spPr>
+        <p:txBody>
+          <a:bodyPr spcFirstLastPara="1" wrap="square" lIns="91425" tIns="91425" rIns="91425" bIns="91425" anchor="ctr" anchorCtr="0">
+            <a:noAutofit/>
+          </a:bodyPr>
+          <a:lstStyle/>
+          <a:p>
+            <a:pPr marL="0" lvl="0" indent="0" algn="l" rtl="0">
+              <a:spcBef>
+                <a:spcPts val="0"/>
+              </a:spcBef>
+              <a:spcAft>
+                <a:spcPts val="0"/>
+              </a:spcAft>
+              <a:buNone/>
+            </a:pPr>
+            <a:endParaRPr/>
+          </a:p>
+        </p:txBody>
+      </p:sp>
+      <p:sp>
+        <p:nvSpPr>
+          <p:cNvPr id="121" name="Google Shape;121;p18"/>
+          <p:cNvSpPr/>
+          <p:nvPr/>
+        </p:nvSpPr>
+        <p:spPr>
+          <a:xfrm>
+            <a:off x="2412700" y="1486800"/>
+            <a:ext cx="241200" cy="150600"/>
+          </a:xfrm>
+          <a:prstGeom prst="rightArrow">
+            <a:avLst>
+              <a:gd name="adj1" fmla="val 50000"/>
+              <a:gd name="adj2" fmla="val 50000"/>
+            </a:avLst>
+          </a:prstGeom>
+          <a:solidFill>
+            <a:schemeClr val="lt2"/>
+          </a:solidFill>
+          <a:ln w="9525" cap="flat" cmpd="sng">
+            <a:solidFill>
+              <a:schemeClr val="dk2"/>
+            </a:solidFill>
+            <a:prstDash val="solid"/>
+            <a:round/>
+            <a:headEnd type="none" w="sm" len="sm"/>
+            <a:tailEnd type="none" w="sm" len="sm"/>
+          </a:ln>
+        </p:spPr>
+        <p:txBody>
+          <a:bodyPr spcFirstLastPara="1" wrap="square" lIns="91425" tIns="91425" rIns="91425" bIns="91425" anchor="ctr" anchorCtr="0">
+            <a:noAutofit/>
+          </a:bodyPr>
+          <a:lstStyle/>
+          <a:p>
+            <a:pPr marL="0" lvl="0" indent="0" algn="l" rtl="0">
+              <a:spcBef>
+                <a:spcPts val="0"/>
+              </a:spcBef>
+              <a:spcAft>
+                <a:spcPts val="0"/>
+              </a:spcAft>
+              <a:buNone/>
+            </a:pPr>
+            <a:endParaRPr/>
+          </a:p>
+        </p:txBody>
+      </p:sp>
+      <p:sp>
+        <p:nvSpPr>
+          <p:cNvPr id="122" name="Google Shape;122;p18"/>
+          <p:cNvSpPr/>
+          <p:nvPr/>
+        </p:nvSpPr>
+        <p:spPr>
+          <a:xfrm>
+            <a:off x="4041850" y="1486800"/>
+            <a:ext cx="241200" cy="150600"/>
+          </a:xfrm>
+          <a:prstGeom prst="rightArrow">
+            <a:avLst>
+              <a:gd name="adj1" fmla="val 50000"/>
+              <a:gd name="adj2" fmla="val 50000"/>
+            </a:avLst>
+          </a:prstGeom>
+          <a:solidFill>
+            <a:schemeClr val="lt2"/>
+          </a:solidFill>
+          <a:ln w="9525" cap="flat" cmpd="sng">
+            <a:solidFill>
+              <a:schemeClr val="dk2"/>
+            </a:solidFill>
+            <a:prstDash val="solid"/>
+            <a:round/>
+            <a:headEnd type="none" w="sm" len="sm"/>
+            <a:tailEnd type="none" w="sm" len="sm"/>
+          </a:ln>
+        </p:spPr>
+        <p:txBody>
+          <a:bodyPr spcFirstLastPara="1" wrap="square" lIns="91425" tIns="91425" rIns="91425" bIns="91425" anchor="ctr" anchorCtr="0">
+            <a:noAutofit/>
+          </a:bodyPr>
+          <a:lstStyle/>
+          <a:p>
+            <a:pPr marL="0" lvl="0" indent="0" algn="l" rtl="0">
+              <a:spcBef>
+                <a:spcPts val="0"/>
+              </a:spcBef>
+              <a:spcAft>
+                <a:spcPts val="0"/>
+              </a:spcAft>
+              <a:buNone/>
+            </a:pPr>
+            <a:endParaRPr/>
+          </a:p>
+        </p:txBody>
+      </p:sp>
+      <p:sp>
+        <p:nvSpPr>
+          <p:cNvPr id="123" name="Google Shape;123;p18"/>
+          <p:cNvSpPr/>
+          <p:nvPr/>
+        </p:nvSpPr>
+        <p:spPr>
+          <a:xfrm>
+            <a:off x="5460025" y="1486800"/>
+            <a:ext cx="241200" cy="150600"/>
+          </a:xfrm>
+          <a:prstGeom prst="rightArrow">
+            <a:avLst>
+              <a:gd name="adj1" fmla="val 50000"/>
+              <a:gd name="adj2" fmla="val 50000"/>
+            </a:avLst>
+          </a:prstGeom>
+          <a:solidFill>
+            <a:schemeClr val="lt2"/>
+          </a:solidFill>
+          <a:ln w="9525" cap="flat" cmpd="sng">
+            <a:solidFill>
+              <a:schemeClr val="dk2"/>
+            </a:solidFill>
+            <a:prstDash val="solid"/>
+            <a:round/>
+            <a:headEnd type="none" w="sm" len="sm"/>
+            <a:tailEnd type="none" w="sm" len="sm"/>
+          </a:ln>
+        </p:spPr>
+        <p:txBody>
+          <a:bodyPr spcFirstLastPara="1" wrap="square" lIns="91425" tIns="91425" rIns="91425" bIns="91425" anchor="ctr" anchorCtr="0">
+            <a:noAutofit/>
+          </a:bodyPr>
+          <a:lstStyle/>
+          <a:p>
+            <a:pPr marL="0" lvl="0" indent="0" algn="l" rtl="0">
+              <a:spcBef>
+                <a:spcPts val="0"/>
+              </a:spcBef>
+              <a:spcAft>
+                <a:spcPts val="0"/>
+              </a:spcAft>
+              <a:buNone/>
+            </a:pPr>
+            <a:endParaRPr/>
+          </a:p>
+        </p:txBody>
+      </p:sp>
+    </p:spTree>
+  </p:cSld>
+  <p:clrMapOvr>
+    <a:masterClrMapping/>
+  </p:clrMapOvr>
+</p:sld>
+</file>
+
+<file path=ppt/slides/slide7.xml><?xml version="1.0" encoding="utf-8"?>
+<p:sld xmlns:a="http://schemas.openxmlformats.org/drawingml/2006/main" xmlns:r="http://schemas.openxmlformats.org/officeDocument/2006/relationships" xmlns:p="http://schemas.openxmlformats.org/presentationml/2006/main">
+  <p:cSld>
+    <p:spTree>
+      <p:nvGrpSpPr>
+        <p:cNvPr id="1" name="Shape 127"/>
+        <p:cNvGrpSpPr/>
+        <p:nvPr/>
+      </p:nvGrpSpPr>
+      <p:grpSpPr>
+        <a:xfrm>
+          <a:off x="0" y="0"/>
+          <a:ext cx="0" cy="0"/>
+          <a:chOff x="0" y="0"/>
+          <a:chExt cx="0" cy="0"/>
+        </a:xfrm>
+      </p:grpSpPr>
+      <p:sp>
+        <p:nvSpPr>
+          <p:cNvPr id="128" name="Google Shape;128;p19"/>
+          <p:cNvSpPr txBox="1">
+            <a:spLocks noGrp="1"/>
+          </p:cNvSpPr>
           <p:nvPr>
             <p:ph type="title"/>
           </p:nvPr>
@@ -9628,12 +10584,12 @@
           </a:prstGeom>
         </p:spPr>
         <p:txBody>
-          <a:bodyPr anchorCtr="0" anchor="t" bIns="91425" lIns="91425" spcFirstLastPara="1" rIns="91425" wrap="square" tIns="91425">
+          <a:bodyPr spcFirstLastPara="1" wrap="square" lIns="91425" tIns="91425" rIns="91425" bIns="91425" anchor="t" anchorCtr="0">
             <a:noAutofit/>
           </a:bodyPr>
           <a:lstStyle/>
           <a:p>
-            <a:pPr indent="0" lvl="0" marL="0" rtl="0" algn="l">
+            <a:pPr marL="0" lvl="0" indent="0" algn="l" rtl="0">
               <a:spcBef>
                 <a:spcPts val="0"/>
               </a:spcBef>
@@ -9652,7 +10608,7 @@
       </p:sp>
       <p:pic>
         <p:nvPicPr>
-          <p:cNvPr id="119" name="Google Shape;119;p18"/>
+          <p:cNvPr id="129" name="Google Shape;129;p19"/>
           <p:cNvPicPr preferRelativeResize="0"/>
           <p:nvPr/>
         </p:nvPicPr>
@@ -9686,38 +10642,38 @@
   <p:timing>
     <p:tnLst>
       <p:par>
-        <p:cTn dur="indefinite" nodeType="tmRoot" restart="never">
+        <p:cTn id="1" dur="indefinite" restart="never" nodeType="tmRoot">
           <p:childTnLst>
             <p:seq concurrent="1" nextAc="seek">
-              <p:cTn dur="indefinite" id="2" nodeType="mainSeq">
+              <p:cTn id="2" dur="indefinite" nodeType="mainSeq">
                 <p:childTnLst>
                   <p:par>
-                    <p:cTn fill="hold">
+                    <p:cTn id="3" fill="hold">
                       <p:stCondLst>
                         <p:cond delay="indefinite"/>
                       </p:stCondLst>
                       <p:childTnLst>
                         <p:par>
-                          <p:cTn fill="hold">
+                          <p:cTn id="4" fill="hold">
                             <p:stCondLst>
                               <p:cond delay="0"/>
                             </p:stCondLst>
                             <p:childTnLst>
                               <p:par>
-                                <p:cTn fill="hold" nodeType="clickEffect" presetClass="entr" presetID="10" presetSubtype="0">
+                                <p:cTn id="5" presetID="10" presetClass="entr" presetSubtype="0" fill="hold" nodeType="clickEffect">
                                   <p:stCondLst>
                                     <p:cond delay="0"/>
                                   </p:stCondLst>
                                   <p:childTnLst>
                                     <p:set>
                                       <p:cBhvr>
-                                        <p:cTn dur="1" fill="hold">
+                                        <p:cTn id="6" dur="1" fill="hold">
                                           <p:stCondLst>
                                             <p:cond delay="0"/>
                                           </p:stCondLst>
                                         </p:cTn>
                                         <p:tgtEl>
-                                          <p:spTgt spid="119"/>
+                                          <p:spTgt spid="129"/>
                                         </p:tgtEl>
                                         <p:attrNameLst>
                                           <p:attrName>style.visibility</p:attrName>
@@ -9727,11 +10683,11 @@
                                         <p:strVal val="visible"/>
                                       </p:to>
                                     </p:set>
-                                    <p:animEffect filter="fade" transition="in">
+                                    <p:animEffect transition="in" filter="fade">
                                       <p:cBhvr>
-                                        <p:cTn dur="1000"/>
+                                        <p:cTn id="7" dur="1000"/>
                                         <p:tgtEl>
-                                          <p:spTgt spid="119"/>
+                                          <p:spTgt spid="129"/>
                                         </p:tgtEl>
                                       </p:cBhvr>
                                     </p:animEffect>
@@ -9747,14 +10703,14 @@
                 </p:childTnLst>
               </p:cTn>
               <p:prevCondLst>
-                <p:cond evt="onPrev">
+                <p:cond evt="onPrev" delay="0">
                   <p:tgtEl>
                     <p:sldTgt/>
                   </p:tgtEl>
                 </p:cond>
               </p:prevCondLst>
               <p:nextCondLst>
-                <p:cond evt="onNext">
+                <p:cond evt="onNext" delay="0">
                   <p:tgtEl>
                     <p:sldTgt/>
                   </p:tgtEl>
@@ -9769,12 +10725,12 @@
 </p:sld>
 </file>
 
-<file path=ppt/slides/slide7.xml><?xml version="1.0" encoding="utf-8"?>
-<p:sld xmlns:a="http://schemas.openxmlformats.org/drawingml/2006/main" xmlns:r="http://schemas.openxmlformats.org/officeDocument/2006/relationships" xmlns:mc="http://schemas.openxmlformats.org/markup-compatibility/2006" xmlns:mv="urn:schemas-microsoft-com:mac:vml" xmlns:p="http://schemas.openxmlformats.org/presentationml/2006/main" xmlns:c="http://schemas.openxmlformats.org/drawingml/2006/chart" xmlns:dgm="http://schemas.openxmlformats.org/drawingml/2006/diagram" xmlns:o="urn:schemas-microsoft-com:office:office" xmlns:v="urn:schemas-microsoft-com:vml" xmlns:pvml="urn:schemas-microsoft-com:office:powerpoint" xmlns:com="http://schemas.openxmlformats.org/drawingml/2006/compatibility" xmlns:p14="http://schemas.microsoft.com/office/powerpoint/2010/main" xmlns:p15="http://schemas.microsoft.com/office/powerpoint/2012/main">
+<file path=ppt/slides/slide8.xml><?xml version="1.0" encoding="utf-8"?>
+<p:sld xmlns:a="http://schemas.openxmlformats.org/drawingml/2006/main" xmlns:r="http://schemas.openxmlformats.org/officeDocument/2006/relationships" xmlns:p="http://schemas.openxmlformats.org/presentationml/2006/main">
   <p:cSld>
     <p:spTree>
       <p:nvGrpSpPr>
-        <p:cNvPr id="123" name="Shape 123"/>
+        <p:cNvPr id="1" name="Shape 133"/>
         <p:cNvGrpSpPr/>
         <p:nvPr/>
       </p:nvGrpSpPr>
@@ -9788,7 +10744,7 @@
       </p:grpSpPr>
       <p:pic>
         <p:nvPicPr>
-          <p:cNvPr id="124" name="Google Shape;124;p19"/>
+          <p:cNvPr id="134" name="Google Shape;134;p20"/>
           <p:cNvPicPr preferRelativeResize="0"/>
           <p:nvPr/>
         </p:nvPicPr>
@@ -9802,7 +10758,7 @@
         </p:blipFill>
         <p:spPr>
           <a:xfrm>
-            <a:off x="2233524" y="942450"/>
+            <a:off x="164074" y="815150"/>
             <a:ext cx="6349451" cy="4201051"/>
           </a:xfrm>
           <a:prstGeom prst="rect">
@@ -9816,15 +10772,17 @@
       </p:pic>
       <p:sp>
         <p:nvSpPr>
-          <p:cNvPr id="125" name="Google Shape;125;p19"/>
-          <p:cNvSpPr txBox="1"/>
+          <p:cNvPr id="135" name="Google Shape;135;p20"/>
+          <p:cNvSpPr txBox="1">
+            <a:spLocks noGrp="1"/>
+          </p:cNvSpPr>
           <p:nvPr>
             <p:ph type="title"/>
           </p:nvPr>
         </p:nvSpPr>
         <p:spPr>
           <a:xfrm>
-            <a:off x="1929225" y="507700"/>
+            <a:off x="221425" y="75725"/>
             <a:ext cx="7135800" cy="930300"/>
           </a:xfrm>
           <a:prstGeom prst="rect">
@@ -9832,12 +10790,12 @@
           </a:prstGeom>
         </p:spPr>
         <p:txBody>
-          <a:bodyPr anchorCtr="0" anchor="t" bIns="91425" lIns="91425" spcFirstLastPara="1" rIns="91425" wrap="square" tIns="91425">
+          <a:bodyPr spcFirstLastPara="1" wrap="square" lIns="91425" tIns="91425" rIns="91425" bIns="91425" anchor="t" anchorCtr="0">
             <a:noAutofit/>
           </a:bodyPr>
           <a:lstStyle/>
           <a:p>
-            <a:pPr indent="0" lvl="0" marL="0" rtl="0" algn="l">
+            <a:pPr marL="0" lvl="0" indent="0" algn="l" rtl="0">
               <a:spcBef>
                 <a:spcPts val="0"/>
               </a:spcBef>
@@ -9851,6 +10809,58 @@
               <a:t>Block Representation of our Autonomous Driving System</a:t>
             </a:r>
             <a:endParaRPr/>
+          </a:p>
+        </p:txBody>
+      </p:sp>
+      <p:sp>
+        <p:nvSpPr>
+          <p:cNvPr id="136" name="Google Shape;136;p20"/>
+          <p:cNvSpPr txBox="1"/>
+          <p:nvPr/>
+        </p:nvSpPr>
+        <p:spPr>
+          <a:xfrm>
+            <a:off x="5727275" y="3496000"/>
+            <a:ext cx="2785200" cy="663000"/>
+          </a:xfrm>
+          <a:prstGeom prst="rect">
+            <a:avLst/>
+          </a:prstGeom>
+          <a:noFill/>
+          <a:ln>
+            <a:noFill/>
+          </a:ln>
+        </p:spPr>
+        <p:txBody>
+          <a:bodyPr spcFirstLastPara="1" wrap="square" lIns="91425" tIns="91425" rIns="91425" bIns="91425" anchor="t" anchorCtr="0">
+            <a:noAutofit/>
+          </a:bodyPr>
+          <a:lstStyle/>
+          <a:p>
+            <a:pPr marL="0" lvl="0" indent="0" algn="l" rtl="0">
+              <a:spcBef>
+                <a:spcPts val="0"/>
+              </a:spcBef>
+              <a:spcAft>
+                <a:spcPts val="0"/>
+              </a:spcAft>
+              <a:buNone/>
+            </a:pPr>
+            <a:r>
+              <a:rPr lang="en">
+                <a:latin typeface="Lato"/>
+                <a:ea typeface="Lato"/>
+                <a:cs typeface="Lato"/>
+                <a:sym typeface="Lato"/>
+              </a:rPr>
+              <a:t>throttle = 1.0 - steering_angle**2 - (speed/speed_limit)**2</a:t>
+            </a:r>
+            <a:endParaRPr>
+              <a:latin typeface="Lato"/>
+              <a:ea typeface="Lato"/>
+              <a:cs typeface="Lato"/>
+              <a:sym typeface="Lato"/>
+            </a:endParaRPr>
           </a:p>
         </p:txBody>
       </p:sp>
@@ -9862,12 +10872,12 @@
 </p:sld>
 </file>
 
-<file path=ppt/slides/slide8.xml><?xml version="1.0" encoding="utf-8"?>
-<p:sld xmlns:a="http://schemas.openxmlformats.org/drawingml/2006/main" xmlns:r="http://schemas.openxmlformats.org/officeDocument/2006/relationships" xmlns:mc="http://schemas.openxmlformats.org/markup-compatibility/2006" xmlns:mv="urn:schemas-microsoft-com:mac:vml" xmlns:p="http://schemas.openxmlformats.org/presentationml/2006/main" xmlns:c="http://schemas.openxmlformats.org/drawingml/2006/chart" xmlns:dgm="http://schemas.openxmlformats.org/drawingml/2006/diagram" xmlns:o="urn:schemas-microsoft-com:office:office" xmlns:v="urn:schemas-microsoft-com:vml" xmlns:pvml="urn:schemas-microsoft-com:office:powerpoint" xmlns:com="http://schemas.openxmlformats.org/drawingml/2006/compatibility" xmlns:p14="http://schemas.microsoft.com/office/powerpoint/2010/main" xmlns:p15="http://schemas.microsoft.com/office/powerpoint/2012/main">
+<file path=ppt/slides/slide9.xml><?xml version="1.0" encoding="utf-8"?>
+<p:sld xmlns:a="http://schemas.openxmlformats.org/drawingml/2006/main" xmlns:r="http://schemas.openxmlformats.org/officeDocument/2006/relationships" xmlns:p="http://schemas.openxmlformats.org/presentationml/2006/main">
   <p:cSld>
     <p:spTree>
       <p:nvGrpSpPr>
-        <p:cNvPr id="129" name="Shape 129"/>
+        <p:cNvPr id="1" name="Shape 140"/>
         <p:cNvGrpSpPr/>
         <p:nvPr/>
       </p:nvGrpSpPr>
@@ -9881,8 +10891,10 @@
       </p:grpSpPr>
       <p:sp>
         <p:nvSpPr>
-          <p:cNvPr id="130" name="Google Shape;130;p20"/>
-          <p:cNvSpPr txBox="1"/>
+          <p:cNvPr id="141" name="Google Shape;141;p21"/>
+          <p:cNvSpPr txBox="1">
+            <a:spLocks noGrp="1"/>
+          </p:cNvSpPr>
           <p:nvPr>
             <p:ph type="title"/>
           </p:nvPr>
@@ -9897,12 +10909,12 @@
           </a:prstGeom>
         </p:spPr>
         <p:txBody>
-          <a:bodyPr anchorCtr="0" anchor="t" bIns="91425" lIns="91425" spcFirstLastPara="1" rIns="91425" wrap="square" tIns="91425">
+          <a:bodyPr spcFirstLastPara="1" wrap="square" lIns="91425" tIns="91425" rIns="91425" bIns="91425" anchor="t" anchorCtr="0">
             <a:noAutofit/>
           </a:bodyPr>
           <a:lstStyle/>
           <a:p>
-            <a:pPr indent="0" lvl="0" marL="0" rtl="0" algn="l">
+            <a:pPr marL="0" lvl="0" indent="0" algn="l" rtl="0">
               <a:spcBef>
                 <a:spcPts val="0"/>
               </a:spcBef>
@@ -9918,7 +10930,7 @@
             <a:endParaRPr/>
           </a:p>
           <a:p>
-            <a:pPr indent="0" lvl="0" marL="0" rtl="0" algn="l">
+            <a:pPr marL="0" lvl="0" indent="0" algn="l" rtl="0">
               <a:spcBef>
                 <a:spcPts val="0"/>
               </a:spcBef>
@@ -9937,7 +10949,7 @@
       </p:sp>
       <p:pic>
         <p:nvPicPr>
-          <p:cNvPr id="131" name="Google Shape;131;p20"/>
+          <p:cNvPr id="142" name="Google Shape;142;p21"/>
           <p:cNvPicPr preferRelativeResize="0"/>
           <p:nvPr/>
         </p:nvPicPr>
@@ -9971,165 +10983,8 @@
 </p:sld>
 </file>
 
-<file path=ppt/slides/slide9.xml><?xml version="1.0" encoding="utf-8"?>
-<p:sld xmlns:a="http://schemas.openxmlformats.org/drawingml/2006/main" xmlns:r="http://schemas.openxmlformats.org/officeDocument/2006/relationships" xmlns:mc="http://schemas.openxmlformats.org/markup-compatibility/2006" xmlns:mv="urn:schemas-microsoft-com:mac:vml" xmlns:p="http://schemas.openxmlformats.org/presentationml/2006/main" xmlns:c="http://schemas.openxmlformats.org/drawingml/2006/chart" xmlns:dgm="http://schemas.openxmlformats.org/drawingml/2006/diagram" xmlns:o="urn:schemas-microsoft-com:office:office" xmlns:v="urn:schemas-microsoft-com:vml" xmlns:pvml="urn:schemas-microsoft-com:office:powerpoint" xmlns:com="http://schemas.openxmlformats.org/drawingml/2006/compatibility" xmlns:p14="http://schemas.microsoft.com/office/powerpoint/2010/main" xmlns:p15="http://schemas.microsoft.com/office/powerpoint/2012/main">
-  <p:cSld>
-    <p:spTree>
-      <p:nvGrpSpPr>
-        <p:cNvPr id="135" name="Shape 135"/>
-        <p:cNvGrpSpPr/>
-        <p:nvPr/>
-      </p:nvGrpSpPr>
-      <p:grpSpPr>
-        <a:xfrm>
-          <a:off x="0" y="0"/>
-          <a:ext cx="0" cy="0"/>
-          <a:chOff x="0" y="0"/>
-          <a:chExt cx="0" cy="0"/>
-        </a:xfrm>
-      </p:grpSpPr>
-      <p:sp>
-        <p:nvSpPr>
-          <p:cNvPr id="136" name="Google Shape;136;p21"/>
-          <p:cNvSpPr txBox="1"/>
-          <p:nvPr>
-            <p:ph type="title"/>
-          </p:nvPr>
-        </p:nvSpPr>
-        <p:spPr>
-          <a:xfrm>
-            <a:off x="729450" y="1318650"/>
-            <a:ext cx="7688700" cy="535200"/>
-          </a:xfrm>
-          <a:prstGeom prst="rect">
-            <a:avLst/>
-          </a:prstGeom>
-        </p:spPr>
-        <p:txBody>
-          <a:bodyPr anchorCtr="0" anchor="t" bIns="91425" lIns="91425" spcFirstLastPara="1" rIns="91425" wrap="square" tIns="91425">
-            <a:noAutofit/>
-          </a:bodyPr>
-          <a:lstStyle/>
-          <a:p>
-            <a:pPr indent="0" lvl="0" marL="0" rtl="0" algn="l">
-              <a:spcBef>
-                <a:spcPts val="0"/>
-              </a:spcBef>
-              <a:spcAft>
-                <a:spcPts val="0"/>
-              </a:spcAft>
-              <a:buNone/>
-            </a:pPr>
-            <a:r>
-              <a:rPr lang="en"/>
-              <a:t>Conclusions/Results</a:t>
-            </a:r>
-            <a:endParaRPr/>
-          </a:p>
-        </p:txBody>
-      </p:sp>
-      <p:sp>
-        <p:nvSpPr>
-          <p:cNvPr id="137" name="Google Shape;137;p21"/>
-          <p:cNvSpPr txBox="1"/>
-          <p:nvPr>
-            <p:ph idx="1" type="body"/>
-          </p:nvPr>
-        </p:nvSpPr>
-        <p:spPr>
-          <a:xfrm>
-            <a:off x="729450" y="2078875"/>
-            <a:ext cx="7688700" cy="2261100"/>
-          </a:xfrm>
-          <a:prstGeom prst="rect">
-            <a:avLst/>
-          </a:prstGeom>
-        </p:spPr>
-        <p:txBody>
-          <a:bodyPr anchorCtr="0" anchor="t" bIns="91425" lIns="91425" spcFirstLastPara="1" rIns="91425" wrap="square" tIns="91425">
-            <a:noAutofit/>
-          </a:bodyPr>
-          <a:lstStyle/>
-          <a:p>
-            <a:pPr indent="-317500" lvl="0" marL="457200" rtl="0" algn="l">
-              <a:spcBef>
-                <a:spcPts val="0"/>
-              </a:spcBef>
-              <a:spcAft>
-                <a:spcPts val="0"/>
-              </a:spcAft>
-              <a:buSzPts val="1400"/>
-              <a:buAutoNum type="arabicPeriod"/>
-            </a:pPr>
-            <a:r>
-              <a:rPr lang="en" sz="1400"/>
-              <a:t>The system is able to predict the steering of the car with a good accuracy.</a:t>
-            </a:r>
-            <a:endParaRPr sz="1400"/>
-          </a:p>
-          <a:p>
-            <a:pPr indent="-317500" lvl="0" marL="457200" rtl="0" algn="l">
-              <a:spcBef>
-                <a:spcPts val="0"/>
-              </a:spcBef>
-              <a:spcAft>
-                <a:spcPts val="0"/>
-              </a:spcAft>
-              <a:buSzPts val="1400"/>
-              <a:buAutoNum type="arabicPeriod"/>
-            </a:pPr>
-            <a:r>
-              <a:rPr lang="en" sz="1400"/>
-              <a:t>On higher max speed limit, the car is not able to react fast enough to its environment.</a:t>
-            </a:r>
-            <a:endParaRPr sz="1400"/>
-          </a:p>
-          <a:p>
-            <a:pPr indent="-317500" lvl="0" marL="457200" rtl="0" algn="l">
-              <a:spcBef>
-                <a:spcPts val="0"/>
-              </a:spcBef>
-              <a:spcAft>
-                <a:spcPts val="0"/>
-              </a:spcAft>
-              <a:buSzPts val="1400"/>
-              <a:buAutoNum type="arabicPeriod"/>
-            </a:pPr>
-            <a:r>
-              <a:rPr lang="en" sz="1400"/>
-              <a:t>The model is generalized well as the system is able to drive the car even on the unseen track quite well. </a:t>
-            </a:r>
-            <a:endParaRPr sz="1400"/>
-          </a:p>
-          <a:p>
-            <a:pPr indent="-317500" lvl="0" marL="457200" rtl="0" algn="l">
-              <a:spcBef>
-                <a:spcPts val="0"/>
-              </a:spcBef>
-              <a:spcAft>
-                <a:spcPts val="0"/>
-              </a:spcAft>
-              <a:buSzPts val="1400"/>
-              <a:buAutoNum type="arabicPeriod"/>
-            </a:pPr>
-            <a:r>
-              <a:rPr lang="en" sz="1400"/>
-              <a:t>Constraint: The system has to be trained on the track with higher level features and it can be run to predict the values for the track with unforeseen but lower level features. Vice versa results in improper driving of the car on the unforeseen track..</a:t>
-            </a:r>
-            <a:endParaRPr sz="1400"/>
-          </a:p>
-        </p:txBody>
-      </p:sp>
-    </p:spTree>
-  </p:cSld>
-  <p:clrMapOvr>
-    <a:masterClrMapping/>
-  </p:clrMapOvr>
-</p:sld>
-</file>
-
 <file path=ppt/theme/theme1.xml><?xml version="1.0" encoding="utf-8"?>
-<a:theme xmlns:a="http://schemas.openxmlformats.org/drawingml/2006/main" xmlns:r="http://schemas.openxmlformats.org/officeDocument/2006/relationships" name="Streamline">
+<a:theme xmlns:a="http://schemas.openxmlformats.org/drawingml/2006/main" name="Streamline">
   <a:themeElements>
     <a:clrScheme name="Streamline">
       <a:dk1>
@@ -10404,11 +11259,13 @@
       </a:bgFillStyleLst>
     </a:fmtScheme>
   </a:themeElements>
+  <a:objectDefaults/>
+  <a:extraClrSchemeLst/>
 </a:theme>
 </file>
 
 <file path=ppt/theme/theme2.xml><?xml version="1.0" encoding="utf-8"?>
-<a:theme xmlns:a="http://schemas.openxmlformats.org/drawingml/2006/main" xmlns:r="http://schemas.openxmlformats.org/officeDocument/2006/relationships">
+<a:theme xmlns:a="http://schemas.openxmlformats.org/drawingml/2006/main">
   <a:themeElements>
     <a:clrScheme name="Default">
       <a:dk1>
@@ -10683,5 +11540,7 @@
       </a:bgFillStyleLst>
     </a:fmtScheme>
   </a:themeElements>
+  <a:objectDefaults/>
+  <a:extraClrSchemeLst/>
 </a:theme>
 </file>